--- a/AprendizadoMaquina/Tópico 02 - Aprendizado Supervisionado/02 - NAIVE BAYES/Tópico 02 - Aprendizado-Supervisionado - Naive Bayes.pptx
+++ b/AprendizadoMaquina/Tópico 02 - Aprendizado Supervisionado/02 - NAIVE BAYES/Tópico 02 - Aprendizado-Supervisionado - Naive Bayes.pptx
@@ -317,7 +317,7 @@
             <a:pPr algn="r">
               <a:buNone/>
             </a:pPr>
-            <a:fld id="{1C017D62-4E5E-4856-8C32-ED9AF0223BD5}" type="slidenum">
+            <a:fld id="{CA2D8581-FFE4-4B58-B3CB-05B37A06EB75}" type="slidenum">
               <a:rPr b="0" lang="pt-BR" sz="1400" spc="-1" strike="noStrike">
                 <a:latin typeface="Times New Roman"/>
               </a:rPr>
@@ -354,7 +354,7 @@
       </p:grpSpPr>
       <p:sp>
         <p:nvSpPr>
-          <p:cNvPr id="369" name="PlaceHolder 1"/>
+          <p:cNvPr id="366" name="PlaceHolder 1"/>
           <p:cNvSpPr>
             <a:spLocks noGrp="1"/>
           </p:cNvSpPr>
@@ -365,19 +365,19 @@
         <p:spPr>
           <a:xfrm>
             <a:off x="1376280" y="1336680"/>
-            <a:ext cx="4800600" cy="3600360"/>
-          </a:xfrm>
-          <a:prstGeom prst="rect">
-            <a:avLst/>
-          </a:prstGeom>
-          <a:ln w="0">
-            <a:noFill/>
-          </a:ln>
-        </p:spPr>
-      </p:sp>
-      <p:sp>
-        <p:nvSpPr>
-          <p:cNvPr id="370" name="PlaceHolder 2"/>
+            <a:ext cx="4799880" cy="3599640"/>
+          </a:xfrm>
+          <a:prstGeom prst="rect">
+            <a:avLst/>
+          </a:prstGeom>
+          <a:ln w="0">
+            <a:noFill/>
+          </a:ln>
+        </p:spPr>
+      </p:sp>
+      <p:sp>
+        <p:nvSpPr>
+          <p:cNvPr id="367" name="PlaceHolder 2"/>
           <p:cNvSpPr>
             <a:spLocks noGrp="1"/>
           </p:cNvSpPr>
@@ -388,7 +388,7 @@
         <p:spPr>
           <a:xfrm>
             <a:off x="756000" y="5145120"/>
-            <a:ext cx="6040800" cy="4203000"/>
+            <a:ext cx="6040080" cy="4202280"/>
           </a:xfrm>
           <a:prstGeom prst="rect">
             <a:avLst/>
@@ -411,14 +411,14 @@
       </p:sp>
       <p:sp>
         <p:nvSpPr>
-          <p:cNvPr id="371" name="CustomShape 3"/>
+          <p:cNvPr id="368" name="CustomShape 3"/>
           <p:cNvSpPr/>
           <p:nvPr/>
         </p:nvSpPr>
         <p:spPr>
           <a:xfrm>
             <a:off x="0" y="10155240"/>
-            <a:ext cx="3269160" cy="529560"/>
+            <a:ext cx="3268440" cy="528840"/>
           </a:xfrm>
           <a:prstGeom prst="rect">
             <a:avLst/>
@@ -485,7 +485,7 @@
       </p:grpSpPr>
       <p:sp>
         <p:nvSpPr>
-          <p:cNvPr id="396" name="PlaceHolder 1"/>
+          <p:cNvPr id="393" name="PlaceHolder 1"/>
           <p:cNvSpPr>
             <a:spLocks noGrp="1"/>
           </p:cNvSpPr>
@@ -496,19 +496,19 @@
         <p:spPr>
           <a:xfrm>
             <a:off x="1376280" y="1336680"/>
-            <a:ext cx="4794840" cy="3594600"/>
-          </a:xfrm>
-          <a:prstGeom prst="rect">
-            <a:avLst/>
-          </a:prstGeom>
-          <a:ln w="0">
-            <a:noFill/>
-          </a:ln>
-        </p:spPr>
-      </p:sp>
-      <p:sp>
-        <p:nvSpPr>
-          <p:cNvPr id="397" name="PlaceHolder 2"/>
+            <a:ext cx="4794120" cy="3593880"/>
+          </a:xfrm>
+          <a:prstGeom prst="rect">
+            <a:avLst/>
+          </a:prstGeom>
+          <a:ln w="0">
+            <a:noFill/>
+          </a:ln>
+        </p:spPr>
+      </p:sp>
+      <p:sp>
+        <p:nvSpPr>
+          <p:cNvPr id="394" name="PlaceHolder 2"/>
           <p:cNvSpPr>
             <a:spLocks noGrp="1"/>
           </p:cNvSpPr>
@@ -519,7 +519,7 @@
         <p:spPr>
           <a:xfrm>
             <a:off x="756000" y="5145120"/>
-            <a:ext cx="6034320" cy="4196520"/>
+            <a:ext cx="6033600" cy="4195800"/>
           </a:xfrm>
           <a:prstGeom prst="rect">
             <a:avLst/>
@@ -542,14 +542,14 @@
       </p:sp>
       <p:sp>
         <p:nvSpPr>
-          <p:cNvPr id="398" name="CustomShape 36"/>
+          <p:cNvPr id="395" name="CustomShape 36"/>
           <p:cNvSpPr/>
           <p:nvPr/>
         </p:nvSpPr>
         <p:spPr>
           <a:xfrm>
             <a:off x="0" y="10155240"/>
-            <a:ext cx="3262680" cy="523080"/>
+            <a:ext cx="3261960" cy="522360"/>
           </a:xfrm>
           <a:prstGeom prst="rect">
             <a:avLst/>
@@ -616,7 +616,7 @@
       </p:grpSpPr>
       <p:sp>
         <p:nvSpPr>
-          <p:cNvPr id="399" name="PlaceHolder 1"/>
+          <p:cNvPr id="396" name="PlaceHolder 1"/>
           <p:cNvSpPr>
             <a:spLocks noGrp="1"/>
           </p:cNvSpPr>
@@ -627,19 +627,19 @@
         <p:spPr>
           <a:xfrm>
             <a:off x="1376280" y="1336680"/>
-            <a:ext cx="4794840" cy="3594600"/>
-          </a:xfrm>
-          <a:prstGeom prst="rect">
-            <a:avLst/>
-          </a:prstGeom>
-          <a:ln w="0">
-            <a:noFill/>
-          </a:ln>
-        </p:spPr>
-      </p:sp>
-      <p:sp>
-        <p:nvSpPr>
-          <p:cNvPr id="400" name="PlaceHolder 2"/>
+            <a:ext cx="4794120" cy="3593880"/>
+          </a:xfrm>
+          <a:prstGeom prst="rect">
+            <a:avLst/>
+          </a:prstGeom>
+          <a:ln w="0">
+            <a:noFill/>
+          </a:ln>
+        </p:spPr>
+      </p:sp>
+      <p:sp>
+        <p:nvSpPr>
+          <p:cNvPr id="397" name="PlaceHolder 2"/>
           <p:cNvSpPr>
             <a:spLocks noGrp="1"/>
           </p:cNvSpPr>
@@ -650,7 +650,7 @@
         <p:spPr>
           <a:xfrm>
             <a:off x="756000" y="5145120"/>
-            <a:ext cx="6034320" cy="4196520"/>
+            <a:ext cx="6033600" cy="4195800"/>
           </a:xfrm>
           <a:prstGeom prst="rect">
             <a:avLst/>
@@ -673,14 +673,14 @@
       </p:sp>
       <p:sp>
         <p:nvSpPr>
-          <p:cNvPr id="401" name="CustomShape 40"/>
+          <p:cNvPr id="398" name="CustomShape 40"/>
           <p:cNvSpPr/>
           <p:nvPr/>
         </p:nvSpPr>
         <p:spPr>
           <a:xfrm>
             <a:off x="0" y="10155240"/>
-            <a:ext cx="3262680" cy="523080"/>
+            <a:ext cx="3261960" cy="522360"/>
           </a:xfrm>
           <a:prstGeom prst="rect">
             <a:avLst/>
@@ -747,7 +747,7 @@
       </p:grpSpPr>
       <p:sp>
         <p:nvSpPr>
-          <p:cNvPr id="402" name="PlaceHolder 1"/>
+          <p:cNvPr id="399" name="PlaceHolder 1"/>
           <p:cNvSpPr>
             <a:spLocks noGrp="1"/>
           </p:cNvSpPr>
@@ -758,19 +758,19 @@
         <p:spPr>
           <a:xfrm>
             <a:off x="1376280" y="1336680"/>
-            <a:ext cx="4794840" cy="3594600"/>
-          </a:xfrm>
-          <a:prstGeom prst="rect">
-            <a:avLst/>
-          </a:prstGeom>
-          <a:ln w="0">
-            <a:noFill/>
-          </a:ln>
-        </p:spPr>
-      </p:sp>
-      <p:sp>
-        <p:nvSpPr>
-          <p:cNvPr id="403" name="PlaceHolder 2"/>
+            <a:ext cx="4794120" cy="3593880"/>
+          </a:xfrm>
+          <a:prstGeom prst="rect">
+            <a:avLst/>
+          </a:prstGeom>
+          <a:ln w="0">
+            <a:noFill/>
+          </a:ln>
+        </p:spPr>
+      </p:sp>
+      <p:sp>
+        <p:nvSpPr>
+          <p:cNvPr id="400" name="PlaceHolder 2"/>
           <p:cNvSpPr>
             <a:spLocks noGrp="1"/>
           </p:cNvSpPr>
@@ -781,7 +781,7 @@
         <p:spPr>
           <a:xfrm>
             <a:off x="756000" y="5145120"/>
-            <a:ext cx="6034320" cy="4196520"/>
+            <a:ext cx="6033600" cy="4195800"/>
           </a:xfrm>
           <a:prstGeom prst="rect">
             <a:avLst/>
@@ -804,14 +804,14 @@
       </p:sp>
       <p:sp>
         <p:nvSpPr>
-          <p:cNvPr id="404" name="CustomShape 44"/>
+          <p:cNvPr id="401" name="CustomShape 44"/>
           <p:cNvSpPr/>
           <p:nvPr/>
         </p:nvSpPr>
         <p:spPr>
           <a:xfrm>
             <a:off x="0" y="10155240"/>
-            <a:ext cx="3262680" cy="523080"/>
+            <a:ext cx="3261960" cy="522360"/>
           </a:xfrm>
           <a:prstGeom prst="rect">
             <a:avLst/>
@@ -878,7 +878,7 @@
       </p:grpSpPr>
       <p:sp>
         <p:nvSpPr>
-          <p:cNvPr id="405" name="PlaceHolder 1"/>
+          <p:cNvPr id="402" name="PlaceHolder 1"/>
           <p:cNvSpPr>
             <a:spLocks noGrp="1"/>
           </p:cNvSpPr>
@@ -889,19 +889,19 @@
         <p:spPr>
           <a:xfrm>
             <a:off x="1376280" y="1336680"/>
-            <a:ext cx="4794840" cy="3594600"/>
-          </a:xfrm>
-          <a:prstGeom prst="rect">
-            <a:avLst/>
-          </a:prstGeom>
-          <a:ln w="0">
-            <a:noFill/>
-          </a:ln>
-        </p:spPr>
-      </p:sp>
-      <p:sp>
-        <p:nvSpPr>
-          <p:cNvPr id="406" name="PlaceHolder 2"/>
+            <a:ext cx="4794120" cy="3593880"/>
+          </a:xfrm>
+          <a:prstGeom prst="rect">
+            <a:avLst/>
+          </a:prstGeom>
+          <a:ln w="0">
+            <a:noFill/>
+          </a:ln>
+        </p:spPr>
+      </p:sp>
+      <p:sp>
+        <p:nvSpPr>
+          <p:cNvPr id="403" name="PlaceHolder 2"/>
           <p:cNvSpPr>
             <a:spLocks noGrp="1"/>
           </p:cNvSpPr>
@@ -912,7 +912,7 @@
         <p:spPr>
           <a:xfrm>
             <a:off x="756000" y="5145120"/>
-            <a:ext cx="6034320" cy="4196520"/>
+            <a:ext cx="6033600" cy="4195800"/>
           </a:xfrm>
           <a:prstGeom prst="rect">
             <a:avLst/>
@@ -935,14 +935,14 @@
       </p:sp>
       <p:sp>
         <p:nvSpPr>
-          <p:cNvPr id="407" name="CustomShape 48"/>
+          <p:cNvPr id="404" name="CustomShape 48"/>
           <p:cNvSpPr/>
           <p:nvPr/>
         </p:nvSpPr>
         <p:spPr>
           <a:xfrm>
             <a:off x="0" y="10155240"/>
-            <a:ext cx="3262680" cy="523080"/>
+            <a:ext cx="3261960" cy="522360"/>
           </a:xfrm>
           <a:prstGeom prst="rect">
             <a:avLst/>
@@ -1009,7 +1009,7 @@
       </p:grpSpPr>
       <p:sp>
         <p:nvSpPr>
-          <p:cNvPr id="408" name="PlaceHolder 1"/>
+          <p:cNvPr id="405" name="PlaceHolder 1"/>
           <p:cNvSpPr>
             <a:spLocks noGrp="1"/>
           </p:cNvSpPr>
@@ -1020,19 +1020,19 @@
         <p:spPr>
           <a:xfrm>
             <a:off x="1376280" y="1336680"/>
-            <a:ext cx="4794840" cy="3594600"/>
-          </a:xfrm>
-          <a:prstGeom prst="rect">
-            <a:avLst/>
-          </a:prstGeom>
-          <a:ln w="0">
-            <a:noFill/>
-          </a:ln>
-        </p:spPr>
-      </p:sp>
-      <p:sp>
-        <p:nvSpPr>
-          <p:cNvPr id="409" name="PlaceHolder 2"/>
+            <a:ext cx="4794120" cy="3593880"/>
+          </a:xfrm>
+          <a:prstGeom prst="rect">
+            <a:avLst/>
+          </a:prstGeom>
+          <a:ln w="0">
+            <a:noFill/>
+          </a:ln>
+        </p:spPr>
+      </p:sp>
+      <p:sp>
+        <p:nvSpPr>
+          <p:cNvPr id="406" name="PlaceHolder 2"/>
           <p:cNvSpPr>
             <a:spLocks noGrp="1"/>
           </p:cNvSpPr>
@@ -1043,7 +1043,7 @@
         <p:spPr>
           <a:xfrm>
             <a:off x="756000" y="5145120"/>
-            <a:ext cx="6034320" cy="4196520"/>
+            <a:ext cx="6033600" cy="4195800"/>
           </a:xfrm>
           <a:prstGeom prst="rect">
             <a:avLst/>
@@ -1066,14 +1066,14 @@
       </p:sp>
       <p:sp>
         <p:nvSpPr>
-          <p:cNvPr id="410" name="CustomShape 52"/>
+          <p:cNvPr id="407" name="CustomShape 52"/>
           <p:cNvSpPr/>
           <p:nvPr/>
         </p:nvSpPr>
         <p:spPr>
           <a:xfrm>
             <a:off x="0" y="10155240"/>
-            <a:ext cx="3262680" cy="523080"/>
+            <a:ext cx="3261960" cy="522360"/>
           </a:xfrm>
           <a:prstGeom prst="rect">
             <a:avLst/>
@@ -1140,7 +1140,7 @@
       </p:grpSpPr>
       <p:sp>
         <p:nvSpPr>
-          <p:cNvPr id="411" name="PlaceHolder 1"/>
+          <p:cNvPr id="408" name="PlaceHolder 1"/>
           <p:cNvSpPr>
             <a:spLocks noGrp="1"/>
           </p:cNvSpPr>
@@ -1151,19 +1151,19 @@
         <p:spPr>
           <a:xfrm>
             <a:off x="1376280" y="1336680"/>
-            <a:ext cx="4794840" cy="3594600"/>
-          </a:xfrm>
-          <a:prstGeom prst="rect">
-            <a:avLst/>
-          </a:prstGeom>
-          <a:ln w="0">
-            <a:noFill/>
-          </a:ln>
-        </p:spPr>
-      </p:sp>
-      <p:sp>
-        <p:nvSpPr>
-          <p:cNvPr id="412" name="PlaceHolder 2"/>
+            <a:ext cx="4794120" cy="3593880"/>
+          </a:xfrm>
+          <a:prstGeom prst="rect">
+            <a:avLst/>
+          </a:prstGeom>
+          <a:ln w="0">
+            <a:noFill/>
+          </a:ln>
+        </p:spPr>
+      </p:sp>
+      <p:sp>
+        <p:nvSpPr>
+          <p:cNvPr id="409" name="PlaceHolder 2"/>
           <p:cNvSpPr>
             <a:spLocks noGrp="1"/>
           </p:cNvSpPr>
@@ -1174,7 +1174,7 @@
         <p:spPr>
           <a:xfrm>
             <a:off x="756000" y="5145120"/>
-            <a:ext cx="6034320" cy="4196520"/>
+            <a:ext cx="6033600" cy="4195800"/>
           </a:xfrm>
           <a:prstGeom prst="rect">
             <a:avLst/>
@@ -1197,14 +1197,14 @@
       </p:sp>
       <p:sp>
         <p:nvSpPr>
-          <p:cNvPr id="413" name="CustomShape 56"/>
+          <p:cNvPr id="410" name="CustomShape 56"/>
           <p:cNvSpPr/>
           <p:nvPr/>
         </p:nvSpPr>
         <p:spPr>
           <a:xfrm>
             <a:off x="0" y="10155240"/>
-            <a:ext cx="3262680" cy="523080"/>
+            <a:ext cx="3261960" cy="522360"/>
           </a:xfrm>
           <a:prstGeom prst="rect">
             <a:avLst/>
@@ -1271,7 +1271,7 @@
       </p:grpSpPr>
       <p:sp>
         <p:nvSpPr>
-          <p:cNvPr id="414" name="PlaceHolder 1"/>
+          <p:cNvPr id="411" name="PlaceHolder 1"/>
           <p:cNvSpPr>
             <a:spLocks noGrp="1"/>
           </p:cNvSpPr>
@@ -1282,19 +1282,19 @@
         <p:spPr>
           <a:xfrm>
             <a:off x="1376280" y="1336680"/>
-            <a:ext cx="4794840" cy="3594600"/>
-          </a:xfrm>
-          <a:prstGeom prst="rect">
-            <a:avLst/>
-          </a:prstGeom>
-          <a:ln w="0">
-            <a:noFill/>
-          </a:ln>
-        </p:spPr>
-      </p:sp>
-      <p:sp>
-        <p:nvSpPr>
-          <p:cNvPr id="415" name="PlaceHolder 2"/>
+            <a:ext cx="4794120" cy="3593880"/>
+          </a:xfrm>
+          <a:prstGeom prst="rect">
+            <a:avLst/>
+          </a:prstGeom>
+          <a:ln w="0">
+            <a:noFill/>
+          </a:ln>
+        </p:spPr>
+      </p:sp>
+      <p:sp>
+        <p:nvSpPr>
+          <p:cNvPr id="412" name="PlaceHolder 2"/>
           <p:cNvSpPr>
             <a:spLocks noGrp="1"/>
           </p:cNvSpPr>
@@ -1305,7 +1305,7 @@
         <p:spPr>
           <a:xfrm>
             <a:off x="756000" y="5145120"/>
-            <a:ext cx="6034320" cy="4196520"/>
+            <a:ext cx="6033600" cy="4195800"/>
           </a:xfrm>
           <a:prstGeom prst="rect">
             <a:avLst/>
@@ -1328,14 +1328,14 @@
       </p:sp>
       <p:sp>
         <p:nvSpPr>
-          <p:cNvPr id="416" name="CustomShape 60"/>
+          <p:cNvPr id="413" name="CustomShape 60"/>
           <p:cNvSpPr/>
           <p:nvPr/>
         </p:nvSpPr>
         <p:spPr>
           <a:xfrm>
             <a:off x="0" y="10155240"/>
-            <a:ext cx="3262680" cy="523080"/>
+            <a:ext cx="3261960" cy="522360"/>
           </a:xfrm>
           <a:prstGeom prst="rect">
             <a:avLst/>
@@ -1402,7 +1402,7 @@
       </p:grpSpPr>
       <p:sp>
         <p:nvSpPr>
-          <p:cNvPr id="417" name="PlaceHolder 1"/>
+          <p:cNvPr id="414" name="PlaceHolder 1"/>
           <p:cNvSpPr>
             <a:spLocks noGrp="1"/>
           </p:cNvSpPr>
@@ -1413,19 +1413,19 @@
         <p:spPr>
           <a:xfrm>
             <a:off x="1376280" y="1336680"/>
-            <a:ext cx="4794840" cy="3594600"/>
-          </a:xfrm>
-          <a:prstGeom prst="rect">
-            <a:avLst/>
-          </a:prstGeom>
-          <a:ln w="0">
-            <a:noFill/>
-          </a:ln>
-        </p:spPr>
-      </p:sp>
-      <p:sp>
-        <p:nvSpPr>
-          <p:cNvPr id="418" name="PlaceHolder 2"/>
+            <a:ext cx="4794120" cy="3593880"/>
+          </a:xfrm>
+          <a:prstGeom prst="rect">
+            <a:avLst/>
+          </a:prstGeom>
+          <a:ln w="0">
+            <a:noFill/>
+          </a:ln>
+        </p:spPr>
+      </p:sp>
+      <p:sp>
+        <p:nvSpPr>
+          <p:cNvPr id="415" name="PlaceHolder 2"/>
           <p:cNvSpPr>
             <a:spLocks noGrp="1"/>
           </p:cNvSpPr>
@@ -1436,7 +1436,7 @@
         <p:spPr>
           <a:xfrm>
             <a:off x="756000" y="5145120"/>
-            <a:ext cx="6034320" cy="4196520"/>
+            <a:ext cx="6033600" cy="4195800"/>
           </a:xfrm>
           <a:prstGeom prst="rect">
             <a:avLst/>
@@ -1459,14 +1459,14 @@
       </p:sp>
       <p:sp>
         <p:nvSpPr>
-          <p:cNvPr id="419" name="CustomShape 72"/>
+          <p:cNvPr id="416" name="CustomShape 72"/>
           <p:cNvSpPr/>
           <p:nvPr/>
         </p:nvSpPr>
         <p:spPr>
           <a:xfrm>
             <a:off x="0" y="10155240"/>
-            <a:ext cx="3262680" cy="523080"/>
+            <a:ext cx="3261960" cy="522360"/>
           </a:xfrm>
           <a:prstGeom prst="rect">
             <a:avLst/>
@@ -1533,7 +1533,7 @@
       </p:grpSpPr>
       <p:sp>
         <p:nvSpPr>
-          <p:cNvPr id="420" name="PlaceHolder 1"/>
+          <p:cNvPr id="417" name="PlaceHolder 1"/>
           <p:cNvSpPr>
             <a:spLocks noGrp="1"/>
           </p:cNvSpPr>
@@ -1544,19 +1544,19 @@
         <p:spPr>
           <a:xfrm>
             <a:off x="1376280" y="1336680"/>
-            <a:ext cx="4794840" cy="3594600"/>
-          </a:xfrm>
-          <a:prstGeom prst="rect">
-            <a:avLst/>
-          </a:prstGeom>
-          <a:ln w="0">
-            <a:noFill/>
-          </a:ln>
-        </p:spPr>
-      </p:sp>
-      <p:sp>
-        <p:nvSpPr>
-          <p:cNvPr id="421" name="PlaceHolder 2"/>
+            <a:ext cx="4794120" cy="3593880"/>
+          </a:xfrm>
+          <a:prstGeom prst="rect">
+            <a:avLst/>
+          </a:prstGeom>
+          <a:ln w="0">
+            <a:noFill/>
+          </a:ln>
+        </p:spPr>
+      </p:sp>
+      <p:sp>
+        <p:nvSpPr>
+          <p:cNvPr id="418" name="PlaceHolder 2"/>
           <p:cNvSpPr>
             <a:spLocks noGrp="1"/>
           </p:cNvSpPr>
@@ -1567,7 +1567,7 @@
         <p:spPr>
           <a:xfrm>
             <a:off x="756000" y="5145120"/>
-            <a:ext cx="6034320" cy="4196520"/>
+            <a:ext cx="6033600" cy="4195800"/>
           </a:xfrm>
           <a:prstGeom prst="rect">
             <a:avLst/>
@@ -1590,14 +1590,14 @@
       </p:sp>
       <p:sp>
         <p:nvSpPr>
-          <p:cNvPr id="422" name="CustomShape 76"/>
+          <p:cNvPr id="419" name="CustomShape 76"/>
           <p:cNvSpPr/>
           <p:nvPr/>
         </p:nvSpPr>
         <p:spPr>
           <a:xfrm>
             <a:off x="0" y="10155240"/>
-            <a:ext cx="3262680" cy="523080"/>
+            <a:ext cx="3261960" cy="522360"/>
           </a:xfrm>
           <a:prstGeom prst="rect">
             <a:avLst/>
@@ -1664,7 +1664,7 @@
       </p:grpSpPr>
       <p:sp>
         <p:nvSpPr>
-          <p:cNvPr id="423" name="PlaceHolder 1"/>
+          <p:cNvPr id="420" name="PlaceHolder 1"/>
           <p:cNvSpPr>
             <a:spLocks noGrp="1"/>
           </p:cNvSpPr>
@@ -1675,19 +1675,19 @@
         <p:spPr>
           <a:xfrm>
             <a:off x="1376280" y="1336680"/>
-            <a:ext cx="4794840" cy="3594600"/>
-          </a:xfrm>
-          <a:prstGeom prst="rect">
-            <a:avLst/>
-          </a:prstGeom>
-          <a:ln w="0">
-            <a:noFill/>
-          </a:ln>
-        </p:spPr>
-      </p:sp>
-      <p:sp>
-        <p:nvSpPr>
-          <p:cNvPr id="424" name="PlaceHolder 2"/>
+            <a:ext cx="4794120" cy="3593880"/>
+          </a:xfrm>
+          <a:prstGeom prst="rect">
+            <a:avLst/>
+          </a:prstGeom>
+          <a:ln w="0">
+            <a:noFill/>
+          </a:ln>
+        </p:spPr>
+      </p:sp>
+      <p:sp>
+        <p:nvSpPr>
+          <p:cNvPr id="421" name="PlaceHolder 2"/>
           <p:cNvSpPr>
             <a:spLocks noGrp="1"/>
           </p:cNvSpPr>
@@ -1698,7 +1698,7 @@
         <p:spPr>
           <a:xfrm>
             <a:off x="756000" y="5145120"/>
-            <a:ext cx="6034320" cy="4196520"/>
+            <a:ext cx="6033600" cy="4195800"/>
           </a:xfrm>
           <a:prstGeom prst="rect">
             <a:avLst/>
@@ -1721,14 +1721,14 @@
       </p:sp>
       <p:sp>
         <p:nvSpPr>
-          <p:cNvPr id="425" name="CustomShape 80"/>
+          <p:cNvPr id="422" name="CustomShape 80"/>
           <p:cNvSpPr/>
           <p:nvPr/>
         </p:nvSpPr>
         <p:spPr>
           <a:xfrm>
             <a:off x="0" y="10155240"/>
-            <a:ext cx="3262680" cy="523080"/>
+            <a:ext cx="3261960" cy="522360"/>
           </a:xfrm>
           <a:prstGeom prst="rect">
             <a:avLst/>
@@ -1795,7 +1795,7 @@
       </p:grpSpPr>
       <p:sp>
         <p:nvSpPr>
-          <p:cNvPr id="372" name="PlaceHolder 1"/>
+          <p:cNvPr id="369" name="PlaceHolder 1"/>
           <p:cNvSpPr>
             <a:spLocks noGrp="1"/>
           </p:cNvSpPr>
@@ -1806,19 +1806,19 @@
         <p:spPr>
           <a:xfrm>
             <a:off x="1376280" y="1336680"/>
-            <a:ext cx="4800600" cy="3600360"/>
-          </a:xfrm>
-          <a:prstGeom prst="rect">
-            <a:avLst/>
-          </a:prstGeom>
-          <a:ln w="0">
-            <a:noFill/>
-          </a:ln>
-        </p:spPr>
-      </p:sp>
-      <p:sp>
-        <p:nvSpPr>
-          <p:cNvPr id="373" name="PlaceHolder 2"/>
+            <a:ext cx="4799880" cy="3599640"/>
+          </a:xfrm>
+          <a:prstGeom prst="rect">
+            <a:avLst/>
+          </a:prstGeom>
+          <a:ln w="0">
+            <a:noFill/>
+          </a:ln>
+        </p:spPr>
+      </p:sp>
+      <p:sp>
+        <p:nvSpPr>
+          <p:cNvPr id="370" name="PlaceHolder 2"/>
           <p:cNvSpPr>
             <a:spLocks noGrp="1"/>
           </p:cNvSpPr>
@@ -1829,7 +1829,7 @@
         <p:spPr>
           <a:xfrm>
             <a:off x="756000" y="5145120"/>
-            <a:ext cx="6040800" cy="4203000"/>
+            <a:ext cx="6040080" cy="4202280"/>
           </a:xfrm>
           <a:prstGeom prst="rect">
             <a:avLst/>
@@ -1852,14 +1852,14 @@
       </p:sp>
       <p:sp>
         <p:nvSpPr>
-          <p:cNvPr id="374" name="CustomShape 3"/>
+          <p:cNvPr id="371" name="CustomShape 3"/>
           <p:cNvSpPr/>
           <p:nvPr/>
         </p:nvSpPr>
         <p:spPr>
           <a:xfrm>
             <a:off x="0" y="10155240"/>
-            <a:ext cx="3269160" cy="529560"/>
+            <a:ext cx="3268440" cy="528840"/>
           </a:xfrm>
           <a:prstGeom prst="rect">
             <a:avLst/>
@@ -1926,7 +1926,7 @@
       </p:grpSpPr>
       <p:sp>
         <p:nvSpPr>
-          <p:cNvPr id="426" name="PlaceHolder 1"/>
+          <p:cNvPr id="423" name="PlaceHolder 1"/>
           <p:cNvSpPr>
             <a:spLocks noGrp="1"/>
           </p:cNvSpPr>
@@ -1937,19 +1937,19 @@
         <p:spPr>
           <a:xfrm>
             <a:off x="1376280" y="1336680"/>
-            <a:ext cx="4794840" cy="3594600"/>
-          </a:xfrm>
-          <a:prstGeom prst="rect">
-            <a:avLst/>
-          </a:prstGeom>
-          <a:ln w="0">
-            <a:noFill/>
-          </a:ln>
-        </p:spPr>
-      </p:sp>
-      <p:sp>
-        <p:nvSpPr>
-          <p:cNvPr id="427" name="PlaceHolder 2"/>
+            <a:ext cx="4794120" cy="3593880"/>
+          </a:xfrm>
+          <a:prstGeom prst="rect">
+            <a:avLst/>
+          </a:prstGeom>
+          <a:ln w="0">
+            <a:noFill/>
+          </a:ln>
+        </p:spPr>
+      </p:sp>
+      <p:sp>
+        <p:nvSpPr>
+          <p:cNvPr id="424" name="PlaceHolder 2"/>
           <p:cNvSpPr>
             <a:spLocks noGrp="1"/>
           </p:cNvSpPr>
@@ -1960,7 +1960,7 @@
         <p:spPr>
           <a:xfrm>
             <a:off x="756000" y="5145120"/>
-            <a:ext cx="6034320" cy="4196520"/>
+            <a:ext cx="6033600" cy="4195800"/>
           </a:xfrm>
           <a:prstGeom prst="rect">
             <a:avLst/>
@@ -1983,14 +1983,14 @@
       </p:sp>
       <p:sp>
         <p:nvSpPr>
-          <p:cNvPr id="428" name="CustomShape 84"/>
+          <p:cNvPr id="425" name="CustomShape 84"/>
           <p:cNvSpPr/>
           <p:nvPr/>
         </p:nvSpPr>
         <p:spPr>
           <a:xfrm>
             <a:off x="0" y="10155240"/>
-            <a:ext cx="3262680" cy="523080"/>
+            <a:ext cx="3261960" cy="522360"/>
           </a:xfrm>
           <a:prstGeom prst="rect">
             <a:avLst/>
@@ -2057,7 +2057,7 @@
       </p:grpSpPr>
       <p:sp>
         <p:nvSpPr>
-          <p:cNvPr id="429" name="PlaceHolder 1"/>
+          <p:cNvPr id="426" name="PlaceHolder 1"/>
           <p:cNvSpPr>
             <a:spLocks noGrp="1"/>
           </p:cNvSpPr>
@@ -2068,19 +2068,19 @@
         <p:spPr>
           <a:xfrm>
             <a:off x="1376280" y="1336680"/>
-            <a:ext cx="4794840" cy="3594600"/>
-          </a:xfrm>
-          <a:prstGeom prst="rect">
-            <a:avLst/>
-          </a:prstGeom>
-          <a:ln w="0">
-            <a:noFill/>
-          </a:ln>
-        </p:spPr>
-      </p:sp>
-      <p:sp>
-        <p:nvSpPr>
-          <p:cNvPr id="430" name="PlaceHolder 2"/>
+            <a:ext cx="4794120" cy="3593880"/>
+          </a:xfrm>
+          <a:prstGeom prst="rect">
+            <a:avLst/>
+          </a:prstGeom>
+          <a:ln w="0">
+            <a:noFill/>
+          </a:ln>
+        </p:spPr>
+      </p:sp>
+      <p:sp>
+        <p:nvSpPr>
+          <p:cNvPr id="427" name="PlaceHolder 2"/>
           <p:cNvSpPr>
             <a:spLocks noGrp="1"/>
           </p:cNvSpPr>
@@ -2091,7 +2091,7 @@
         <p:spPr>
           <a:xfrm>
             <a:off x="756000" y="5145120"/>
-            <a:ext cx="6034320" cy="4196520"/>
+            <a:ext cx="6033600" cy="4195800"/>
           </a:xfrm>
           <a:prstGeom prst="rect">
             <a:avLst/>
@@ -2114,14 +2114,14 @@
       </p:sp>
       <p:sp>
         <p:nvSpPr>
-          <p:cNvPr id="431" name="CustomShape 68"/>
+          <p:cNvPr id="428" name="CustomShape 68"/>
           <p:cNvSpPr/>
           <p:nvPr/>
         </p:nvSpPr>
         <p:spPr>
           <a:xfrm>
             <a:off x="0" y="10155240"/>
-            <a:ext cx="3262680" cy="523080"/>
+            <a:ext cx="3261960" cy="522360"/>
           </a:xfrm>
           <a:prstGeom prst="rect">
             <a:avLst/>
@@ -2188,7 +2188,7 @@
       </p:grpSpPr>
       <p:sp>
         <p:nvSpPr>
-          <p:cNvPr id="432" name="PlaceHolder 1"/>
+          <p:cNvPr id="429" name="PlaceHolder 1"/>
           <p:cNvSpPr>
             <a:spLocks noGrp="1"/>
           </p:cNvSpPr>
@@ -2199,19 +2199,19 @@
         <p:spPr>
           <a:xfrm>
             <a:off x="1376280" y="1336680"/>
-            <a:ext cx="4794840" cy="3594600"/>
-          </a:xfrm>
-          <a:prstGeom prst="rect">
-            <a:avLst/>
-          </a:prstGeom>
-          <a:ln w="0">
-            <a:noFill/>
-          </a:ln>
-        </p:spPr>
-      </p:sp>
-      <p:sp>
-        <p:nvSpPr>
-          <p:cNvPr id="433" name="PlaceHolder 2"/>
+            <a:ext cx="4794120" cy="3593880"/>
+          </a:xfrm>
+          <a:prstGeom prst="rect">
+            <a:avLst/>
+          </a:prstGeom>
+          <a:ln w="0">
+            <a:noFill/>
+          </a:ln>
+        </p:spPr>
+      </p:sp>
+      <p:sp>
+        <p:nvSpPr>
+          <p:cNvPr id="430" name="PlaceHolder 2"/>
           <p:cNvSpPr>
             <a:spLocks noGrp="1"/>
           </p:cNvSpPr>
@@ -2222,7 +2222,7 @@
         <p:spPr>
           <a:xfrm>
             <a:off x="756000" y="5145120"/>
-            <a:ext cx="6034320" cy="4196520"/>
+            <a:ext cx="6033600" cy="4195800"/>
           </a:xfrm>
           <a:prstGeom prst="rect">
             <a:avLst/>
@@ -2245,14 +2245,14 @@
       </p:sp>
       <p:sp>
         <p:nvSpPr>
-          <p:cNvPr id="434" name="CustomShape 64"/>
+          <p:cNvPr id="431" name="CustomShape 64"/>
           <p:cNvSpPr/>
           <p:nvPr/>
         </p:nvSpPr>
         <p:spPr>
           <a:xfrm>
             <a:off x="0" y="10155240"/>
-            <a:ext cx="3262680" cy="523080"/>
+            <a:ext cx="3261960" cy="522360"/>
           </a:xfrm>
           <a:prstGeom prst="rect">
             <a:avLst/>
@@ -2319,7 +2319,7 @@
       </p:grpSpPr>
       <p:sp>
         <p:nvSpPr>
-          <p:cNvPr id="375" name="PlaceHolder 1"/>
+          <p:cNvPr id="372" name="PlaceHolder 1"/>
           <p:cNvSpPr>
             <a:spLocks noGrp="1"/>
           </p:cNvSpPr>
@@ -2330,19 +2330,19 @@
         <p:spPr>
           <a:xfrm>
             <a:off x="1376280" y="1336680"/>
-            <a:ext cx="4794840" cy="3594600"/>
-          </a:xfrm>
-          <a:prstGeom prst="rect">
-            <a:avLst/>
-          </a:prstGeom>
-          <a:ln w="0">
-            <a:noFill/>
-          </a:ln>
-        </p:spPr>
-      </p:sp>
-      <p:sp>
-        <p:nvSpPr>
-          <p:cNvPr id="376" name="PlaceHolder 2"/>
+            <a:ext cx="4794120" cy="3593880"/>
+          </a:xfrm>
+          <a:prstGeom prst="rect">
+            <a:avLst/>
+          </a:prstGeom>
+          <a:ln w="0">
+            <a:noFill/>
+          </a:ln>
+        </p:spPr>
+      </p:sp>
+      <p:sp>
+        <p:nvSpPr>
+          <p:cNvPr id="373" name="PlaceHolder 2"/>
           <p:cNvSpPr>
             <a:spLocks noGrp="1"/>
           </p:cNvSpPr>
@@ -2353,7 +2353,7 @@
         <p:spPr>
           <a:xfrm>
             <a:off x="756000" y="5145120"/>
-            <a:ext cx="6034320" cy="4196520"/>
+            <a:ext cx="6033600" cy="4195800"/>
           </a:xfrm>
           <a:prstGeom prst="rect">
             <a:avLst/>
@@ -2376,14 +2376,14 @@
       </p:sp>
       <p:sp>
         <p:nvSpPr>
-          <p:cNvPr id="377" name="CustomShape 6"/>
+          <p:cNvPr id="374" name="CustomShape 6"/>
           <p:cNvSpPr/>
           <p:nvPr/>
         </p:nvSpPr>
         <p:spPr>
           <a:xfrm>
             <a:off x="0" y="10155240"/>
-            <a:ext cx="3262680" cy="523080"/>
+            <a:ext cx="3261960" cy="522360"/>
           </a:xfrm>
           <a:prstGeom prst="rect">
             <a:avLst/>
@@ -2450,7 +2450,7 @@
       </p:grpSpPr>
       <p:sp>
         <p:nvSpPr>
-          <p:cNvPr id="378" name="PlaceHolder 1"/>
+          <p:cNvPr id="375" name="PlaceHolder 1"/>
           <p:cNvSpPr>
             <a:spLocks noGrp="1"/>
           </p:cNvSpPr>
@@ -2461,19 +2461,19 @@
         <p:spPr>
           <a:xfrm>
             <a:off x="1376280" y="1336680"/>
-            <a:ext cx="4794840" cy="3594600"/>
-          </a:xfrm>
-          <a:prstGeom prst="rect">
-            <a:avLst/>
-          </a:prstGeom>
-          <a:ln w="0">
-            <a:noFill/>
-          </a:ln>
-        </p:spPr>
-      </p:sp>
-      <p:sp>
-        <p:nvSpPr>
-          <p:cNvPr id="379" name="PlaceHolder 2"/>
+            <a:ext cx="4794120" cy="3593880"/>
+          </a:xfrm>
+          <a:prstGeom prst="rect">
+            <a:avLst/>
+          </a:prstGeom>
+          <a:ln w="0">
+            <a:noFill/>
+          </a:ln>
+        </p:spPr>
+      </p:sp>
+      <p:sp>
+        <p:nvSpPr>
+          <p:cNvPr id="376" name="PlaceHolder 2"/>
           <p:cNvSpPr>
             <a:spLocks noGrp="1"/>
           </p:cNvSpPr>
@@ -2484,7 +2484,7 @@
         <p:spPr>
           <a:xfrm>
             <a:off x="756000" y="5145120"/>
-            <a:ext cx="6034320" cy="4196520"/>
+            <a:ext cx="6033600" cy="4195800"/>
           </a:xfrm>
           <a:prstGeom prst="rect">
             <a:avLst/>
@@ -2507,14 +2507,14 @@
       </p:sp>
       <p:sp>
         <p:nvSpPr>
-          <p:cNvPr id="380" name="CustomShape 9"/>
+          <p:cNvPr id="377" name="CustomShape 9"/>
           <p:cNvSpPr/>
           <p:nvPr/>
         </p:nvSpPr>
         <p:spPr>
           <a:xfrm>
             <a:off x="0" y="10155240"/>
-            <a:ext cx="3262680" cy="523080"/>
+            <a:ext cx="3261960" cy="522360"/>
           </a:xfrm>
           <a:prstGeom prst="rect">
             <a:avLst/>
@@ -2581,7 +2581,7 @@
       </p:grpSpPr>
       <p:sp>
         <p:nvSpPr>
-          <p:cNvPr id="381" name="PlaceHolder 1"/>
+          <p:cNvPr id="378" name="PlaceHolder 1"/>
           <p:cNvSpPr>
             <a:spLocks noGrp="1"/>
           </p:cNvSpPr>
@@ -2592,19 +2592,19 @@
         <p:spPr>
           <a:xfrm>
             <a:off x="1376280" y="1336680"/>
-            <a:ext cx="4794840" cy="3594600"/>
-          </a:xfrm>
-          <a:prstGeom prst="rect">
-            <a:avLst/>
-          </a:prstGeom>
-          <a:ln w="0">
-            <a:noFill/>
-          </a:ln>
-        </p:spPr>
-      </p:sp>
-      <p:sp>
-        <p:nvSpPr>
-          <p:cNvPr id="382" name="PlaceHolder 2"/>
+            <a:ext cx="4794120" cy="3593880"/>
+          </a:xfrm>
+          <a:prstGeom prst="rect">
+            <a:avLst/>
+          </a:prstGeom>
+          <a:ln w="0">
+            <a:noFill/>
+          </a:ln>
+        </p:spPr>
+      </p:sp>
+      <p:sp>
+        <p:nvSpPr>
+          <p:cNvPr id="379" name="PlaceHolder 2"/>
           <p:cNvSpPr>
             <a:spLocks noGrp="1"/>
           </p:cNvSpPr>
@@ -2615,7 +2615,7 @@
         <p:spPr>
           <a:xfrm>
             <a:off x="756000" y="5145120"/>
-            <a:ext cx="6034320" cy="4196520"/>
+            <a:ext cx="6033600" cy="4195800"/>
           </a:xfrm>
           <a:prstGeom prst="rect">
             <a:avLst/>
@@ -2638,14 +2638,14 @@
       </p:sp>
       <p:sp>
         <p:nvSpPr>
-          <p:cNvPr id="383" name="CustomShape 16"/>
+          <p:cNvPr id="380" name="CustomShape 16"/>
           <p:cNvSpPr/>
           <p:nvPr/>
         </p:nvSpPr>
         <p:spPr>
           <a:xfrm>
             <a:off x="0" y="10155240"/>
-            <a:ext cx="3262680" cy="523080"/>
+            <a:ext cx="3261960" cy="522360"/>
           </a:xfrm>
           <a:prstGeom prst="rect">
             <a:avLst/>
@@ -2712,7 +2712,7 @@
       </p:grpSpPr>
       <p:sp>
         <p:nvSpPr>
-          <p:cNvPr id="384" name="PlaceHolder 1"/>
+          <p:cNvPr id="381" name="PlaceHolder 1"/>
           <p:cNvSpPr>
             <a:spLocks noGrp="1"/>
           </p:cNvSpPr>
@@ -2723,19 +2723,19 @@
         <p:spPr>
           <a:xfrm>
             <a:off x="1376280" y="1336680"/>
-            <a:ext cx="4794840" cy="3594600"/>
-          </a:xfrm>
-          <a:prstGeom prst="rect">
-            <a:avLst/>
-          </a:prstGeom>
-          <a:ln w="0">
-            <a:noFill/>
-          </a:ln>
-        </p:spPr>
-      </p:sp>
-      <p:sp>
-        <p:nvSpPr>
-          <p:cNvPr id="385" name="PlaceHolder 2"/>
+            <a:ext cx="4794120" cy="3593880"/>
+          </a:xfrm>
+          <a:prstGeom prst="rect">
+            <a:avLst/>
+          </a:prstGeom>
+          <a:ln w="0">
+            <a:noFill/>
+          </a:ln>
+        </p:spPr>
+      </p:sp>
+      <p:sp>
+        <p:nvSpPr>
+          <p:cNvPr id="382" name="PlaceHolder 2"/>
           <p:cNvSpPr>
             <a:spLocks noGrp="1"/>
           </p:cNvSpPr>
@@ -2746,7 +2746,7 @@
         <p:spPr>
           <a:xfrm>
             <a:off x="756000" y="5145120"/>
-            <a:ext cx="6034320" cy="4196520"/>
+            <a:ext cx="6033600" cy="4195800"/>
           </a:xfrm>
           <a:prstGeom prst="rect">
             <a:avLst/>
@@ -2769,14 +2769,14 @@
       </p:sp>
       <p:sp>
         <p:nvSpPr>
-          <p:cNvPr id="386" name="CustomShape 20"/>
+          <p:cNvPr id="383" name="CustomShape 20"/>
           <p:cNvSpPr/>
           <p:nvPr/>
         </p:nvSpPr>
         <p:spPr>
           <a:xfrm>
             <a:off x="0" y="10155240"/>
-            <a:ext cx="3262680" cy="523080"/>
+            <a:ext cx="3261960" cy="522360"/>
           </a:xfrm>
           <a:prstGeom prst="rect">
             <a:avLst/>
@@ -2843,7 +2843,7 @@
       </p:grpSpPr>
       <p:sp>
         <p:nvSpPr>
-          <p:cNvPr id="387" name="PlaceHolder 1"/>
+          <p:cNvPr id="384" name="PlaceHolder 1"/>
           <p:cNvSpPr>
             <a:spLocks noGrp="1"/>
           </p:cNvSpPr>
@@ -2854,19 +2854,19 @@
         <p:spPr>
           <a:xfrm>
             <a:off x="1376280" y="1336680"/>
-            <a:ext cx="4794840" cy="3594600"/>
-          </a:xfrm>
-          <a:prstGeom prst="rect">
-            <a:avLst/>
-          </a:prstGeom>
-          <a:ln w="0">
-            <a:noFill/>
-          </a:ln>
-        </p:spPr>
-      </p:sp>
-      <p:sp>
-        <p:nvSpPr>
-          <p:cNvPr id="388" name="PlaceHolder 2"/>
+            <a:ext cx="4794120" cy="3593880"/>
+          </a:xfrm>
+          <a:prstGeom prst="rect">
+            <a:avLst/>
+          </a:prstGeom>
+          <a:ln w="0">
+            <a:noFill/>
+          </a:ln>
+        </p:spPr>
+      </p:sp>
+      <p:sp>
+        <p:nvSpPr>
+          <p:cNvPr id="385" name="PlaceHolder 2"/>
           <p:cNvSpPr>
             <a:spLocks noGrp="1"/>
           </p:cNvSpPr>
@@ -2877,7 +2877,7 @@
         <p:spPr>
           <a:xfrm>
             <a:off x="756000" y="5145120"/>
-            <a:ext cx="6034320" cy="4196520"/>
+            <a:ext cx="6033600" cy="4195800"/>
           </a:xfrm>
           <a:prstGeom prst="rect">
             <a:avLst/>
@@ -2900,14 +2900,14 @@
       </p:sp>
       <p:sp>
         <p:nvSpPr>
-          <p:cNvPr id="389" name="CustomShape 24"/>
+          <p:cNvPr id="386" name="CustomShape 24"/>
           <p:cNvSpPr/>
           <p:nvPr/>
         </p:nvSpPr>
         <p:spPr>
           <a:xfrm>
             <a:off x="0" y="10155240"/>
-            <a:ext cx="3262680" cy="523080"/>
+            <a:ext cx="3261960" cy="522360"/>
           </a:xfrm>
           <a:prstGeom prst="rect">
             <a:avLst/>
@@ -2974,7 +2974,7 @@
       </p:grpSpPr>
       <p:sp>
         <p:nvSpPr>
-          <p:cNvPr id="390" name="PlaceHolder 1"/>
+          <p:cNvPr id="387" name="PlaceHolder 1"/>
           <p:cNvSpPr>
             <a:spLocks noGrp="1"/>
           </p:cNvSpPr>
@@ -2985,19 +2985,19 @@
         <p:spPr>
           <a:xfrm>
             <a:off x="1376280" y="1336680"/>
-            <a:ext cx="4794840" cy="3594600"/>
-          </a:xfrm>
-          <a:prstGeom prst="rect">
-            <a:avLst/>
-          </a:prstGeom>
-          <a:ln w="0">
-            <a:noFill/>
-          </a:ln>
-        </p:spPr>
-      </p:sp>
-      <p:sp>
-        <p:nvSpPr>
-          <p:cNvPr id="391" name="PlaceHolder 2"/>
+            <a:ext cx="4794120" cy="3593880"/>
+          </a:xfrm>
+          <a:prstGeom prst="rect">
+            <a:avLst/>
+          </a:prstGeom>
+          <a:ln w="0">
+            <a:noFill/>
+          </a:ln>
+        </p:spPr>
+      </p:sp>
+      <p:sp>
+        <p:nvSpPr>
+          <p:cNvPr id="388" name="PlaceHolder 2"/>
           <p:cNvSpPr>
             <a:spLocks noGrp="1"/>
           </p:cNvSpPr>
@@ -3008,7 +3008,7 @@
         <p:spPr>
           <a:xfrm>
             <a:off x="756000" y="5145120"/>
-            <a:ext cx="6034320" cy="4196520"/>
+            <a:ext cx="6033600" cy="4195800"/>
           </a:xfrm>
           <a:prstGeom prst="rect">
             <a:avLst/>
@@ -3031,14 +3031,14 @@
       </p:sp>
       <p:sp>
         <p:nvSpPr>
-          <p:cNvPr id="392" name="CustomShape 28"/>
+          <p:cNvPr id="389" name="CustomShape 28"/>
           <p:cNvSpPr/>
           <p:nvPr/>
         </p:nvSpPr>
         <p:spPr>
           <a:xfrm>
             <a:off x="0" y="10155240"/>
-            <a:ext cx="3262680" cy="523080"/>
+            <a:ext cx="3261960" cy="522360"/>
           </a:xfrm>
           <a:prstGeom prst="rect">
             <a:avLst/>
@@ -3105,7 +3105,7 @@
       </p:grpSpPr>
       <p:sp>
         <p:nvSpPr>
-          <p:cNvPr id="393" name="PlaceHolder 1"/>
+          <p:cNvPr id="390" name="PlaceHolder 1"/>
           <p:cNvSpPr>
             <a:spLocks noGrp="1"/>
           </p:cNvSpPr>
@@ -3116,19 +3116,19 @@
         <p:spPr>
           <a:xfrm>
             <a:off x="1376280" y="1336680"/>
-            <a:ext cx="4794840" cy="3594600"/>
-          </a:xfrm>
-          <a:prstGeom prst="rect">
-            <a:avLst/>
-          </a:prstGeom>
-          <a:ln w="0">
-            <a:noFill/>
-          </a:ln>
-        </p:spPr>
-      </p:sp>
-      <p:sp>
-        <p:nvSpPr>
-          <p:cNvPr id="394" name="PlaceHolder 2"/>
+            <a:ext cx="4794120" cy="3593880"/>
+          </a:xfrm>
+          <a:prstGeom prst="rect">
+            <a:avLst/>
+          </a:prstGeom>
+          <a:ln w="0">
+            <a:noFill/>
+          </a:ln>
+        </p:spPr>
+      </p:sp>
+      <p:sp>
+        <p:nvSpPr>
+          <p:cNvPr id="391" name="PlaceHolder 2"/>
           <p:cNvSpPr>
             <a:spLocks noGrp="1"/>
           </p:cNvSpPr>
@@ -3139,7 +3139,7 @@
         <p:spPr>
           <a:xfrm>
             <a:off x="756000" y="5145120"/>
-            <a:ext cx="6034320" cy="4196520"/>
+            <a:ext cx="6033600" cy="4195800"/>
           </a:xfrm>
           <a:prstGeom prst="rect">
             <a:avLst/>
@@ -3162,14 +3162,14 @@
       </p:sp>
       <p:sp>
         <p:nvSpPr>
-          <p:cNvPr id="395" name="CustomShape 32"/>
+          <p:cNvPr id="392" name="CustomShape 32"/>
           <p:cNvSpPr/>
           <p:nvPr/>
         </p:nvSpPr>
         <p:spPr>
           <a:xfrm>
             <a:off x="0" y="10155240"/>
-            <a:ext cx="3262680" cy="523080"/>
+            <a:ext cx="3261960" cy="522360"/>
           </a:xfrm>
           <a:prstGeom prst="rect">
             <a:avLst/>
@@ -10870,7 +10870,7 @@
         <p:spPr>
           <a:xfrm>
             <a:off x="0" y="3150000"/>
-            <a:ext cx="9713160" cy="1253160"/>
+            <a:ext cx="9712440" cy="1252440"/>
           </a:xfrm>
           <a:prstGeom prst="rect">
             <a:avLst/>
@@ -11168,7 +11168,7 @@
         <p:spPr>
           <a:xfrm>
             <a:off x="0" y="180000"/>
-            <a:ext cx="9713160" cy="1253160"/>
+            <a:ext cx="9712440" cy="1252440"/>
           </a:xfrm>
           <a:prstGeom prst="rect">
             <a:avLst/>
@@ -11196,7 +11196,7 @@
         <p:spPr>
           <a:xfrm>
             <a:off x="7560000" y="6840000"/>
-            <a:ext cx="2513160" cy="533160"/>
+            <a:ext cx="2512440" cy="532440"/>
           </a:xfrm>
           <a:prstGeom prst="rect">
             <a:avLst/>
@@ -11224,7 +11224,7 @@
         <p:spPr>
           <a:xfrm>
             <a:off x="900000" y="6840000"/>
-            <a:ext cx="6473160" cy="533160"/>
+            <a:ext cx="6472440" cy="532440"/>
           </a:xfrm>
           <a:prstGeom prst="rect">
             <a:avLst/>
@@ -11252,7 +11252,7 @@
         <p:spPr>
           <a:xfrm>
             <a:off x="180000" y="6840000"/>
-            <a:ext cx="533160" cy="533160"/>
+            <a:ext cx="532440" cy="532440"/>
           </a:xfrm>
           <a:prstGeom prst="rect">
             <a:avLst/>
@@ -11304,151 +11304,7 @@
               <a:rPr b="0" lang="pt-BR" sz="4400" spc="-1" strike="noStrike">
                 <a:latin typeface="Arial"/>
               </a:rPr>
-              <a:t>C</a:t>
-            </a:r>
-            <a:r>
-              <a:rPr b="0" lang="pt-BR" sz="4400" spc="-1" strike="noStrike">
-                <a:latin typeface="Arial"/>
-              </a:rPr>
-              <a:t>li</a:t>
-            </a:r>
-            <a:r>
-              <a:rPr b="0" lang="pt-BR" sz="4400" spc="-1" strike="noStrike">
-                <a:latin typeface="Arial"/>
-              </a:rPr>
-              <a:t>c</a:t>
-            </a:r>
-            <a:r>
-              <a:rPr b="0" lang="pt-BR" sz="4400" spc="-1" strike="noStrike">
-                <a:latin typeface="Arial"/>
-              </a:rPr>
-              <a:t>k </a:t>
-            </a:r>
-            <a:r>
-              <a:rPr b="0" lang="pt-BR" sz="4400" spc="-1" strike="noStrike">
-                <a:latin typeface="Arial"/>
-              </a:rPr>
-              <a:t>t</a:t>
-            </a:r>
-            <a:r>
-              <a:rPr b="0" lang="pt-BR" sz="4400" spc="-1" strike="noStrike">
-                <a:latin typeface="Arial"/>
-              </a:rPr>
-              <a:t>o </a:t>
-            </a:r>
-            <a:r>
-              <a:rPr b="0" lang="pt-BR" sz="4400" spc="-1" strike="noStrike">
-                <a:latin typeface="Arial"/>
-              </a:rPr>
-              <a:t>e</a:t>
-            </a:r>
-            <a:r>
-              <a:rPr b="0" lang="pt-BR" sz="4400" spc="-1" strike="noStrike">
-                <a:latin typeface="Arial"/>
-              </a:rPr>
-              <a:t>d</a:t>
-            </a:r>
-            <a:r>
-              <a:rPr b="0" lang="pt-BR" sz="4400" spc="-1" strike="noStrike">
-                <a:latin typeface="Arial"/>
-              </a:rPr>
-              <a:t>it </a:t>
-            </a:r>
-            <a:r>
-              <a:rPr b="0" lang="pt-BR" sz="4400" spc="-1" strike="noStrike">
-                <a:latin typeface="Arial"/>
-              </a:rPr>
-              <a:t>t</a:t>
-            </a:r>
-            <a:r>
-              <a:rPr b="0" lang="pt-BR" sz="4400" spc="-1" strike="noStrike">
-                <a:latin typeface="Arial"/>
-              </a:rPr>
-              <a:t>h</a:t>
-            </a:r>
-            <a:r>
-              <a:rPr b="0" lang="pt-BR" sz="4400" spc="-1" strike="noStrike">
-                <a:latin typeface="Arial"/>
-              </a:rPr>
-              <a:t>e </a:t>
-            </a:r>
-            <a:r>
-              <a:rPr b="0" lang="pt-BR" sz="4400" spc="-1" strike="noStrike">
-                <a:latin typeface="Arial"/>
-              </a:rPr>
-              <a:t>ti</a:t>
-            </a:r>
-            <a:r>
-              <a:rPr b="0" lang="pt-BR" sz="4400" spc="-1" strike="noStrike">
-                <a:latin typeface="Arial"/>
-              </a:rPr>
-              <a:t>tl</a:t>
-            </a:r>
-            <a:r>
-              <a:rPr b="0" lang="pt-BR" sz="4400" spc="-1" strike="noStrike">
-                <a:latin typeface="Arial"/>
-              </a:rPr>
-              <a:t>e </a:t>
-            </a:r>
-            <a:r>
-              <a:rPr b="0" lang="pt-BR" sz="4400" spc="-1" strike="noStrike">
-                <a:latin typeface="Arial"/>
-              </a:rPr>
-              <a:t>t</a:t>
-            </a:r>
-            <a:r>
-              <a:rPr b="0" lang="pt-BR" sz="4400" spc="-1" strike="noStrike">
-                <a:latin typeface="Arial"/>
-              </a:rPr>
-              <a:t>e</a:t>
-            </a:r>
-            <a:r>
-              <a:rPr b="0" lang="pt-BR" sz="4400" spc="-1" strike="noStrike">
-                <a:latin typeface="Arial"/>
-              </a:rPr>
-              <a:t>x</a:t>
-            </a:r>
-            <a:r>
-              <a:rPr b="0" lang="pt-BR" sz="4400" spc="-1" strike="noStrike">
-                <a:latin typeface="Arial"/>
-              </a:rPr>
-              <a:t>t </a:t>
-            </a:r>
-            <a:r>
-              <a:rPr b="0" lang="pt-BR" sz="4400" spc="-1" strike="noStrike">
-                <a:latin typeface="Arial"/>
-              </a:rPr>
-              <a:t>f</a:t>
-            </a:r>
-            <a:r>
-              <a:rPr b="0" lang="pt-BR" sz="4400" spc="-1" strike="noStrike">
-                <a:latin typeface="Arial"/>
-              </a:rPr>
-              <a:t>o</a:t>
-            </a:r>
-            <a:r>
-              <a:rPr b="0" lang="pt-BR" sz="4400" spc="-1" strike="noStrike">
-                <a:latin typeface="Arial"/>
-              </a:rPr>
-              <a:t>r</a:t>
-            </a:r>
-            <a:r>
-              <a:rPr b="0" lang="pt-BR" sz="4400" spc="-1" strike="noStrike">
-                <a:latin typeface="Arial"/>
-              </a:rPr>
-              <a:t>m</a:t>
-            </a:r>
-            <a:r>
-              <a:rPr b="0" lang="pt-BR" sz="4400" spc="-1" strike="noStrike">
-                <a:latin typeface="Arial"/>
-              </a:rPr>
-              <a:t>a</a:t>
-            </a:r>
-            <a:r>
-              <a:rPr b="0" lang="pt-BR" sz="4400" spc="-1" strike="noStrike">
-                <a:latin typeface="Arial"/>
-              </a:rPr>
-              <a:t>t</a:t>
+              <a:t>Click to edit the title text format</a:t>
             </a:r>
             <a:endParaRPr b="0" lang="pt-BR" sz="4400" spc="-1" strike="noStrike">
               <a:latin typeface="Arial"/>
@@ -11692,7 +11548,7 @@
         <p:spPr>
           <a:xfrm>
             <a:off x="0" y="180000"/>
-            <a:ext cx="9706680" cy="1246680"/>
+            <a:ext cx="9705960" cy="1245960"/>
           </a:xfrm>
           <a:prstGeom prst="rect">
             <a:avLst/>
@@ -11720,7 +11576,7 @@
         <p:spPr>
           <a:xfrm>
             <a:off x="7560000" y="6840000"/>
-            <a:ext cx="2506680" cy="526680"/>
+            <a:ext cx="2505960" cy="525960"/>
           </a:xfrm>
           <a:prstGeom prst="rect">
             <a:avLst/>
@@ -11748,7 +11604,7 @@
         <p:spPr>
           <a:xfrm>
             <a:off x="900000" y="6840000"/>
-            <a:ext cx="6466680" cy="526680"/>
+            <a:ext cx="6465960" cy="525960"/>
           </a:xfrm>
           <a:prstGeom prst="rect">
             <a:avLst/>
@@ -11776,7 +11632,7 @@
         <p:spPr>
           <a:xfrm>
             <a:off x="180000" y="6840000"/>
-            <a:ext cx="526680" cy="526680"/>
+            <a:ext cx="525960" cy="525960"/>
           </a:xfrm>
           <a:prstGeom prst="rect">
             <a:avLst/>
@@ -12072,7 +11928,7 @@
         <p:spPr>
           <a:xfrm>
             <a:off x="0" y="180000"/>
-            <a:ext cx="9706680" cy="1246680"/>
+            <a:ext cx="9705960" cy="1245960"/>
           </a:xfrm>
           <a:prstGeom prst="rect">
             <a:avLst/>
@@ -12100,7 +11956,7 @@
         <p:spPr>
           <a:xfrm>
             <a:off x="7560000" y="6840000"/>
-            <a:ext cx="2506680" cy="526680"/>
+            <a:ext cx="2505960" cy="525960"/>
           </a:xfrm>
           <a:prstGeom prst="rect">
             <a:avLst/>
@@ -12128,7 +11984,7 @@
         <p:spPr>
           <a:xfrm>
             <a:off x="900000" y="6840000"/>
-            <a:ext cx="6466680" cy="526680"/>
+            <a:ext cx="6465960" cy="525960"/>
           </a:xfrm>
           <a:prstGeom prst="rect">
             <a:avLst/>
@@ -12156,7 +12012,7 @@
         <p:spPr>
           <a:xfrm>
             <a:off x="180000" y="6840000"/>
-            <a:ext cx="526680" cy="526680"/>
+            <a:ext cx="525960" cy="525960"/>
           </a:xfrm>
           <a:prstGeom prst="rect">
             <a:avLst/>
@@ -12452,7 +12308,7 @@
         <p:spPr>
           <a:xfrm>
             <a:off x="0" y="180000"/>
-            <a:ext cx="9706680" cy="1246680"/>
+            <a:ext cx="9705960" cy="1245960"/>
           </a:xfrm>
           <a:prstGeom prst="rect">
             <a:avLst/>
@@ -12480,7 +12336,7 @@
         <p:spPr>
           <a:xfrm>
             <a:off x="7560000" y="6840000"/>
-            <a:ext cx="2506680" cy="526680"/>
+            <a:ext cx="2505960" cy="525960"/>
           </a:xfrm>
           <a:prstGeom prst="rect">
             <a:avLst/>
@@ -12508,7 +12364,7 @@
         <p:spPr>
           <a:xfrm>
             <a:off x="900000" y="6840000"/>
-            <a:ext cx="6466680" cy="526680"/>
+            <a:ext cx="6465960" cy="525960"/>
           </a:xfrm>
           <a:prstGeom prst="rect">
             <a:avLst/>
@@ -12536,7 +12392,7 @@
         <p:spPr>
           <a:xfrm>
             <a:off x="180000" y="6840000"/>
-            <a:ext cx="526680" cy="526680"/>
+            <a:ext cx="525960" cy="525960"/>
           </a:xfrm>
           <a:prstGeom prst="rect">
             <a:avLst/>
@@ -12825,7 +12681,7 @@
         <p:spPr>
           <a:xfrm>
             <a:off x="360000" y="3330000"/>
-            <a:ext cx="9353160" cy="893160"/>
+            <a:ext cx="9352440" cy="892440"/>
           </a:xfrm>
           <a:prstGeom prst="rect">
             <a:avLst/>
@@ -12877,7 +12733,7 @@
         <p:spPr>
           <a:xfrm>
             <a:off x="540000" y="4680000"/>
-            <a:ext cx="9173160" cy="2513160"/>
+            <a:ext cx="9172440" cy="2512440"/>
           </a:xfrm>
           <a:prstGeom prst="rect">
             <a:avLst/>
@@ -13109,14 +12965,14 @@
       </p:grpSpPr>
       <p:sp>
         <p:nvSpPr>
-          <p:cNvPr id="285" name="CustomShape 33"/>
+          <p:cNvPr id="282" name="CustomShape 33"/>
           <p:cNvSpPr/>
           <p:nvPr/>
         </p:nvSpPr>
         <p:spPr>
           <a:xfrm>
             <a:off x="360000" y="360000"/>
-            <a:ext cx="9346680" cy="886680"/>
+            <a:ext cx="9345960" cy="885960"/>
           </a:xfrm>
           <a:prstGeom prst="rect">
             <a:avLst/>
@@ -13161,14 +13017,14 @@
       </p:sp>
       <p:sp>
         <p:nvSpPr>
-          <p:cNvPr id="286" name="CustomShape 34"/>
+          <p:cNvPr id="283" name="CustomShape 34"/>
           <p:cNvSpPr/>
           <p:nvPr/>
         </p:nvSpPr>
         <p:spPr>
           <a:xfrm>
             <a:off x="897120" y="6886080"/>
-            <a:ext cx="6433920" cy="351720"/>
+            <a:ext cx="6433200" cy="351000"/>
           </a:xfrm>
           <a:prstGeom prst="rect">
             <a:avLst/>
@@ -13213,14 +13069,14 @@
       </p:sp>
       <p:sp>
         <p:nvSpPr>
-          <p:cNvPr id="287" name="CustomShape 35"/>
+          <p:cNvPr id="284" name="CustomShape 35"/>
           <p:cNvSpPr/>
           <p:nvPr/>
         </p:nvSpPr>
         <p:spPr>
           <a:xfrm>
             <a:off x="7608600" y="6886080"/>
-            <a:ext cx="2271960" cy="351720"/>
+            <a:ext cx="2271240" cy="351000"/>
           </a:xfrm>
           <a:prstGeom prst="rect">
             <a:avLst/>
@@ -13265,14 +13121,14 @@
       </p:sp>
       <p:sp>
         <p:nvSpPr>
-          <p:cNvPr id="288" name=""/>
+          <p:cNvPr id="285" name=""/>
           <p:cNvSpPr/>
           <p:nvPr/>
         </p:nvSpPr>
         <p:spPr>
           <a:xfrm rot="18000">
-            <a:off x="328320" y="1552320"/>
-            <a:ext cx="9196560" cy="5130000"/>
+            <a:off x="327600" y="1551600"/>
+            <a:ext cx="9195840" cy="5129280"/>
           </a:xfrm>
           <a:prstGeom prst="rect">
             <a:avLst/>
@@ -13388,7 +13244,7 @@
       </p:sp>
       <p:pic>
         <p:nvPicPr>
-          <p:cNvPr id="289" name="" descr=""/>
+          <p:cNvPr id="286" name="" descr=""/>
           <p:cNvPicPr/>
           <p:nvPr/>
         </p:nvPicPr>
@@ -13399,7 +13255,7 @@
         <p:spPr>
           <a:xfrm>
             <a:off x="2160000" y="4543560"/>
-            <a:ext cx="6299640" cy="1396080"/>
+            <a:ext cx="6298920" cy="1395360"/>
           </a:xfrm>
           <a:prstGeom prst="rect">
             <a:avLst/>
@@ -13411,7 +13267,7 @@
       </p:pic>
       <p:pic>
         <p:nvPicPr>
-          <p:cNvPr id="290" name="" descr=""/>
+          <p:cNvPr id="287" name="" descr=""/>
           <p:cNvPicPr/>
           <p:nvPr/>
         </p:nvPicPr>
@@ -13422,7 +13278,7 @@
         <p:spPr>
           <a:xfrm>
             <a:off x="3240000" y="2700000"/>
-            <a:ext cx="3055680" cy="963000"/>
+            <a:ext cx="3054960" cy="962280"/>
           </a:xfrm>
           <a:prstGeom prst="rect">
             <a:avLst/>
@@ -13464,14 +13320,14 @@
       </p:grpSpPr>
       <p:sp>
         <p:nvSpPr>
-          <p:cNvPr id="291" name="CustomShape 37"/>
+          <p:cNvPr id="288" name="CustomShape 37"/>
           <p:cNvSpPr/>
           <p:nvPr/>
         </p:nvSpPr>
         <p:spPr>
           <a:xfrm>
             <a:off x="360000" y="360000"/>
-            <a:ext cx="9346680" cy="886680"/>
+            <a:ext cx="9345960" cy="885960"/>
           </a:xfrm>
           <a:prstGeom prst="rect">
             <a:avLst/>
@@ -13516,14 +13372,14 @@
       </p:sp>
       <p:sp>
         <p:nvSpPr>
-          <p:cNvPr id="292" name="CustomShape 38"/>
+          <p:cNvPr id="289" name="CustomShape 38"/>
           <p:cNvSpPr/>
           <p:nvPr/>
         </p:nvSpPr>
         <p:spPr>
           <a:xfrm>
             <a:off x="897120" y="6886080"/>
-            <a:ext cx="6433920" cy="351720"/>
+            <a:ext cx="6433200" cy="351000"/>
           </a:xfrm>
           <a:prstGeom prst="rect">
             <a:avLst/>
@@ -13568,14 +13424,14 @@
       </p:sp>
       <p:sp>
         <p:nvSpPr>
-          <p:cNvPr id="293" name="CustomShape 39"/>
+          <p:cNvPr id="290" name="CustomShape 39"/>
           <p:cNvSpPr/>
           <p:nvPr/>
         </p:nvSpPr>
         <p:spPr>
           <a:xfrm>
             <a:off x="7608600" y="6886080"/>
-            <a:ext cx="2271960" cy="351720"/>
+            <a:ext cx="2271240" cy="351000"/>
           </a:xfrm>
           <a:prstGeom prst="rect">
             <a:avLst/>
@@ -13620,7 +13476,7 @@
       </p:sp>
       <p:pic>
         <p:nvPicPr>
-          <p:cNvPr id="294" name="" descr=""/>
+          <p:cNvPr id="291" name="" descr=""/>
           <p:cNvPicPr/>
           <p:nvPr/>
         </p:nvPicPr>
@@ -13631,7 +13487,7 @@
         <p:spPr>
           <a:xfrm>
             <a:off x="1980000" y="2868480"/>
-            <a:ext cx="5456880" cy="732240"/>
+            <a:ext cx="5456160" cy="731520"/>
           </a:xfrm>
           <a:prstGeom prst="rect">
             <a:avLst/>
@@ -13643,14 +13499,14 @@
       </p:pic>
       <p:sp>
         <p:nvSpPr>
-          <p:cNvPr id="295" name=""/>
+          <p:cNvPr id="292" name=""/>
           <p:cNvSpPr/>
           <p:nvPr/>
         </p:nvSpPr>
         <p:spPr>
           <a:xfrm>
             <a:off x="4860000" y="3672000"/>
-            <a:ext cx="179280" cy="575280"/>
+            <a:ext cx="178560" cy="574560"/>
           </a:xfrm>
           <a:custGeom>
             <a:avLst/>
@@ -13702,7 +13558,7 @@
       </p:sp>
       <p:pic>
         <p:nvPicPr>
-          <p:cNvPr id="296" name="" descr=""/>
+          <p:cNvPr id="293" name="" descr=""/>
           <p:cNvPicPr/>
           <p:nvPr/>
         </p:nvPicPr>
@@ -13713,7 +13569,7 @@
         <p:spPr>
           <a:xfrm>
             <a:off x="2160000" y="4415040"/>
-            <a:ext cx="5456880" cy="732240"/>
+            <a:ext cx="5456160" cy="731520"/>
           </a:xfrm>
           <a:prstGeom prst="rect">
             <a:avLst/>
@@ -13725,7 +13581,7 @@
       </p:pic>
       <p:sp>
         <p:nvSpPr>
-          <p:cNvPr id="297" name=""/>
+          <p:cNvPr id="294" name=""/>
           <p:cNvSpPr/>
           <p:nvPr/>
         </p:nvSpPr>
@@ -13752,7 +13608,7 @@
       </p:sp>
       <p:sp>
         <p:nvSpPr>
-          <p:cNvPr id="298" name=""/>
+          <p:cNvPr id="295" name=""/>
           <p:cNvSpPr/>
           <p:nvPr/>
         </p:nvSpPr>
@@ -13779,7 +13635,7 @@
       </p:sp>
       <p:pic>
         <p:nvPicPr>
-          <p:cNvPr id="299" name="" descr=""/>
+          <p:cNvPr id="296" name="" descr=""/>
           <p:cNvPicPr/>
           <p:nvPr/>
         </p:nvPicPr>
@@ -13790,7 +13646,7 @@
         <p:spPr>
           <a:xfrm>
             <a:off x="2203200" y="6048000"/>
-            <a:ext cx="5428080" cy="484560"/>
+            <a:ext cx="5427360" cy="483840"/>
           </a:xfrm>
           <a:prstGeom prst="rect">
             <a:avLst/>
@@ -13802,14 +13658,14 @@
       </p:pic>
       <p:sp>
         <p:nvSpPr>
-          <p:cNvPr id="300" name=""/>
+          <p:cNvPr id="297" name=""/>
           <p:cNvSpPr/>
           <p:nvPr/>
         </p:nvSpPr>
         <p:spPr>
           <a:xfrm>
             <a:off x="4860000" y="5328000"/>
-            <a:ext cx="179280" cy="634320"/>
+            <a:ext cx="178560" cy="633600"/>
           </a:xfrm>
           <a:custGeom>
             <a:avLst/>
@@ -13861,14 +13717,14 @@
       </p:sp>
       <p:sp>
         <p:nvSpPr>
-          <p:cNvPr id="301" name=""/>
+          <p:cNvPr id="298" name=""/>
           <p:cNvSpPr/>
           <p:nvPr/>
         </p:nvSpPr>
         <p:spPr>
           <a:xfrm rot="21596400">
-            <a:off x="329040" y="1552320"/>
-            <a:ext cx="9196560" cy="5130000"/>
+            <a:off x="329040" y="1551600"/>
+            <a:ext cx="9195840" cy="5129280"/>
           </a:xfrm>
           <a:prstGeom prst="rect">
             <a:avLst/>
@@ -14051,14 +13907,14 @@
       </p:grpSpPr>
       <p:sp>
         <p:nvSpPr>
-          <p:cNvPr id="302" name="CustomShape 41"/>
+          <p:cNvPr id="299" name="CustomShape 41"/>
           <p:cNvSpPr/>
           <p:nvPr/>
         </p:nvSpPr>
         <p:spPr>
           <a:xfrm>
             <a:off x="360000" y="360000"/>
-            <a:ext cx="9346680" cy="886680"/>
+            <a:ext cx="9345960" cy="885960"/>
           </a:xfrm>
           <a:prstGeom prst="rect">
             <a:avLst/>
@@ -14103,14 +13959,14 @@
       </p:sp>
       <p:sp>
         <p:nvSpPr>
-          <p:cNvPr id="303" name="CustomShape 42"/>
+          <p:cNvPr id="300" name="CustomShape 42"/>
           <p:cNvSpPr/>
           <p:nvPr/>
         </p:nvSpPr>
         <p:spPr>
           <a:xfrm>
             <a:off x="897120" y="6886080"/>
-            <a:ext cx="6433920" cy="351720"/>
+            <a:ext cx="6433200" cy="351000"/>
           </a:xfrm>
           <a:prstGeom prst="rect">
             <a:avLst/>
@@ -14155,14 +14011,14 @@
       </p:sp>
       <p:sp>
         <p:nvSpPr>
-          <p:cNvPr id="304" name="CustomShape 43"/>
+          <p:cNvPr id="301" name="CustomShape 43"/>
           <p:cNvSpPr/>
           <p:nvPr/>
         </p:nvSpPr>
         <p:spPr>
           <a:xfrm>
             <a:off x="7608600" y="6886080"/>
-            <a:ext cx="2271960" cy="351720"/>
+            <a:ext cx="2271240" cy="351000"/>
           </a:xfrm>
           <a:prstGeom prst="rect">
             <a:avLst/>
@@ -14207,14 +14063,14 @@
       </p:sp>
       <p:sp>
         <p:nvSpPr>
-          <p:cNvPr id="305" name=""/>
+          <p:cNvPr id="302" name=""/>
           <p:cNvSpPr/>
           <p:nvPr/>
         </p:nvSpPr>
         <p:spPr>
           <a:xfrm rot="21596400">
-            <a:off x="329040" y="1552320"/>
-            <a:ext cx="9196560" cy="5130000"/>
+            <a:off x="329040" y="1551600"/>
+            <a:ext cx="9195840" cy="5129280"/>
           </a:xfrm>
           <a:prstGeom prst="rect">
             <a:avLst/>
@@ -14349,7 +14205,7 @@
       </p:sp>
       <p:pic>
         <p:nvPicPr>
-          <p:cNvPr id="306" name="" descr=""/>
+          <p:cNvPr id="303" name="" descr=""/>
           <p:cNvPicPr/>
           <p:nvPr/>
         </p:nvPicPr>
@@ -14360,7 +14216,7 @@
         <p:spPr>
           <a:xfrm>
             <a:off x="3240000" y="2844000"/>
-            <a:ext cx="3936240" cy="3959640"/>
+            <a:ext cx="3935520" cy="3958920"/>
           </a:xfrm>
           <a:prstGeom prst="rect">
             <a:avLst/>
@@ -14402,14 +14258,14 @@
       </p:grpSpPr>
       <p:sp>
         <p:nvSpPr>
-          <p:cNvPr id="307" name="CustomShape 45"/>
+          <p:cNvPr id="304" name="CustomShape 45"/>
           <p:cNvSpPr/>
           <p:nvPr/>
         </p:nvSpPr>
         <p:spPr>
           <a:xfrm>
             <a:off x="360000" y="360000"/>
-            <a:ext cx="9346680" cy="886680"/>
+            <a:ext cx="9345960" cy="885960"/>
           </a:xfrm>
           <a:prstGeom prst="rect">
             <a:avLst/>
@@ -14454,14 +14310,14 @@
       </p:sp>
       <p:sp>
         <p:nvSpPr>
-          <p:cNvPr id="308" name="CustomShape 46"/>
+          <p:cNvPr id="305" name="CustomShape 46"/>
           <p:cNvSpPr/>
           <p:nvPr/>
         </p:nvSpPr>
         <p:spPr>
           <a:xfrm>
             <a:off x="897120" y="6886080"/>
-            <a:ext cx="6433920" cy="351720"/>
+            <a:ext cx="6433200" cy="351000"/>
           </a:xfrm>
           <a:prstGeom prst="rect">
             <a:avLst/>
@@ -14506,14 +14362,14 @@
       </p:sp>
       <p:sp>
         <p:nvSpPr>
-          <p:cNvPr id="309" name="CustomShape 47"/>
+          <p:cNvPr id="306" name="CustomShape 47"/>
           <p:cNvSpPr/>
           <p:nvPr/>
         </p:nvSpPr>
         <p:spPr>
           <a:xfrm>
             <a:off x="7608600" y="6886080"/>
-            <a:ext cx="2271960" cy="351720"/>
+            <a:ext cx="2271240" cy="351000"/>
           </a:xfrm>
           <a:prstGeom prst="rect">
             <a:avLst/>
@@ -14558,14 +14414,14 @@
       </p:sp>
       <p:sp>
         <p:nvSpPr>
-          <p:cNvPr id="310" name=""/>
+          <p:cNvPr id="307" name=""/>
           <p:cNvSpPr/>
           <p:nvPr/>
         </p:nvSpPr>
         <p:spPr>
           <a:xfrm rot="21596400">
-            <a:off x="329040" y="1552320"/>
-            <a:ext cx="9196560" cy="5130000"/>
+            <a:off x="329040" y="1551600"/>
+            <a:ext cx="9195840" cy="5129280"/>
           </a:xfrm>
           <a:prstGeom prst="rect">
             <a:avLst/>
@@ -14886,7 +14742,7 @@
       </p:sp>
       <p:pic>
         <p:nvPicPr>
-          <p:cNvPr id="311" name="" descr=""/>
+          <p:cNvPr id="308" name="" descr=""/>
           <p:cNvPicPr/>
           <p:nvPr/>
         </p:nvPicPr>
@@ -14897,7 +14753,7 @@
         <p:spPr>
           <a:xfrm>
             <a:off x="5040720" y="2136600"/>
-            <a:ext cx="3959280" cy="3982680"/>
+            <a:ext cx="3958560" cy="3981960"/>
           </a:xfrm>
           <a:prstGeom prst="rect">
             <a:avLst/>
@@ -14909,7 +14765,7 @@
       </p:pic>
       <p:pic>
         <p:nvPicPr>
-          <p:cNvPr id="312" name="" descr=""/>
+          <p:cNvPr id="309" name="" descr=""/>
           <p:cNvPicPr/>
           <p:nvPr/>
         </p:nvPicPr>
@@ -14920,7 +14776,7 @@
         <p:spPr>
           <a:xfrm>
             <a:off x="540000" y="5040000"/>
-            <a:ext cx="4352760" cy="460440"/>
+            <a:ext cx="4352040" cy="459720"/>
           </a:xfrm>
           <a:prstGeom prst="rect">
             <a:avLst/>
@@ -14962,14 +14818,14 @@
       </p:grpSpPr>
       <p:sp>
         <p:nvSpPr>
-          <p:cNvPr id="313" name="CustomShape 49"/>
+          <p:cNvPr id="310" name="CustomShape 49"/>
           <p:cNvSpPr/>
           <p:nvPr/>
         </p:nvSpPr>
         <p:spPr>
           <a:xfrm>
             <a:off x="360000" y="360000"/>
-            <a:ext cx="9346680" cy="886680"/>
+            <a:ext cx="9345960" cy="885960"/>
           </a:xfrm>
           <a:prstGeom prst="rect">
             <a:avLst/>
@@ -15014,14 +14870,14 @@
       </p:sp>
       <p:sp>
         <p:nvSpPr>
-          <p:cNvPr id="314" name="CustomShape 50"/>
+          <p:cNvPr id="311" name="CustomShape 50"/>
           <p:cNvSpPr/>
           <p:nvPr/>
         </p:nvSpPr>
         <p:spPr>
           <a:xfrm>
             <a:off x="897120" y="6886080"/>
-            <a:ext cx="6433920" cy="351720"/>
+            <a:ext cx="6433200" cy="351000"/>
           </a:xfrm>
           <a:prstGeom prst="rect">
             <a:avLst/>
@@ -15066,14 +14922,14 @@
       </p:sp>
       <p:sp>
         <p:nvSpPr>
-          <p:cNvPr id="315" name="CustomShape 51"/>
+          <p:cNvPr id="312" name="CustomShape 51"/>
           <p:cNvSpPr/>
           <p:nvPr/>
         </p:nvSpPr>
         <p:spPr>
           <a:xfrm>
             <a:off x="7608600" y="6886080"/>
-            <a:ext cx="2271960" cy="351720"/>
+            <a:ext cx="2271240" cy="351000"/>
           </a:xfrm>
           <a:prstGeom prst="rect">
             <a:avLst/>
@@ -15118,14 +14974,14 @@
       </p:sp>
       <p:sp>
         <p:nvSpPr>
-          <p:cNvPr id="316" name=""/>
+          <p:cNvPr id="313" name=""/>
           <p:cNvSpPr/>
           <p:nvPr/>
         </p:nvSpPr>
         <p:spPr>
           <a:xfrm rot="21596400">
-            <a:off x="329040" y="1552320"/>
-            <a:ext cx="9196560" cy="5130000"/>
+            <a:off x="329040" y="1551600"/>
+            <a:ext cx="9195840" cy="5129280"/>
           </a:xfrm>
           <a:prstGeom prst="rect">
             <a:avLst/>
@@ -15206,7 +15062,7 @@
       </p:sp>
       <p:pic>
         <p:nvPicPr>
-          <p:cNvPr id="317" name="" descr=""/>
+          <p:cNvPr id="314" name="" descr=""/>
           <p:cNvPicPr/>
           <p:nvPr/>
         </p:nvPicPr>
@@ -15217,7 +15073,7 @@
         <p:spPr>
           <a:xfrm>
             <a:off x="792360" y="2520000"/>
-            <a:ext cx="8566920" cy="3227040"/>
+            <a:ext cx="8566200" cy="3226320"/>
           </a:xfrm>
           <a:prstGeom prst="rect">
             <a:avLst/>
@@ -15259,14 +15115,14 @@
       </p:grpSpPr>
       <p:sp>
         <p:nvSpPr>
-          <p:cNvPr id="318" name="CustomShape 53"/>
+          <p:cNvPr id="315" name="CustomShape 53"/>
           <p:cNvSpPr/>
           <p:nvPr/>
         </p:nvSpPr>
         <p:spPr>
           <a:xfrm>
             <a:off x="360000" y="360000"/>
-            <a:ext cx="9346680" cy="886680"/>
+            <a:ext cx="9345960" cy="885960"/>
           </a:xfrm>
           <a:prstGeom prst="rect">
             <a:avLst/>
@@ -15311,14 +15167,14 @@
       </p:sp>
       <p:sp>
         <p:nvSpPr>
-          <p:cNvPr id="319" name="CustomShape 54"/>
+          <p:cNvPr id="316" name="CustomShape 54"/>
           <p:cNvSpPr/>
           <p:nvPr/>
         </p:nvSpPr>
         <p:spPr>
           <a:xfrm>
             <a:off x="897120" y="6886080"/>
-            <a:ext cx="6433920" cy="351720"/>
+            <a:ext cx="6433200" cy="351000"/>
           </a:xfrm>
           <a:prstGeom prst="rect">
             <a:avLst/>
@@ -15363,14 +15219,14 @@
       </p:sp>
       <p:sp>
         <p:nvSpPr>
-          <p:cNvPr id="320" name="CustomShape 55"/>
+          <p:cNvPr id="317" name="CustomShape 55"/>
           <p:cNvSpPr/>
           <p:nvPr/>
         </p:nvSpPr>
         <p:spPr>
           <a:xfrm>
             <a:off x="7608600" y="6886080"/>
-            <a:ext cx="2271960" cy="351720"/>
+            <a:ext cx="2271240" cy="351000"/>
           </a:xfrm>
           <a:prstGeom prst="rect">
             <a:avLst/>
@@ -15415,14 +15271,14 @@
       </p:sp>
       <p:sp>
         <p:nvSpPr>
-          <p:cNvPr id="321" name=""/>
+          <p:cNvPr id="318" name=""/>
           <p:cNvSpPr/>
           <p:nvPr/>
         </p:nvSpPr>
         <p:spPr>
           <a:xfrm rot="21596400">
-            <a:off x="329040" y="1552320"/>
-            <a:ext cx="9196560" cy="5130000"/>
+            <a:off x="329040" y="1551600"/>
+            <a:ext cx="9195840" cy="5129280"/>
           </a:xfrm>
           <a:prstGeom prst="rect">
             <a:avLst/>
@@ -15483,7 +15339,7 @@
       </p:sp>
       <p:pic>
         <p:nvPicPr>
-          <p:cNvPr id="322" name="" descr=""/>
+          <p:cNvPr id="319" name="" descr=""/>
           <p:cNvPicPr/>
           <p:nvPr/>
         </p:nvPicPr>
@@ -15494,7 +15350,7 @@
         <p:spPr>
           <a:xfrm>
             <a:off x="3252240" y="1800000"/>
-            <a:ext cx="6287040" cy="452160"/>
+            <a:ext cx="6286320" cy="451440"/>
           </a:xfrm>
           <a:prstGeom prst="rect">
             <a:avLst/>
@@ -15506,7 +15362,7 @@
       </p:pic>
       <p:pic>
         <p:nvPicPr>
-          <p:cNvPr id="323" name="" descr=""/>
+          <p:cNvPr id="320" name="" descr=""/>
           <p:cNvPicPr/>
           <p:nvPr/>
         </p:nvPicPr>
@@ -15517,7 +15373,7 @@
         <p:spPr>
           <a:xfrm>
             <a:off x="457920" y="2291040"/>
-            <a:ext cx="3191760" cy="4188240"/>
+            <a:ext cx="3191040" cy="4187520"/>
           </a:xfrm>
           <a:prstGeom prst="rect">
             <a:avLst/>
@@ -15529,7 +15385,7 @@
       </p:pic>
       <p:pic>
         <p:nvPicPr>
-          <p:cNvPr id="324" name="" descr=""/>
+          <p:cNvPr id="321" name="" descr=""/>
           <p:cNvPicPr/>
           <p:nvPr/>
         </p:nvPicPr>
@@ -15540,7 +15396,7 @@
         <p:spPr>
           <a:xfrm>
             <a:off x="4140000" y="2739960"/>
-            <a:ext cx="5219280" cy="1219320"/>
+            <a:ext cx="5218560" cy="1218600"/>
           </a:xfrm>
           <a:prstGeom prst="rect">
             <a:avLst/>
@@ -15552,7 +15408,7 @@
       </p:pic>
       <p:pic>
         <p:nvPicPr>
-          <p:cNvPr id="325" name="" descr=""/>
+          <p:cNvPr id="322" name="" descr=""/>
           <p:cNvPicPr/>
           <p:nvPr/>
         </p:nvPicPr>
@@ -15563,7 +15419,7 @@
         <p:spPr>
           <a:xfrm>
             <a:off x="4320000" y="4664160"/>
-            <a:ext cx="5003280" cy="1275120"/>
+            <a:ext cx="5002560" cy="1274400"/>
           </a:xfrm>
           <a:prstGeom prst="rect">
             <a:avLst/>
@@ -15605,14 +15461,14 @@
       </p:grpSpPr>
       <p:sp>
         <p:nvSpPr>
-          <p:cNvPr id="326" name="CustomShape 57"/>
+          <p:cNvPr id="323" name="CustomShape 57"/>
           <p:cNvSpPr/>
           <p:nvPr/>
         </p:nvSpPr>
         <p:spPr>
           <a:xfrm>
             <a:off x="360000" y="360000"/>
-            <a:ext cx="9346680" cy="886680"/>
+            <a:ext cx="9345960" cy="885960"/>
           </a:xfrm>
           <a:prstGeom prst="rect">
             <a:avLst/>
@@ -15657,14 +15513,14 @@
       </p:sp>
       <p:sp>
         <p:nvSpPr>
-          <p:cNvPr id="327" name="CustomShape 58"/>
+          <p:cNvPr id="324" name="CustomShape 58"/>
           <p:cNvSpPr/>
           <p:nvPr/>
         </p:nvSpPr>
         <p:spPr>
           <a:xfrm>
             <a:off x="897120" y="6886080"/>
-            <a:ext cx="6433920" cy="351720"/>
+            <a:ext cx="6433200" cy="351000"/>
           </a:xfrm>
           <a:prstGeom prst="rect">
             <a:avLst/>
@@ -15709,14 +15565,14 @@
       </p:sp>
       <p:sp>
         <p:nvSpPr>
-          <p:cNvPr id="328" name="CustomShape 59"/>
+          <p:cNvPr id="325" name="CustomShape 59"/>
           <p:cNvSpPr/>
           <p:nvPr/>
         </p:nvSpPr>
         <p:spPr>
           <a:xfrm>
             <a:off x="7608600" y="6886080"/>
-            <a:ext cx="2271960" cy="351720"/>
+            <a:ext cx="2271240" cy="351000"/>
           </a:xfrm>
           <a:prstGeom prst="rect">
             <a:avLst/>
@@ -15761,14 +15617,14 @@
       </p:sp>
       <p:sp>
         <p:nvSpPr>
-          <p:cNvPr id="329" name=""/>
+          <p:cNvPr id="326" name=""/>
           <p:cNvSpPr/>
           <p:nvPr/>
         </p:nvSpPr>
         <p:spPr>
           <a:xfrm rot="21596400">
-            <a:off x="329040" y="1552320"/>
-            <a:ext cx="9196560" cy="5130000"/>
+            <a:off x="329040" y="1551600"/>
+            <a:ext cx="9195840" cy="5129280"/>
           </a:xfrm>
           <a:prstGeom prst="rect">
             <a:avLst/>
@@ -15829,7 +15685,7 @@
       </p:sp>
       <p:pic>
         <p:nvPicPr>
-          <p:cNvPr id="330" name="" descr=""/>
+          <p:cNvPr id="327" name="" descr=""/>
           <p:cNvPicPr/>
           <p:nvPr/>
         </p:nvPicPr>
@@ -15840,7 +15696,7 @@
         <p:spPr>
           <a:xfrm>
             <a:off x="2340000" y="1815480"/>
-            <a:ext cx="7291080" cy="524160"/>
+            <a:ext cx="7290360" cy="523440"/>
           </a:xfrm>
           <a:prstGeom prst="rect">
             <a:avLst/>
@@ -15852,7 +15708,7 @@
       </p:pic>
       <p:pic>
         <p:nvPicPr>
-          <p:cNvPr id="331" name="" descr=""/>
+          <p:cNvPr id="328" name="" descr=""/>
           <p:cNvPicPr/>
           <p:nvPr/>
         </p:nvPicPr>
@@ -15863,7 +15719,7 @@
         <p:spPr>
           <a:xfrm>
             <a:off x="1440000" y="3420000"/>
-            <a:ext cx="2417760" cy="865440"/>
+            <a:ext cx="2417040" cy="864720"/>
           </a:xfrm>
           <a:prstGeom prst="rect">
             <a:avLst/>
@@ -15875,14 +15731,14 @@
       </p:pic>
       <p:sp>
         <p:nvSpPr>
-          <p:cNvPr id="332" name=""/>
+          <p:cNvPr id="329" name=""/>
           <p:cNvSpPr/>
           <p:nvPr/>
         </p:nvSpPr>
         <p:spPr>
           <a:xfrm>
             <a:off x="3960000" y="3780000"/>
-            <a:ext cx="719280" cy="179280"/>
+            <a:ext cx="718560" cy="178560"/>
           </a:xfrm>
           <a:custGeom>
             <a:avLst/>
@@ -15934,7 +15790,7 @@
       </p:sp>
       <p:pic>
         <p:nvPicPr>
-          <p:cNvPr id="333" name="" descr=""/>
+          <p:cNvPr id="330" name="" descr=""/>
           <p:cNvPicPr/>
           <p:nvPr/>
         </p:nvPicPr>
@@ -15945,7 +15801,7 @@
         <p:spPr>
           <a:xfrm>
             <a:off x="5040000" y="3516120"/>
-            <a:ext cx="865440" cy="227160"/>
+            <a:ext cx="864720" cy="226440"/>
           </a:xfrm>
           <a:prstGeom prst="rect">
             <a:avLst/>
@@ -15957,7 +15813,7 @@
       </p:pic>
       <p:pic>
         <p:nvPicPr>
-          <p:cNvPr id="334" name="" descr=""/>
+          <p:cNvPr id="331" name="" descr=""/>
           <p:cNvPicPr/>
           <p:nvPr/>
         </p:nvPicPr>
@@ -15968,7 +15824,7 @@
         <p:spPr>
           <a:xfrm>
             <a:off x="5040000" y="3960000"/>
-            <a:ext cx="827280" cy="246240"/>
+            <a:ext cx="826560" cy="245520"/>
           </a:xfrm>
           <a:prstGeom prst="rect">
             <a:avLst/>
@@ -15980,14 +15836,14 @@
       </p:pic>
       <p:sp>
         <p:nvSpPr>
-          <p:cNvPr id="335" name=""/>
+          <p:cNvPr id="332" name=""/>
           <p:cNvSpPr/>
           <p:nvPr/>
         </p:nvSpPr>
         <p:spPr>
           <a:xfrm>
             <a:off x="5004000" y="3456000"/>
-            <a:ext cx="899280" cy="359280"/>
+            <a:ext cx="898560" cy="358560"/>
           </a:xfrm>
           <a:prstGeom prst="rect">
             <a:avLst/>
@@ -16008,14 +15864,14 @@
       </p:sp>
       <p:sp>
         <p:nvSpPr>
-          <p:cNvPr id="336" name=""/>
+          <p:cNvPr id="333" name=""/>
           <p:cNvSpPr/>
           <p:nvPr/>
         </p:nvSpPr>
         <p:spPr>
           <a:xfrm>
             <a:off x="6031800" y="3459960"/>
-            <a:ext cx="627840" cy="355320"/>
+            <a:ext cx="627120" cy="354600"/>
           </a:xfrm>
           <a:prstGeom prst="rect">
             <a:avLst/>
@@ -16090,14 +15946,14 @@
       </p:grpSpPr>
       <p:sp>
         <p:nvSpPr>
-          <p:cNvPr id="337" name="CustomShape 69"/>
+          <p:cNvPr id="334" name="CustomShape 69"/>
           <p:cNvSpPr/>
           <p:nvPr/>
         </p:nvSpPr>
         <p:spPr>
           <a:xfrm>
             <a:off x="360000" y="360000"/>
-            <a:ext cx="9346680" cy="886680"/>
+            <a:ext cx="9345960" cy="885960"/>
           </a:xfrm>
           <a:prstGeom prst="rect">
             <a:avLst/>
@@ -16142,14 +15998,14 @@
       </p:sp>
       <p:sp>
         <p:nvSpPr>
-          <p:cNvPr id="338" name="CustomShape 70"/>
+          <p:cNvPr id="335" name="CustomShape 70"/>
           <p:cNvSpPr/>
           <p:nvPr/>
         </p:nvSpPr>
         <p:spPr>
           <a:xfrm>
             <a:off x="897120" y="6886080"/>
-            <a:ext cx="6433920" cy="351720"/>
+            <a:ext cx="6433200" cy="351000"/>
           </a:xfrm>
           <a:prstGeom prst="rect">
             <a:avLst/>
@@ -16194,14 +16050,14 @@
       </p:sp>
       <p:sp>
         <p:nvSpPr>
-          <p:cNvPr id="339" name="CustomShape 71"/>
+          <p:cNvPr id="336" name="CustomShape 71"/>
           <p:cNvSpPr/>
           <p:nvPr/>
         </p:nvSpPr>
         <p:spPr>
           <a:xfrm>
             <a:off x="7608600" y="6886080"/>
-            <a:ext cx="2271960" cy="351720"/>
+            <a:ext cx="2271240" cy="351000"/>
           </a:xfrm>
           <a:prstGeom prst="rect">
             <a:avLst/>
@@ -16246,14 +16102,14 @@
       </p:sp>
       <p:sp>
         <p:nvSpPr>
-          <p:cNvPr id="340" name=""/>
+          <p:cNvPr id="337" name=""/>
           <p:cNvSpPr/>
           <p:nvPr/>
         </p:nvSpPr>
         <p:spPr>
           <a:xfrm rot="21596400">
-            <a:off x="329040" y="1552320"/>
-            <a:ext cx="9196560" cy="5130000"/>
+            <a:off x="329040" y="1551600"/>
+            <a:ext cx="9195840" cy="5129280"/>
           </a:xfrm>
           <a:prstGeom prst="rect">
             <a:avLst/>
@@ -16304,428 +16160,101 @@
                 <a:latin typeface="Latin Modern Sans"/>
                 <a:ea typeface="DejaVu Sans"/>
               </a:rPr>
-              <a:t>E</a:t>
+              <a:t>E quando as variáveis não são categóricas ? </a:t>
             </a:r>
-            <a:r>
-              <a:rPr b="0" lang="pt-BR" sz="1800" spc="-1" strike="noStrike">
-                <a:solidFill>
-                  <a:srgbClr val="1c1c1c"/>
-                </a:solidFill>
-                <a:latin typeface="Latin Modern Sans"/>
-                <a:ea typeface="DejaVu Sans"/>
-              </a:rPr>
-              <a:t> </a:t>
-            </a:r>
-            <a:r>
-              <a:rPr b="0" lang="pt-BR" sz="1800" spc="-1" strike="noStrike">
-                <a:solidFill>
-                  <a:srgbClr val="1c1c1c"/>
-                </a:solidFill>
-                <a:latin typeface="Latin Modern Sans"/>
-                <a:ea typeface="DejaVu Sans"/>
-              </a:rPr>
-              <a:t>q</a:t>
-            </a:r>
-            <a:r>
-              <a:rPr b="0" lang="pt-BR" sz="1800" spc="-1" strike="noStrike">
-                <a:solidFill>
-                  <a:srgbClr val="1c1c1c"/>
-                </a:solidFill>
-                <a:latin typeface="Latin Modern Sans"/>
-                <a:ea typeface="DejaVu Sans"/>
-              </a:rPr>
-              <a:t>u</a:t>
-            </a:r>
-            <a:r>
-              <a:rPr b="0" lang="pt-BR" sz="1800" spc="-1" strike="noStrike">
-                <a:solidFill>
-                  <a:srgbClr val="1c1c1c"/>
-                </a:solidFill>
-                <a:latin typeface="Latin Modern Sans"/>
-                <a:ea typeface="DejaVu Sans"/>
-              </a:rPr>
-              <a:t>a</a:t>
-            </a:r>
-            <a:r>
-              <a:rPr b="0" lang="pt-BR" sz="1800" spc="-1" strike="noStrike">
-                <a:solidFill>
-                  <a:srgbClr val="1c1c1c"/>
-                </a:solidFill>
-                <a:latin typeface="Latin Modern Sans"/>
-                <a:ea typeface="DejaVu Sans"/>
-              </a:rPr>
-              <a:t>n</a:t>
-            </a:r>
-            <a:r>
-              <a:rPr b="0" lang="pt-BR" sz="1800" spc="-1" strike="noStrike">
-                <a:solidFill>
-                  <a:srgbClr val="1c1c1c"/>
-                </a:solidFill>
-                <a:latin typeface="Latin Modern Sans"/>
-                <a:ea typeface="DejaVu Sans"/>
-              </a:rPr>
-              <a:t>d</a:t>
-            </a:r>
-            <a:r>
-              <a:rPr b="0" lang="pt-BR" sz="1800" spc="-1" strike="noStrike">
-                <a:solidFill>
-                  <a:srgbClr val="1c1c1c"/>
-                </a:solidFill>
-                <a:latin typeface="Latin Modern Sans"/>
-                <a:ea typeface="DejaVu Sans"/>
-              </a:rPr>
-              <a:t>o</a:t>
-            </a:r>
-            <a:r>
-              <a:rPr b="0" lang="pt-BR" sz="1800" spc="-1" strike="noStrike">
-                <a:solidFill>
-                  <a:srgbClr val="1c1c1c"/>
-                </a:solidFill>
-                <a:latin typeface="Latin Modern Sans"/>
-                <a:ea typeface="DejaVu Sans"/>
-              </a:rPr>
-              <a:t> </a:t>
-            </a:r>
-            <a:r>
-              <a:rPr b="0" lang="pt-BR" sz="1800" spc="-1" strike="noStrike">
-                <a:solidFill>
-                  <a:srgbClr val="1c1c1c"/>
-                </a:solidFill>
-                <a:latin typeface="Latin Modern Sans"/>
-                <a:ea typeface="DejaVu Sans"/>
-              </a:rPr>
-              <a:t>a</a:t>
-            </a:r>
-            <a:r>
-              <a:rPr b="0" lang="pt-BR" sz="1800" spc="-1" strike="noStrike">
-                <a:solidFill>
-                  <a:srgbClr val="1c1c1c"/>
-                </a:solidFill>
-                <a:latin typeface="Latin Modern Sans"/>
-                <a:ea typeface="DejaVu Sans"/>
-              </a:rPr>
-              <a:t>s</a:t>
-            </a:r>
-            <a:r>
-              <a:rPr b="0" lang="pt-BR" sz="1800" spc="-1" strike="noStrike">
-                <a:solidFill>
-                  <a:srgbClr val="1c1c1c"/>
-                </a:solidFill>
-                <a:latin typeface="Latin Modern Sans"/>
-                <a:ea typeface="DejaVu Sans"/>
-              </a:rPr>
-              <a:t> </a:t>
-            </a:r>
-            <a:r>
-              <a:rPr b="0" lang="pt-BR" sz="1800" spc="-1" strike="noStrike">
-                <a:solidFill>
-                  <a:srgbClr val="1c1c1c"/>
-                </a:solidFill>
-                <a:latin typeface="Latin Modern Sans"/>
-                <a:ea typeface="DejaVu Sans"/>
-              </a:rPr>
-              <a:t>v</a:t>
-            </a:r>
-            <a:r>
-              <a:rPr b="0" lang="pt-BR" sz="1800" spc="-1" strike="noStrike">
-                <a:solidFill>
-                  <a:srgbClr val="1c1c1c"/>
-                </a:solidFill>
-                <a:latin typeface="Latin Modern Sans"/>
-                <a:ea typeface="DejaVu Sans"/>
-              </a:rPr>
-              <a:t>a</a:t>
-            </a:r>
-            <a:r>
-              <a:rPr b="0" lang="pt-BR" sz="1800" spc="-1" strike="noStrike">
-                <a:solidFill>
-                  <a:srgbClr val="1c1c1c"/>
-                </a:solidFill>
-                <a:latin typeface="Latin Modern Sans"/>
-                <a:ea typeface="DejaVu Sans"/>
-              </a:rPr>
-              <a:t>r</a:t>
-            </a:r>
-            <a:r>
-              <a:rPr b="0" lang="pt-BR" sz="1800" spc="-1" strike="noStrike">
-                <a:solidFill>
-                  <a:srgbClr val="1c1c1c"/>
-                </a:solidFill>
-                <a:latin typeface="Latin Modern Sans"/>
-                <a:ea typeface="DejaVu Sans"/>
-              </a:rPr>
-              <a:t>i</a:t>
-            </a:r>
-            <a:r>
-              <a:rPr b="0" lang="pt-BR" sz="1800" spc="-1" strike="noStrike">
-                <a:solidFill>
-                  <a:srgbClr val="1c1c1c"/>
-                </a:solidFill>
-                <a:latin typeface="Latin Modern Sans"/>
-                <a:ea typeface="DejaVu Sans"/>
-              </a:rPr>
-              <a:t>á</a:t>
-            </a:r>
-            <a:r>
-              <a:rPr b="0" lang="pt-BR" sz="1800" spc="-1" strike="noStrike">
-                <a:solidFill>
-                  <a:srgbClr val="1c1c1c"/>
-                </a:solidFill>
-                <a:latin typeface="Latin Modern Sans"/>
-                <a:ea typeface="DejaVu Sans"/>
-              </a:rPr>
-              <a:t>v</a:t>
-            </a:r>
-            <a:r>
-              <a:rPr b="0" lang="pt-BR" sz="1800" spc="-1" strike="noStrike">
-                <a:solidFill>
-                  <a:srgbClr val="1c1c1c"/>
-                </a:solidFill>
-                <a:latin typeface="Latin Modern Sans"/>
-                <a:ea typeface="DejaVu Sans"/>
-              </a:rPr>
-              <a:t>e</a:t>
-            </a:r>
-            <a:r>
-              <a:rPr b="0" lang="pt-BR" sz="1800" spc="-1" strike="noStrike">
-                <a:solidFill>
-                  <a:srgbClr val="1c1c1c"/>
-                </a:solidFill>
-                <a:latin typeface="Latin Modern Sans"/>
-                <a:ea typeface="DejaVu Sans"/>
-              </a:rPr>
-              <a:t>i</a:t>
-            </a:r>
-            <a:r>
-              <a:rPr b="0" lang="pt-BR" sz="1800" spc="-1" strike="noStrike">
-                <a:solidFill>
-                  <a:srgbClr val="1c1c1c"/>
-                </a:solidFill>
-                <a:latin typeface="Latin Modern Sans"/>
-                <a:ea typeface="DejaVu Sans"/>
-              </a:rPr>
-              <a:t>s</a:t>
-            </a:r>
-            <a:r>
-              <a:rPr b="0" lang="pt-BR" sz="1800" spc="-1" strike="noStrike">
-                <a:solidFill>
-                  <a:srgbClr val="1c1c1c"/>
-                </a:solidFill>
-                <a:latin typeface="Latin Modern Sans"/>
-                <a:ea typeface="DejaVu Sans"/>
-              </a:rPr>
-              <a:t> </a:t>
-            </a:r>
-            <a:r>
-              <a:rPr b="0" lang="pt-BR" sz="1800" spc="-1" strike="noStrike">
-                <a:solidFill>
-                  <a:srgbClr val="1c1c1c"/>
-                </a:solidFill>
-                <a:latin typeface="Latin Modern Sans"/>
-                <a:ea typeface="DejaVu Sans"/>
-              </a:rPr>
-              <a:t>n</a:t>
-            </a:r>
-            <a:r>
-              <a:rPr b="0" lang="pt-BR" sz="1800" spc="-1" strike="noStrike">
-                <a:solidFill>
-                  <a:srgbClr val="1c1c1c"/>
-                </a:solidFill>
-                <a:latin typeface="Latin Modern Sans"/>
-                <a:ea typeface="DejaVu Sans"/>
-              </a:rPr>
-              <a:t>ã</a:t>
-            </a:r>
-            <a:r>
-              <a:rPr b="0" lang="pt-BR" sz="1800" spc="-1" strike="noStrike">
-                <a:solidFill>
-                  <a:srgbClr val="1c1c1c"/>
-                </a:solidFill>
-                <a:latin typeface="Latin Modern Sans"/>
-                <a:ea typeface="DejaVu Sans"/>
-              </a:rPr>
-              <a:t>o</a:t>
-            </a:r>
-            <a:r>
-              <a:rPr b="0" lang="pt-BR" sz="1800" spc="-1" strike="noStrike">
-                <a:solidFill>
-                  <a:srgbClr val="1c1c1c"/>
-                </a:solidFill>
-                <a:latin typeface="Latin Modern Sans"/>
-                <a:ea typeface="DejaVu Sans"/>
-              </a:rPr>
-              <a:t> </a:t>
-            </a:r>
-            <a:r>
-              <a:rPr b="0" lang="pt-BR" sz="1800" spc="-1" strike="noStrike">
-                <a:solidFill>
-                  <a:srgbClr val="1c1c1c"/>
-                </a:solidFill>
-                <a:latin typeface="Latin Modern Sans"/>
-                <a:ea typeface="DejaVu Sans"/>
-              </a:rPr>
-              <a:t>s</a:t>
-            </a:r>
-            <a:r>
-              <a:rPr b="0" lang="pt-BR" sz="1800" spc="-1" strike="noStrike">
-                <a:solidFill>
-                  <a:srgbClr val="1c1c1c"/>
-                </a:solidFill>
-                <a:latin typeface="Latin Modern Sans"/>
-                <a:ea typeface="DejaVu Sans"/>
-              </a:rPr>
-              <a:t>ã</a:t>
-            </a:r>
-            <a:r>
-              <a:rPr b="0" lang="pt-BR" sz="1800" spc="-1" strike="noStrike">
-                <a:solidFill>
-                  <a:srgbClr val="1c1c1c"/>
-                </a:solidFill>
-                <a:latin typeface="Latin Modern Sans"/>
-                <a:ea typeface="DejaVu Sans"/>
-              </a:rPr>
-              <a:t>o</a:t>
-            </a:r>
-            <a:r>
-              <a:rPr b="0" lang="pt-BR" sz="1800" spc="-1" strike="noStrike">
-                <a:solidFill>
-                  <a:srgbClr val="1c1c1c"/>
-                </a:solidFill>
-                <a:latin typeface="Latin Modern Sans"/>
-                <a:ea typeface="DejaVu Sans"/>
-              </a:rPr>
-              <a:t> </a:t>
-            </a:r>
-            <a:r>
-              <a:rPr b="0" lang="pt-BR" sz="1800" spc="-1" strike="noStrike">
-                <a:solidFill>
-                  <a:srgbClr val="1c1c1c"/>
-                </a:solidFill>
-                <a:latin typeface="Latin Modern Sans"/>
-                <a:ea typeface="DejaVu Sans"/>
-              </a:rPr>
-              <a:t>c</a:t>
-            </a:r>
-            <a:r>
-              <a:rPr b="0" lang="pt-BR" sz="1800" spc="-1" strike="noStrike">
-                <a:solidFill>
-                  <a:srgbClr val="1c1c1c"/>
-                </a:solidFill>
-                <a:latin typeface="Latin Modern Sans"/>
-                <a:ea typeface="DejaVu Sans"/>
-              </a:rPr>
-              <a:t>a</a:t>
-            </a:r>
-            <a:r>
-              <a:rPr b="0" lang="pt-BR" sz="1800" spc="-1" strike="noStrike">
-                <a:solidFill>
-                  <a:srgbClr val="1c1c1c"/>
-                </a:solidFill>
-                <a:latin typeface="Latin Modern Sans"/>
-                <a:ea typeface="DejaVu Sans"/>
-              </a:rPr>
-              <a:t>t</a:t>
-            </a:r>
-            <a:r>
-              <a:rPr b="0" lang="pt-BR" sz="1800" spc="-1" strike="noStrike">
-                <a:solidFill>
-                  <a:srgbClr val="1c1c1c"/>
-                </a:solidFill>
-                <a:latin typeface="Latin Modern Sans"/>
-                <a:ea typeface="DejaVu Sans"/>
-              </a:rPr>
-              <a:t>e</a:t>
-            </a:r>
-            <a:r>
-              <a:rPr b="0" lang="pt-BR" sz="1800" spc="-1" strike="noStrike">
-                <a:solidFill>
-                  <a:srgbClr val="1c1c1c"/>
-                </a:solidFill>
-                <a:latin typeface="Latin Modern Sans"/>
-                <a:ea typeface="DejaVu Sans"/>
-              </a:rPr>
-              <a:t>g</a:t>
-            </a:r>
-            <a:r>
-              <a:rPr b="0" lang="pt-BR" sz="1800" spc="-1" strike="noStrike">
-                <a:solidFill>
-                  <a:srgbClr val="1c1c1c"/>
-                </a:solidFill>
-                <a:latin typeface="Latin Modern Sans"/>
-                <a:ea typeface="DejaVu Sans"/>
-              </a:rPr>
-              <a:t>ó</a:t>
-            </a:r>
-            <a:r>
-              <a:rPr b="0" lang="pt-BR" sz="1800" spc="-1" strike="noStrike">
-                <a:solidFill>
-                  <a:srgbClr val="1c1c1c"/>
-                </a:solidFill>
-                <a:latin typeface="Latin Modern Sans"/>
-                <a:ea typeface="DejaVu Sans"/>
-              </a:rPr>
-              <a:t>r</a:t>
-            </a:r>
-            <a:r>
-              <a:rPr b="0" lang="pt-BR" sz="1800" spc="-1" strike="noStrike">
-                <a:solidFill>
-                  <a:srgbClr val="1c1c1c"/>
-                </a:solidFill>
-                <a:latin typeface="Latin Modern Sans"/>
-                <a:ea typeface="DejaVu Sans"/>
-              </a:rPr>
-              <a:t>i</a:t>
-            </a:r>
-            <a:r>
-              <a:rPr b="0" lang="pt-BR" sz="1800" spc="-1" strike="noStrike">
-                <a:solidFill>
-                  <a:srgbClr val="1c1c1c"/>
-                </a:solidFill>
-                <a:latin typeface="Latin Modern Sans"/>
-                <a:ea typeface="DejaVu Sans"/>
-              </a:rPr>
-              <a:t>c</a:t>
-            </a:r>
-            <a:r>
-              <a:rPr b="0" lang="pt-BR" sz="1800" spc="-1" strike="noStrike">
-                <a:solidFill>
-                  <a:srgbClr val="1c1c1c"/>
-                </a:solidFill>
-                <a:latin typeface="Latin Modern Sans"/>
-                <a:ea typeface="DejaVu Sans"/>
-              </a:rPr>
-              <a:t>a</a:t>
-            </a:r>
-            <a:r>
-              <a:rPr b="0" lang="pt-BR" sz="1800" spc="-1" strike="noStrike">
-                <a:solidFill>
-                  <a:srgbClr val="1c1c1c"/>
-                </a:solidFill>
-                <a:latin typeface="Latin Modern Sans"/>
-                <a:ea typeface="DejaVu Sans"/>
-              </a:rPr>
-              <a:t>s</a:t>
-            </a:r>
-            <a:r>
-              <a:rPr b="0" lang="pt-BR" sz="1800" spc="-1" strike="noStrike">
-                <a:solidFill>
-                  <a:srgbClr val="1c1c1c"/>
-                </a:solidFill>
-                <a:latin typeface="Latin Modern Sans"/>
-                <a:ea typeface="DejaVu Sans"/>
-              </a:rPr>
-              <a:t> </a:t>
-            </a:r>
-            <a:r>
-              <a:rPr b="0" lang="pt-BR" sz="1800" spc="-1" strike="noStrike">
-                <a:solidFill>
-                  <a:srgbClr val="1c1c1c"/>
-                </a:solidFill>
-                <a:latin typeface="Latin Modern Sans"/>
-                <a:ea typeface="DejaVu Sans"/>
-              </a:rPr>
-              <a:t>?</a:t>
-            </a:r>
+            <a:endParaRPr b="0" lang="pt-BR" sz="1800" spc="-1" strike="noStrike">
+              <a:latin typeface="Arial"/>
+            </a:endParaRPr>
+          </a:p>
+          <a:p>
+            <a:pPr>
+              <a:lnSpc>
+                <a:spcPct val="100000"/>
+              </a:lnSpc>
+              <a:buNone/>
+            </a:pPr>
+            <a:endParaRPr b="0" lang="pt-BR" sz="1800" spc="-1" strike="noStrike">
+              <a:latin typeface="Arial"/>
+            </a:endParaRPr>
+          </a:p>
+          <a:p>
+            <a:pPr>
+              <a:lnSpc>
+                <a:spcPct val="100000"/>
+              </a:lnSpc>
+              <a:buNone/>
+            </a:pPr>
+            <a:endParaRPr b="0" lang="pt-BR" sz="1800" spc="-1" strike="noStrike">
+              <a:latin typeface="Arial"/>
+            </a:endParaRPr>
+          </a:p>
+          <a:p>
+            <a:pPr>
+              <a:lnSpc>
+                <a:spcPct val="100000"/>
+              </a:lnSpc>
+              <a:buNone/>
+            </a:pPr>
+            <a:endParaRPr b="0" lang="pt-BR" sz="1800" spc="-1" strike="noStrike">
+              <a:latin typeface="Arial"/>
+            </a:endParaRPr>
+          </a:p>
+          <a:p>
+            <a:pPr>
+              <a:lnSpc>
+                <a:spcPct val="100000"/>
+              </a:lnSpc>
+              <a:buNone/>
+            </a:pPr>
+            <a:endParaRPr b="0" lang="pt-BR" sz="1800" spc="-1" strike="noStrike">
+              <a:latin typeface="Arial"/>
+            </a:endParaRPr>
+          </a:p>
+          <a:p>
+            <a:pPr>
+              <a:lnSpc>
+                <a:spcPct val="100000"/>
+              </a:lnSpc>
+              <a:buNone/>
+            </a:pPr>
+            <a:endParaRPr b="0" lang="pt-BR" sz="1800" spc="-1" strike="noStrike">
+              <a:latin typeface="Arial"/>
+            </a:endParaRPr>
+          </a:p>
+          <a:p>
+            <a:pPr>
+              <a:lnSpc>
+                <a:spcPct val="100000"/>
+              </a:lnSpc>
+              <a:buNone/>
+            </a:pPr>
+            <a:endParaRPr b="0" lang="pt-BR" sz="1800" spc="-1" strike="noStrike">
+              <a:latin typeface="Arial"/>
+            </a:endParaRPr>
+          </a:p>
+          <a:p>
+            <a:pPr>
+              <a:lnSpc>
+                <a:spcPct val="100000"/>
+              </a:lnSpc>
+              <a:buNone/>
+            </a:pPr>
+            <a:endParaRPr b="0" lang="pt-BR" sz="1800" spc="-1" strike="noStrike">
+              <a:latin typeface="Arial"/>
+            </a:endParaRPr>
+          </a:p>
+          <a:p>
+            <a:pPr marL="216000" indent="-216000">
+              <a:lnSpc>
+                <a:spcPct val="100000"/>
+              </a:lnSpc>
+              <a:buClr>
+                <a:srgbClr val="000000"/>
+              </a:buClr>
+              <a:buSzPct val="45000"/>
+              <a:buFont typeface="Wingdings" charset="2"/>
+              <a:buChar char=""/>
+            </a:pPr>
             <a:r>
               <a:rPr b="0" lang="pt-BR" sz="1800" spc="-1" strike="noStrike">
                 <a:solidFill>
@@ -16741,170 +16270,22 @@
             </a:endParaRPr>
           </a:p>
           <a:p>
-            <a:pPr marL="216000" indent="-216000">
-              <a:lnSpc>
-                <a:spcPct val="100000"/>
-              </a:lnSpc>
-              <a:buClr>
-                <a:srgbClr val="000000"/>
-              </a:buClr>
-              <a:buSzPct val="45000"/>
-              <a:buFont typeface="Wingdings" charset="2"/>
-              <a:buChar char=""/>
+            <a:pPr>
+              <a:lnSpc>
+                <a:spcPct val="100000"/>
+              </a:lnSpc>
+              <a:buNone/>
             </a:pPr>
             <a:endParaRPr b="0" lang="pt-BR" sz="1800" spc="-1" strike="noStrike">
               <a:latin typeface="Arial"/>
             </a:endParaRPr>
           </a:p>
           <a:p>
-            <a:pPr marL="216000" indent="-216000">
-              <a:lnSpc>
-                <a:spcPct val="100000"/>
-              </a:lnSpc>
-              <a:buClr>
-                <a:srgbClr val="000000"/>
-              </a:buClr>
-              <a:buSzPct val="45000"/>
-              <a:buFont typeface="Wingdings" charset="2"/>
-              <a:buChar char=""/>
-            </a:pPr>
-            <a:endParaRPr b="0" lang="pt-BR" sz="1800" spc="-1" strike="noStrike">
-              <a:latin typeface="Arial"/>
-            </a:endParaRPr>
-          </a:p>
-          <a:p>
-            <a:pPr marL="216000" indent="-216000">
-              <a:lnSpc>
-                <a:spcPct val="100000"/>
-              </a:lnSpc>
-              <a:buClr>
-                <a:srgbClr val="000000"/>
-              </a:buClr>
-              <a:buSzPct val="45000"/>
-              <a:buFont typeface="Wingdings" charset="2"/>
-              <a:buChar char=""/>
-            </a:pPr>
-            <a:endParaRPr b="0" lang="pt-BR" sz="1800" spc="-1" strike="noStrike">
-              <a:latin typeface="Arial"/>
-            </a:endParaRPr>
-          </a:p>
-          <a:p>
-            <a:pPr marL="216000" indent="-216000">
-              <a:lnSpc>
-                <a:spcPct val="100000"/>
-              </a:lnSpc>
-              <a:buClr>
-                <a:srgbClr val="000000"/>
-              </a:buClr>
-              <a:buSzPct val="45000"/>
-              <a:buFont typeface="Wingdings" charset="2"/>
-              <a:buChar char=""/>
-            </a:pPr>
-            <a:endParaRPr b="0" lang="pt-BR" sz="1800" spc="-1" strike="noStrike">
-              <a:latin typeface="Arial"/>
-            </a:endParaRPr>
-          </a:p>
-          <a:p>
-            <a:pPr marL="216000" indent="-216000">
-              <a:lnSpc>
-                <a:spcPct val="100000"/>
-              </a:lnSpc>
-              <a:buClr>
-                <a:srgbClr val="000000"/>
-              </a:buClr>
-              <a:buSzPct val="45000"/>
-              <a:buFont typeface="Wingdings" charset="2"/>
-              <a:buChar char=""/>
-            </a:pPr>
-            <a:endParaRPr b="0" lang="pt-BR" sz="1800" spc="-1" strike="noStrike">
-              <a:latin typeface="Arial"/>
-            </a:endParaRPr>
-          </a:p>
-          <a:p>
-            <a:pPr marL="216000" indent="-216000">
-              <a:lnSpc>
-                <a:spcPct val="100000"/>
-              </a:lnSpc>
-              <a:buClr>
-                <a:srgbClr val="000000"/>
-              </a:buClr>
-              <a:buSzPct val="45000"/>
-              <a:buFont typeface="Wingdings" charset="2"/>
-              <a:buChar char=""/>
-            </a:pPr>
-            <a:endParaRPr b="0" lang="pt-BR" sz="1800" spc="-1" strike="noStrike">
-              <a:latin typeface="Arial"/>
-            </a:endParaRPr>
-          </a:p>
-          <a:p>
-            <a:pPr marL="216000" indent="-216000">
-              <a:lnSpc>
-                <a:spcPct val="100000"/>
-              </a:lnSpc>
-              <a:buClr>
-                <a:srgbClr val="000000"/>
-              </a:buClr>
-              <a:buSzPct val="45000"/>
-              <a:buFont typeface="Wingdings" charset="2"/>
-              <a:buChar char=""/>
-            </a:pPr>
-            <a:endParaRPr b="0" lang="pt-BR" sz="1800" spc="-1" strike="noStrike">
-              <a:latin typeface="Arial"/>
-            </a:endParaRPr>
-          </a:p>
-          <a:p>
-            <a:pPr marL="216000" indent="-216000">
-              <a:lnSpc>
-                <a:spcPct val="100000"/>
-              </a:lnSpc>
-              <a:buClr>
-                <a:srgbClr val="000000"/>
-              </a:buClr>
-              <a:buSzPct val="45000"/>
-              <a:buFont typeface="Wingdings" charset="2"/>
-              <a:buChar char=""/>
-            </a:pPr>
-            <a:r>
-              <a:rPr b="0" lang="pt-BR" sz="1800" spc="-1" strike="noStrike">
-                <a:solidFill>
-                  <a:srgbClr val="1c1c1c"/>
-                </a:solidFill>
-                <a:latin typeface="Latin Modern Sans"/>
-                <a:ea typeface="DejaVu Sans"/>
-              </a:rPr>
-              <a:t> </a:t>
-            </a:r>
-            <a:endParaRPr b="0" lang="pt-BR" sz="1800" spc="-1" strike="noStrike">
-              <a:latin typeface="Arial"/>
-            </a:endParaRPr>
-          </a:p>
-          <a:p>
-            <a:pPr lvl="1" marL="432000" indent="-216000">
-              <a:lnSpc>
-                <a:spcPct val="100000"/>
-              </a:lnSpc>
-              <a:buClr>
-                <a:srgbClr val="000000"/>
-              </a:buClr>
-              <a:buSzPct val="45000"/>
-              <a:buFont typeface="Wingdings" charset="2"/>
-              <a:buChar char=""/>
-            </a:pPr>
-            <a:endParaRPr b="0" lang="pt-BR" sz="1800" spc="-1" strike="noStrike">
-              <a:latin typeface="Arial"/>
-            </a:endParaRPr>
-          </a:p>
-          <a:p>
-            <a:pPr lvl="1" marL="432000" indent="-216000">
-              <a:lnSpc>
-                <a:spcPct val="100000"/>
-              </a:lnSpc>
-              <a:buClr>
-                <a:srgbClr val="000000"/>
-              </a:buClr>
-              <a:buSzPct val="45000"/>
-              <a:buFont typeface="Wingdings" charset="2"/>
-              <a:buChar char=""/>
+            <a:pPr>
+              <a:lnSpc>
+                <a:spcPct val="100000"/>
+              </a:lnSpc>
+              <a:buNone/>
             </a:pPr>
             <a:endParaRPr b="0" lang="pt-BR" sz="1800" spc="-1" strike="noStrike">
               <a:latin typeface="Arial"/>
@@ -16914,7 +16295,7 @@
       </p:sp>
       <p:pic>
         <p:nvPicPr>
-          <p:cNvPr id="341" name="" descr=""/>
+          <p:cNvPr id="338" name="" descr=""/>
           <p:cNvPicPr/>
           <p:nvPr/>
         </p:nvPicPr>
@@ -16925,7 +16306,7 @@
         <p:spPr>
           <a:xfrm>
             <a:off x="984600" y="2696760"/>
-            <a:ext cx="1355400" cy="3783240"/>
+            <a:ext cx="1354680" cy="3782520"/>
           </a:xfrm>
           <a:prstGeom prst="rect">
             <a:avLst/>
@@ -16937,7 +16318,7 @@
       </p:pic>
       <p:pic>
         <p:nvPicPr>
-          <p:cNvPr id="342" name="" descr=""/>
+          <p:cNvPr id="339" name="" descr=""/>
           <p:cNvPicPr/>
           <p:nvPr/>
         </p:nvPicPr>
@@ -16948,7 +16329,7 @@
         <p:spPr>
           <a:xfrm>
             <a:off x="3060000" y="2880000"/>
-            <a:ext cx="5538600" cy="2934720"/>
+            <a:ext cx="5537880" cy="2934000"/>
           </a:xfrm>
           <a:prstGeom prst="rect">
             <a:avLst/>
@@ -16960,7 +16341,7 @@
       </p:pic>
       <p:pic>
         <p:nvPicPr>
-          <p:cNvPr id="343" name="" descr=""/>
+          <p:cNvPr id="340" name="" descr=""/>
           <p:cNvPicPr/>
           <p:nvPr/>
         </p:nvPicPr>
@@ -16971,7 +16352,7 @@
         <p:spPr>
           <a:xfrm>
             <a:off x="6120000" y="4320000"/>
-            <a:ext cx="720000" cy="465120"/>
+            <a:ext cx="719280" cy="464400"/>
           </a:xfrm>
           <a:prstGeom prst="rect">
             <a:avLst/>
@@ -17013,14 +16394,14 @@
       </p:grpSpPr>
       <p:sp>
         <p:nvSpPr>
-          <p:cNvPr id="344" name="CustomShape 73"/>
+          <p:cNvPr id="341" name="CustomShape 73"/>
           <p:cNvSpPr/>
           <p:nvPr/>
         </p:nvSpPr>
         <p:spPr>
           <a:xfrm>
             <a:off x="360000" y="360000"/>
-            <a:ext cx="9346680" cy="886680"/>
+            <a:ext cx="9345960" cy="885960"/>
           </a:xfrm>
           <a:prstGeom prst="rect">
             <a:avLst/>
@@ -17065,14 +16446,14 @@
       </p:sp>
       <p:sp>
         <p:nvSpPr>
-          <p:cNvPr id="345" name="CustomShape 74"/>
+          <p:cNvPr id="342" name="CustomShape 74"/>
           <p:cNvSpPr/>
           <p:nvPr/>
         </p:nvSpPr>
         <p:spPr>
           <a:xfrm>
             <a:off x="897120" y="6886080"/>
-            <a:ext cx="6433920" cy="351720"/>
+            <a:ext cx="6433200" cy="351000"/>
           </a:xfrm>
           <a:prstGeom prst="rect">
             <a:avLst/>
@@ -17117,14 +16498,14 @@
       </p:sp>
       <p:sp>
         <p:nvSpPr>
-          <p:cNvPr id="346" name="CustomShape 75"/>
+          <p:cNvPr id="343" name="CustomShape 75"/>
           <p:cNvSpPr/>
           <p:nvPr/>
         </p:nvSpPr>
         <p:spPr>
           <a:xfrm>
             <a:off x="7608600" y="6886080"/>
-            <a:ext cx="2271960" cy="351720"/>
+            <a:ext cx="2271240" cy="351000"/>
           </a:xfrm>
           <a:prstGeom prst="rect">
             <a:avLst/>
@@ -17169,14 +16550,14 @@
       </p:sp>
       <p:sp>
         <p:nvSpPr>
-          <p:cNvPr id="347" name=""/>
+          <p:cNvPr id="344" name=""/>
           <p:cNvSpPr/>
           <p:nvPr/>
         </p:nvSpPr>
         <p:spPr>
           <a:xfrm rot="21596400">
-            <a:off x="329040" y="1552320"/>
-            <a:ext cx="9196560" cy="5130000"/>
+            <a:off x="329040" y="1551600"/>
+            <a:ext cx="9195840" cy="5129280"/>
           </a:xfrm>
           <a:prstGeom prst="rect">
             <a:avLst/>
@@ -17234,112 +16615,77 @@
             </a:endParaRPr>
           </a:p>
           <a:p>
-            <a:pPr marL="216000" indent="-216000">
-              <a:lnSpc>
-                <a:spcPct val="100000"/>
-              </a:lnSpc>
-              <a:buClr>
-                <a:srgbClr val="000000"/>
-              </a:buClr>
-              <a:buSzPct val="45000"/>
-              <a:buFont typeface="Wingdings" charset="2"/>
-              <a:buChar char=""/>
+            <a:pPr>
+              <a:lnSpc>
+                <a:spcPct val="100000"/>
+              </a:lnSpc>
+              <a:buNone/>
             </a:pPr>
             <a:endParaRPr b="0" lang="pt-BR" sz="1800" spc="-1" strike="noStrike">
               <a:latin typeface="Arial"/>
             </a:endParaRPr>
           </a:p>
           <a:p>
-            <a:pPr marL="216000" indent="-216000">
-              <a:lnSpc>
-                <a:spcPct val="100000"/>
-              </a:lnSpc>
-              <a:buClr>
-                <a:srgbClr val="000000"/>
-              </a:buClr>
-              <a:buSzPct val="45000"/>
-              <a:buFont typeface="Wingdings" charset="2"/>
-              <a:buChar char=""/>
+            <a:pPr>
+              <a:lnSpc>
+                <a:spcPct val="100000"/>
+              </a:lnSpc>
+              <a:buNone/>
             </a:pPr>
             <a:endParaRPr b="0" lang="pt-BR" sz="1800" spc="-1" strike="noStrike">
               <a:latin typeface="Arial"/>
             </a:endParaRPr>
           </a:p>
           <a:p>
-            <a:pPr marL="216000" indent="-216000">
-              <a:lnSpc>
-                <a:spcPct val="100000"/>
-              </a:lnSpc>
-              <a:buClr>
-                <a:srgbClr val="000000"/>
-              </a:buClr>
-              <a:buSzPct val="45000"/>
-              <a:buFont typeface="Wingdings" charset="2"/>
-              <a:buChar char=""/>
+            <a:pPr>
+              <a:lnSpc>
+                <a:spcPct val="100000"/>
+              </a:lnSpc>
+              <a:buNone/>
             </a:pPr>
             <a:endParaRPr b="0" lang="pt-BR" sz="1800" spc="-1" strike="noStrike">
               <a:latin typeface="Arial"/>
             </a:endParaRPr>
           </a:p>
           <a:p>
-            <a:pPr marL="216000" indent="-216000">
-              <a:lnSpc>
-                <a:spcPct val="100000"/>
-              </a:lnSpc>
-              <a:buClr>
-                <a:srgbClr val="000000"/>
-              </a:buClr>
-              <a:buSzPct val="45000"/>
-              <a:buFont typeface="Wingdings" charset="2"/>
-              <a:buChar char=""/>
+            <a:pPr>
+              <a:lnSpc>
+                <a:spcPct val="100000"/>
+              </a:lnSpc>
+              <a:buNone/>
             </a:pPr>
             <a:endParaRPr b="0" lang="pt-BR" sz="1800" spc="-1" strike="noStrike">
               <a:latin typeface="Arial"/>
             </a:endParaRPr>
           </a:p>
           <a:p>
-            <a:pPr marL="216000" indent="-216000">
-              <a:lnSpc>
-                <a:spcPct val="100000"/>
-              </a:lnSpc>
-              <a:buClr>
-                <a:srgbClr val="000000"/>
-              </a:buClr>
-              <a:buSzPct val="45000"/>
-              <a:buFont typeface="Wingdings" charset="2"/>
-              <a:buChar char=""/>
+            <a:pPr>
+              <a:lnSpc>
+                <a:spcPct val="100000"/>
+              </a:lnSpc>
+              <a:buNone/>
             </a:pPr>
             <a:endParaRPr b="0" lang="pt-BR" sz="1800" spc="-1" strike="noStrike">
               <a:latin typeface="Arial"/>
             </a:endParaRPr>
           </a:p>
           <a:p>
-            <a:pPr marL="216000" indent="-216000">
-              <a:lnSpc>
-                <a:spcPct val="100000"/>
-              </a:lnSpc>
-              <a:buClr>
-                <a:srgbClr val="000000"/>
-              </a:buClr>
-              <a:buSzPct val="45000"/>
-              <a:buFont typeface="Wingdings" charset="2"/>
-              <a:buChar char=""/>
+            <a:pPr>
+              <a:lnSpc>
+                <a:spcPct val="100000"/>
+              </a:lnSpc>
+              <a:buNone/>
             </a:pPr>
             <a:endParaRPr b="0" lang="pt-BR" sz="1800" spc="-1" strike="noStrike">
               <a:latin typeface="Arial"/>
             </a:endParaRPr>
           </a:p>
           <a:p>
-            <a:pPr marL="216000" indent="-216000">
-              <a:lnSpc>
-                <a:spcPct val="100000"/>
-              </a:lnSpc>
-              <a:buClr>
-                <a:srgbClr val="000000"/>
-              </a:buClr>
-              <a:buSzPct val="45000"/>
-              <a:buFont typeface="Wingdings" charset="2"/>
-              <a:buChar char=""/>
+            <a:pPr>
+              <a:lnSpc>
+                <a:spcPct val="100000"/>
+              </a:lnSpc>
+              <a:buNone/>
             </a:pPr>
             <a:endParaRPr b="0" lang="pt-BR" sz="1800" spc="-1" strike="noStrike">
               <a:latin typeface="Arial"/>
@@ -17372,32 +16718,22 @@
             </a:endParaRPr>
           </a:p>
           <a:p>
-            <a:pPr lvl="1" marL="432000" indent="-216000">
-              <a:lnSpc>
-                <a:spcPct val="100000"/>
-              </a:lnSpc>
-              <a:buClr>
-                <a:srgbClr val="000000"/>
-              </a:buClr>
-              <a:buSzPct val="45000"/>
-              <a:buFont typeface="Wingdings" charset="2"/>
-              <a:buChar char=""/>
+            <a:pPr>
+              <a:lnSpc>
+                <a:spcPct val="100000"/>
+              </a:lnSpc>
+              <a:buNone/>
             </a:pPr>
             <a:endParaRPr b="0" lang="pt-BR" sz="1800" spc="-1" strike="noStrike">
               <a:latin typeface="Arial"/>
             </a:endParaRPr>
           </a:p>
           <a:p>
-            <a:pPr lvl="1" marL="432000" indent="-216000">
-              <a:lnSpc>
-                <a:spcPct val="100000"/>
-              </a:lnSpc>
-              <a:buClr>
-                <a:srgbClr val="000000"/>
-              </a:buClr>
-              <a:buSzPct val="45000"/>
-              <a:buFont typeface="Wingdings" charset="2"/>
-              <a:buChar char=""/>
+            <a:pPr>
+              <a:lnSpc>
+                <a:spcPct val="100000"/>
+              </a:lnSpc>
+              <a:buNone/>
             </a:pPr>
             <a:endParaRPr b="0" lang="pt-BR" sz="1800" spc="-1" strike="noStrike">
               <a:latin typeface="Arial"/>
@@ -17407,7 +16743,7 @@
       </p:sp>
       <p:pic>
         <p:nvPicPr>
-          <p:cNvPr id="348" name="" descr=""/>
+          <p:cNvPr id="345" name="" descr=""/>
           <p:cNvPicPr/>
           <p:nvPr/>
         </p:nvPicPr>
@@ -17418,7 +16754,7 @@
         <p:spPr>
           <a:xfrm>
             <a:off x="984600" y="2696760"/>
-            <a:ext cx="1355400" cy="3783240"/>
+            <a:ext cx="1354680" cy="3782520"/>
           </a:xfrm>
           <a:prstGeom prst="rect">
             <a:avLst/>
@@ -17430,7 +16766,7 @@
       </p:pic>
       <p:pic>
         <p:nvPicPr>
-          <p:cNvPr id="349" name="" descr=""/>
+          <p:cNvPr id="346" name="" descr=""/>
           <p:cNvPicPr/>
           <p:nvPr/>
         </p:nvPicPr>
@@ -17441,7 +16777,7 @@
         <p:spPr>
           <a:xfrm>
             <a:off x="3060000" y="3281040"/>
-            <a:ext cx="5751000" cy="2298960"/>
+            <a:ext cx="5750280" cy="2298240"/>
           </a:xfrm>
           <a:prstGeom prst="rect">
             <a:avLst/>
@@ -17483,14 +16819,14 @@
       </p:grpSpPr>
       <p:sp>
         <p:nvSpPr>
-          <p:cNvPr id="350" name="CustomShape 77"/>
+          <p:cNvPr id="347" name="CustomShape 77"/>
           <p:cNvSpPr/>
           <p:nvPr/>
         </p:nvSpPr>
         <p:spPr>
           <a:xfrm>
             <a:off x="360000" y="360000"/>
-            <a:ext cx="9346680" cy="886680"/>
+            <a:ext cx="9345960" cy="885960"/>
           </a:xfrm>
           <a:prstGeom prst="rect">
             <a:avLst/>
@@ -17535,14 +16871,14 @@
       </p:sp>
       <p:sp>
         <p:nvSpPr>
-          <p:cNvPr id="351" name="CustomShape 78"/>
+          <p:cNvPr id="348" name="CustomShape 78"/>
           <p:cNvSpPr/>
           <p:nvPr/>
         </p:nvSpPr>
         <p:spPr>
           <a:xfrm>
             <a:off x="897120" y="6886080"/>
-            <a:ext cx="6433920" cy="351720"/>
+            <a:ext cx="6433200" cy="351000"/>
           </a:xfrm>
           <a:prstGeom prst="rect">
             <a:avLst/>
@@ -17587,14 +16923,14 @@
       </p:sp>
       <p:sp>
         <p:nvSpPr>
-          <p:cNvPr id="352" name="CustomShape 79"/>
+          <p:cNvPr id="349" name="CustomShape 79"/>
           <p:cNvSpPr/>
           <p:nvPr/>
         </p:nvSpPr>
         <p:spPr>
           <a:xfrm>
             <a:off x="7608600" y="6886080"/>
-            <a:ext cx="2271960" cy="351720"/>
+            <a:ext cx="2271240" cy="351000"/>
           </a:xfrm>
           <a:prstGeom prst="rect">
             <a:avLst/>
@@ -17639,14 +16975,14 @@
       </p:sp>
       <p:sp>
         <p:nvSpPr>
-          <p:cNvPr id="353" name=""/>
+          <p:cNvPr id="350" name=""/>
           <p:cNvSpPr/>
           <p:nvPr/>
         </p:nvSpPr>
         <p:spPr>
           <a:xfrm rot="21596400">
-            <a:off x="329040" y="1552320"/>
-            <a:ext cx="9196560" cy="5130000"/>
+            <a:off x="329040" y="1551600"/>
+            <a:ext cx="9195840" cy="5129280"/>
           </a:xfrm>
           <a:prstGeom prst="rect">
             <a:avLst/>
@@ -17704,112 +17040,77 @@
             </a:endParaRPr>
           </a:p>
           <a:p>
-            <a:pPr marL="216000" indent="-216000">
-              <a:lnSpc>
-                <a:spcPct val="100000"/>
-              </a:lnSpc>
-              <a:buClr>
-                <a:srgbClr val="000000"/>
-              </a:buClr>
-              <a:buSzPct val="45000"/>
-              <a:buFont typeface="Wingdings" charset="2"/>
-              <a:buChar char=""/>
+            <a:pPr>
+              <a:lnSpc>
+                <a:spcPct val="100000"/>
+              </a:lnSpc>
+              <a:buNone/>
             </a:pPr>
             <a:endParaRPr b="0" lang="pt-BR" sz="1800" spc="-1" strike="noStrike">
               <a:latin typeface="Arial"/>
             </a:endParaRPr>
           </a:p>
           <a:p>
-            <a:pPr marL="216000" indent="-216000">
-              <a:lnSpc>
-                <a:spcPct val="100000"/>
-              </a:lnSpc>
-              <a:buClr>
-                <a:srgbClr val="000000"/>
-              </a:buClr>
-              <a:buSzPct val="45000"/>
-              <a:buFont typeface="Wingdings" charset="2"/>
-              <a:buChar char=""/>
+            <a:pPr>
+              <a:lnSpc>
+                <a:spcPct val="100000"/>
+              </a:lnSpc>
+              <a:buNone/>
             </a:pPr>
             <a:endParaRPr b="0" lang="pt-BR" sz="1800" spc="-1" strike="noStrike">
               <a:latin typeface="Arial"/>
             </a:endParaRPr>
           </a:p>
           <a:p>
-            <a:pPr marL="216000" indent="-216000">
-              <a:lnSpc>
-                <a:spcPct val="100000"/>
-              </a:lnSpc>
-              <a:buClr>
-                <a:srgbClr val="000000"/>
-              </a:buClr>
-              <a:buSzPct val="45000"/>
-              <a:buFont typeface="Wingdings" charset="2"/>
-              <a:buChar char=""/>
+            <a:pPr>
+              <a:lnSpc>
+                <a:spcPct val="100000"/>
+              </a:lnSpc>
+              <a:buNone/>
             </a:pPr>
             <a:endParaRPr b="0" lang="pt-BR" sz="1800" spc="-1" strike="noStrike">
               <a:latin typeface="Arial"/>
             </a:endParaRPr>
           </a:p>
           <a:p>
-            <a:pPr marL="216000" indent="-216000">
-              <a:lnSpc>
-                <a:spcPct val="100000"/>
-              </a:lnSpc>
-              <a:buClr>
-                <a:srgbClr val="000000"/>
-              </a:buClr>
-              <a:buSzPct val="45000"/>
-              <a:buFont typeface="Wingdings" charset="2"/>
-              <a:buChar char=""/>
+            <a:pPr>
+              <a:lnSpc>
+                <a:spcPct val="100000"/>
+              </a:lnSpc>
+              <a:buNone/>
             </a:pPr>
             <a:endParaRPr b="0" lang="pt-BR" sz="1800" spc="-1" strike="noStrike">
               <a:latin typeface="Arial"/>
             </a:endParaRPr>
           </a:p>
           <a:p>
-            <a:pPr marL="216000" indent="-216000">
-              <a:lnSpc>
-                <a:spcPct val="100000"/>
-              </a:lnSpc>
-              <a:buClr>
-                <a:srgbClr val="000000"/>
-              </a:buClr>
-              <a:buSzPct val="45000"/>
-              <a:buFont typeface="Wingdings" charset="2"/>
-              <a:buChar char=""/>
+            <a:pPr>
+              <a:lnSpc>
+                <a:spcPct val="100000"/>
+              </a:lnSpc>
+              <a:buNone/>
             </a:pPr>
             <a:endParaRPr b="0" lang="pt-BR" sz="1800" spc="-1" strike="noStrike">
               <a:latin typeface="Arial"/>
             </a:endParaRPr>
           </a:p>
           <a:p>
-            <a:pPr marL="216000" indent="-216000">
-              <a:lnSpc>
-                <a:spcPct val="100000"/>
-              </a:lnSpc>
-              <a:buClr>
-                <a:srgbClr val="000000"/>
-              </a:buClr>
-              <a:buSzPct val="45000"/>
-              <a:buFont typeface="Wingdings" charset="2"/>
-              <a:buChar char=""/>
+            <a:pPr>
+              <a:lnSpc>
+                <a:spcPct val="100000"/>
+              </a:lnSpc>
+              <a:buNone/>
             </a:pPr>
             <a:endParaRPr b="0" lang="pt-BR" sz="1800" spc="-1" strike="noStrike">
               <a:latin typeface="Arial"/>
             </a:endParaRPr>
           </a:p>
           <a:p>
-            <a:pPr marL="216000" indent="-216000">
-              <a:lnSpc>
-                <a:spcPct val="100000"/>
-              </a:lnSpc>
-              <a:buClr>
-                <a:srgbClr val="000000"/>
-              </a:buClr>
-              <a:buSzPct val="45000"/>
-              <a:buFont typeface="Wingdings" charset="2"/>
-              <a:buChar char=""/>
+            <a:pPr>
+              <a:lnSpc>
+                <a:spcPct val="100000"/>
+              </a:lnSpc>
+              <a:buNone/>
             </a:pPr>
             <a:endParaRPr b="0" lang="pt-BR" sz="1800" spc="-1" strike="noStrike">
               <a:latin typeface="Arial"/>
@@ -17842,32 +17143,22 @@
             </a:endParaRPr>
           </a:p>
           <a:p>
-            <a:pPr lvl="1" marL="432000" indent="-216000">
-              <a:lnSpc>
-                <a:spcPct val="100000"/>
-              </a:lnSpc>
-              <a:buClr>
-                <a:srgbClr val="000000"/>
-              </a:buClr>
-              <a:buSzPct val="45000"/>
-              <a:buFont typeface="Wingdings" charset="2"/>
-              <a:buChar char=""/>
+            <a:pPr>
+              <a:lnSpc>
+                <a:spcPct val="100000"/>
+              </a:lnSpc>
+              <a:buNone/>
             </a:pPr>
             <a:endParaRPr b="0" lang="pt-BR" sz="1800" spc="-1" strike="noStrike">
               <a:latin typeface="Arial"/>
             </a:endParaRPr>
           </a:p>
           <a:p>
-            <a:pPr lvl="1" marL="432000" indent="-216000">
-              <a:lnSpc>
-                <a:spcPct val="100000"/>
-              </a:lnSpc>
-              <a:buClr>
-                <a:srgbClr val="000000"/>
-              </a:buClr>
-              <a:buSzPct val="45000"/>
-              <a:buFont typeface="Wingdings" charset="2"/>
-              <a:buChar char=""/>
+            <a:pPr>
+              <a:lnSpc>
+                <a:spcPct val="100000"/>
+              </a:lnSpc>
+              <a:buNone/>
             </a:pPr>
             <a:endParaRPr b="0" lang="pt-BR" sz="1800" spc="-1" strike="noStrike">
               <a:latin typeface="Arial"/>
@@ -17877,7 +17168,7 @@
       </p:sp>
       <p:pic>
         <p:nvPicPr>
-          <p:cNvPr id="354" name="" descr=""/>
+          <p:cNvPr id="351" name="" descr=""/>
           <p:cNvPicPr/>
           <p:nvPr/>
         </p:nvPicPr>
@@ -17888,7 +17179,7 @@
         <p:spPr>
           <a:xfrm>
             <a:off x="984600" y="2696760"/>
-            <a:ext cx="1355400" cy="3783240"/>
+            <a:ext cx="1354680" cy="3782520"/>
           </a:xfrm>
           <a:prstGeom prst="rect">
             <a:avLst/>
@@ -17900,7 +17191,7 @@
       </p:pic>
       <p:pic>
         <p:nvPicPr>
-          <p:cNvPr id="355" name="" descr=""/>
+          <p:cNvPr id="352" name="" descr=""/>
           <p:cNvPicPr/>
           <p:nvPr/>
         </p:nvPicPr>
@@ -17911,7 +17202,7 @@
         <p:spPr>
           <a:xfrm>
             <a:off x="2574360" y="2880000"/>
-            <a:ext cx="6785640" cy="3357000"/>
+            <a:ext cx="6784920" cy="3356280"/>
           </a:xfrm>
           <a:prstGeom prst="rect">
             <a:avLst/>
@@ -17960,7 +17251,7 @@
         <p:spPr>
           <a:xfrm>
             <a:off x="360000" y="360000"/>
-            <a:ext cx="9353160" cy="893160"/>
+            <a:ext cx="9352440" cy="892440"/>
           </a:xfrm>
           <a:prstGeom prst="rect">
             <a:avLst/>
@@ -18012,7 +17303,7 @@
         <p:spPr>
           <a:xfrm>
             <a:off x="360000" y="1980000"/>
-            <a:ext cx="9173160" cy="4673160"/>
+            <a:ext cx="9172440" cy="4672440"/>
           </a:xfrm>
           <a:prstGeom prst="rect">
             <a:avLst/>
@@ -18216,7 +17507,7 @@
         <p:spPr>
           <a:xfrm>
             <a:off x="897120" y="6886080"/>
-            <a:ext cx="6440400" cy="358200"/>
+            <a:ext cx="6439680" cy="357480"/>
           </a:xfrm>
           <a:prstGeom prst="rect">
             <a:avLst/>
@@ -18268,7 +17559,7 @@
         <p:spPr>
           <a:xfrm>
             <a:off x="7608600" y="6886080"/>
-            <a:ext cx="2278440" cy="358200"/>
+            <a:ext cx="2277720" cy="357480"/>
           </a:xfrm>
           <a:prstGeom prst="rect">
             <a:avLst/>
@@ -18323,8 +17614,8 @@
         </p:blipFill>
         <p:spPr>
           <a:xfrm>
-            <a:off x="2045520" y="3960000"/>
-            <a:ext cx="6131880" cy="1854720"/>
+            <a:off x="1599480" y="4218120"/>
+            <a:ext cx="7184520" cy="2153880"/>
           </a:xfrm>
           <a:prstGeom prst="rect">
             <a:avLst/>
@@ -18334,96 +17625,6 @@
           </a:ln>
         </p:spPr>
       </p:pic>
-      <p:sp>
-        <p:nvSpPr>
-          <p:cNvPr id="220" name=""/>
-          <p:cNvSpPr/>
-          <p:nvPr/>
-        </p:nvSpPr>
-        <p:spPr>
-          <a:xfrm>
-            <a:off x="2520360" y="5508360"/>
-            <a:ext cx="267840" cy="267840"/>
-          </a:xfrm>
-          <a:prstGeom prst="ellipse">
-            <a:avLst/>
-          </a:prstGeom>
-          <a:solidFill>
-            <a:srgbClr val="00a933"/>
-          </a:solidFill>
-          <a:ln w="0">
-            <a:solidFill>
-              <a:srgbClr val="3465a4"/>
-            </a:solidFill>
-          </a:ln>
-        </p:spPr>
-        <p:style>
-          <a:lnRef idx="0"/>
-          <a:fillRef idx="0"/>
-          <a:effectRef idx="0"/>
-          <a:fontRef idx="minor"/>
-        </p:style>
-      </p:sp>
-      <p:sp>
-        <p:nvSpPr>
-          <p:cNvPr id="221" name=""/>
-          <p:cNvSpPr/>
-          <p:nvPr/>
-        </p:nvSpPr>
-        <p:spPr>
-          <a:xfrm>
-            <a:off x="2052360" y="5508360"/>
-            <a:ext cx="267840" cy="267840"/>
-          </a:xfrm>
-          <a:prstGeom prst="ellipse">
-            <a:avLst/>
-          </a:prstGeom>
-          <a:solidFill>
-            <a:srgbClr val="00a933"/>
-          </a:solidFill>
-          <a:ln w="0">
-            <a:solidFill>
-              <a:srgbClr val="3465a4"/>
-            </a:solidFill>
-          </a:ln>
-        </p:spPr>
-        <p:style>
-          <a:lnRef idx="0"/>
-          <a:fillRef idx="0"/>
-          <a:effectRef idx="0"/>
-          <a:fontRef idx="minor"/>
-        </p:style>
-      </p:sp>
-      <p:sp>
-        <p:nvSpPr>
-          <p:cNvPr id="222" name=""/>
-          <p:cNvSpPr/>
-          <p:nvPr/>
-        </p:nvSpPr>
-        <p:spPr>
-          <a:xfrm>
-            <a:off x="2988720" y="5508360"/>
-            <a:ext cx="267840" cy="267840"/>
-          </a:xfrm>
-          <a:prstGeom prst="ellipse">
-            <a:avLst/>
-          </a:prstGeom>
-          <a:solidFill>
-            <a:srgbClr val="00a933"/>
-          </a:solidFill>
-          <a:ln w="0">
-            <a:solidFill>
-              <a:srgbClr val="3465a4"/>
-            </a:solidFill>
-          </a:ln>
-        </p:spPr>
-        <p:style>
-          <a:lnRef idx="0"/>
-          <a:fillRef idx="0"/>
-          <a:effectRef idx="0"/>
-          <a:fontRef idx="minor"/>
-        </p:style>
-      </p:sp>
     </p:spTree>
   </p:cSld>
   <mc:AlternateContent>
@@ -18456,14 +17657,14 @@
       </p:grpSpPr>
       <p:sp>
         <p:nvSpPr>
-          <p:cNvPr id="356" name="CustomShape 81"/>
+          <p:cNvPr id="353" name="CustomShape 81"/>
           <p:cNvSpPr/>
           <p:nvPr/>
         </p:nvSpPr>
         <p:spPr>
           <a:xfrm>
             <a:off x="360000" y="360000"/>
-            <a:ext cx="9346680" cy="886680"/>
+            <a:ext cx="9345960" cy="885960"/>
           </a:xfrm>
           <a:prstGeom prst="rect">
             <a:avLst/>
@@ -18508,14 +17709,14 @@
       </p:sp>
       <p:sp>
         <p:nvSpPr>
-          <p:cNvPr id="357" name="CustomShape 82"/>
+          <p:cNvPr id="354" name="CustomShape 82"/>
           <p:cNvSpPr/>
           <p:nvPr/>
         </p:nvSpPr>
         <p:spPr>
           <a:xfrm>
             <a:off x="897120" y="6886080"/>
-            <a:ext cx="6433920" cy="351720"/>
+            <a:ext cx="6433200" cy="351000"/>
           </a:xfrm>
           <a:prstGeom prst="rect">
             <a:avLst/>
@@ -18560,14 +17761,14 @@
       </p:sp>
       <p:sp>
         <p:nvSpPr>
-          <p:cNvPr id="358" name="CustomShape 83"/>
+          <p:cNvPr id="355" name="CustomShape 83"/>
           <p:cNvSpPr/>
           <p:nvPr/>
         </p:nvSpPr>
         <p:spPr>
           <a:xfrm>
             <a:off x="7608600" y="6886080"/>
-            <a:ext cx="2271960" cy="351720"/>
+            <a:ext cx="2271240" cy="351000"/>
           </a:xfrm>
           <a:prstGeom prst="rect">
             <a:avLst/>
@@ -18602,107 +17803,7 @@
                 <a:latin typeface="Arial"/>
                 <a:ea typeface="DejaVu Sans"/>
               </a:rPr>
-              <a:t>N</a:t>
-            </a:r>
-            <a:r>
-              <a:rPr b="0" lang="pt-BR" sz="1800" spc="-1" strike="noStrike">
-                <a:solidFill>
-                  <a:srgbClr val="000000"/>
-                </a:solidFill>
-                <a:latin typeface="Arial"/>
-                <a:ea typeface="DejaVu Sans"/>
-              </a:rPr>
-              <a:t>a</a:t>
-            </a:r>
-            <a:r>
-              <a:rPr b="0" lang="pt-BR" sz="1800" spc="-1" strike="noStrike">
-                <a:solidFill>
-                  <a:srgbClr val="000000"/>
-                </a:solidFill>
-                <a:latin typeface="Arial"/>
-                <a:ea typeface="DejaVu Sans"/>
-              </a:rPr>
-              <a:t>i</a:t>
-            </a:r>
-            <a:r>
-              <a:rPr b="0" lang="pt-BR" sz="1800" spc="-1" strike="noStrike">
-                <a:solidFill>
-                  <a:srgbClr val="000000"/>
-                </a:solidFill>
-                <a:latin typeface="Arial"/>
-                <a:ea typeface="DejaVu Sans"/>
-              </a:rPr>
-              <a:t>v</a:t>
-            </a:r>
-            <a:r>
-              <a:rPr b="0" lang="pt-BR" sz="1800" spc="-1" strike="noStrike">
-                <a:solidFill>
-                  <a:srgbClr val="000000"/>
-                </a:solidFill>
-                <a:latin typeface="Arial"/>
-                <a:ea typeface="DejaVu Sans"/>
-              </a:rPr>
-              <a:t>e</a:t>
-            </a:r>
-            <a:r>
-              <a:rPr b="0" lang="pt-BR" sz="1800" spc="-1" strike="noStrike">
-                <a:solidFill>
-                  <a:srgbClr val="000000"/>
-                </a:solidFill>
-                <a:latin typeface="Arial"/>
-                <a:ea typeface="DejaVu Sans"/>
-              </a:rPr>
-              <a:t> </a:t>
-            </a:r>
-            <a:r>
-              <a:rPr b="0" lang="pt-BR" sz="1800" spc="-1" strike="noStrike">
-                <a:solidFill>
-                  <a:srgbClr val="000000"/>
-                </a:solidFill>
-                <a:latin typeface="Arial"/>
-                <a:ea typeface="DejaVu Sans"/>
-              </a:rPr>
-              <a:t>B</a:t>
-            </a:r>
-            <a:r>
-              <a:rPr b="0" lang="pt-BR" sz="1800" spc="-1" strike="noStrike">
-                <a:solidFill>
-                  <a:srgbClr val="000000"/>
-                </a:solidFill>
-                <a:latin typeface="Arial"/>
-                <a:ea typeface="DejaVu Sans"/>
-              </a:rPr>
-              <a:t>a</a:t>
-            </a:r>
-            <a:r>
-              <a:rPr b="0" lang="pt-BR" sz="1800" spc="-1" strike="noStrike">
-                <a:solidFill>
-                  <a:srgbClr val="000000"/>
-                </a:solidFill>
-                <a:latin typeface="Arial"/>
-                <a:ea typeface="DejaVu Sans"/>
-              </a:rPr>
-              <a:t>y</a:t>
-            </a:r>
-            <a:r>
-              <a:rPr b="0" lang="pt-BR" sz="1800" spc="-1" strike="noStrike">
-                <a:solidFill>
-                  <a:srgbClr val="000000"/>
-                </a:solidFill>
-                <a:latin typeface="Arial"/>
-                <a:ea typeface="DejaVu Sans"/>
-              </a:rPr>
-              <a:t>e</a:t>
-            </a:r>
-            <a:r>
-              <a:rPr b="0" lang="pt-BR" sz="1800" spc="-1" strike="noStrike">
-                <a:solidFill>
-                  <a:srgbClr val="000000"/>
-                </a:solidFill>
-                <a:latin typeface="Arial"/>
-                <a:ea typeface="DejaVu Sans"/>
-              </a:rPr>
-              <a:t>s</a:t>
+              <a:t>Naive Bayes</a:t>
             </a:r>
             <a:endParaRPr b="0" lang="pt-BR" sz="1800" spc="-1" strike="noStrike">
               <a:latin typeface="Arial"/>
@@ -18712,14 +17813,14 @@
       </p:sp>
       <p:sp>
         <p:nvSpPr>
-          <p:cNvPr id="359" name=""/>
+          <p:cNvPr id="356" name=""/>
           <p:cNvSpPr/>
           <p:nvPr/>
         </p:nvSpPr>
         <p:spPr>
           <a:xfrm rot="21596400">
-            <a:off x="329040" y="1552320"/>
-            <a:ext cx="9196560" cy="5130000"/>
+            <a:off x="329040" y="1551600"/>
+            <a:ext cx="9195840" cy="5129280"/>
           </a:xfrm>
           <a:prstGeom prst="rect">
             <a:avLst/>
@@ -18777,112 +17878,77 @@
             </a:endParaRPr>
           </a:p>
           <a:p>
-            <a:pPr marL="216000" indent="-216000">
-              <a:lnSpc>
-                <a:spcPct val="100000"/>
-              </a:lnSpc>
-              <a:buClr>
-                <a:srgbClr val="000000"/>
-              </a:buClr>
-              <a:buSzPct val="45000"/>
-              <a:buFont typeface="Wingdings" charset="2"/>
-              <a:buChar char=""/>
+            <a:pPr>
+              <a:lnSpc>
+                <a:spcPct val="100000"/>
+              </a:lnSpc>
+              <a:buNone/>
             </a:pPr>
             <a:endParaRPr b="0" lang="pt-BR" sz="1800" spc="-1" strike="noStrike">
               <a:latin typeface="Arial"/>
             </a:endParaRPr>
           </a:p>
           <a:p>
-            <a:pPr marL="216000" indent="-216000">
-              <a:lnSpc>
-                <a:spcPct val="100000"/>
-              </a:lnSpc>
-              <a:buClr>
-                <a:srgbClr val="000000"/>
-              </a:buClr>
-              <a:buSzPct val="45000"/>
-              <a:buFont typeface="Wingdings" charset="2"/>
-              <a:buChar char=""/>
+            <a:pPr>
+              <a:lnSpc>
+                <a:spcPct val="100000"/>
+              </a:lnSpc>
+              <a:buNone/>
             </a:pPr>
             <a:endParaRPr b="0" lang="pt-BR" sz="1800" spc="-1" strike="noStrike">
               <a:latin typeface="Arial"/>
             </a:endParaRPr>
           </a:p>
           <a:p>
-            <a:pPr marL="216000" indent="-216000">
-              <a:lnSpc>
-                <a:spcPct val="100000"/>
-              </a:lnSpc>
-              <a:buClr>
-                <a:srgbClr val="000000"/>
-              </a:buClr>
-              <a:buSzPct val="45000"/>
-              <a:buFont typeface="Wingdings" charset="2"/>
-              <a:buChar char=""/>
+            <a:pPr>
+              <a:lnSpc>
+                <a:spcPct val="100000"/>
+              </a:lnSpc>
+              <a:buNone/>
             </a:pPr>
             <a:endParaRPr b="0" lang="pt-BR" sz="1800" spc="-1" strike="noStrike">
               <a:latin typeface="Arial"/>
             </a:endParaRPr>
           </a:p>
           <a:p>
-            <a:pPr marL="216000" indent="-216000">
-              <a:lnSpc>
-                <a:spcPct val="100000"/>
-              </a:lnSpc>
-              <a:buClr>
-                <a:srgbClr val="000000"/>
-              </a:buClr>
-              <a:buSzPct val="45000"/>
-              <a:buFont typeface="Wingdings" charset="2"/>
-              <a:buChar char=""/>
+            <a:pPr>
+              <a:lnSpc>
+                <a:spcPct val="100000"/>
+              </a:lnSpc>
+              <a:buNone/>
             </a:pPr>
             <a:endParaRPr b="0" lang="pt-BR" sz="1800" spc="-1" strike="noStrike">
               <a:latin typeface="Arial"/>
             </a:endParaRPr>
           </a:p>
           <a:p>
-            <a:pPr marL="216000" indent="-216000">
-              <a:lnSpc>
-                <a:spcPct val="100000"/>
-              </a:lnSpc>
-              <a:buClr>
-                <a:srgbClr val="000000"/>
-              </a:buClr>
-              <a:buSzPct val="45000"/>
-              <a:buFont typeface="Wingdings" charset="2"/>
-              <a:buChar char=""/>
+            <a:pPr>
+              <a:lnSpc>
+                <a:spcPct val="100000"/>
+              </a:lnSpc>
+              <a:buNone/>
             </a:pPr>
             <a:endParaRPr b="0" lang="pt-BR" sz="1800" spc="-1" strike="noStrike">
               <a:latin typeface="Arial"/>
             </a:endParaRPr>
           </a:p>
           <a:p>
-            <a:pPr marL="216000" indent="-216000">
-              <a:lnSpc>
-                <a:spcPct val="100000"/>
-              </a:lnSpc>
-              <a:buClr>
-                <a:srgbClr val="000000"/>
-              </a:buClr>
-              <a:buSzPct val="45000"/>
-              <a:buFont typeface="Wingdings" charset="2"/>
-              <a:buChar char=""/>
+            <a:pPr>
+              <a:lnSpc>
+                <a:spcPct val="100000"/>
+              </a:lnSpc>
+              <a:buNone/>
             </a:pPr>
             <a:endParaRPr b="0" lang="pt-BR" sz="1800" spc="-1" strike="noStrike">
               <a:latin typeface="Arial"/>
             </a:endParaRPr>
           </a:p>
           <a:p>
-            <a:pPr marL="216000" indent="-216000">
-              <a:lnSpc>
-                <a:spcPct val="100000"/>
-              </a:lnSpc>
-              <a:buClr>
-                <a:srgbClr val="000000"/>
-              </a:buClr>
-              <a:buSzPct val="45000"/>
-              <a:buFont typeface="Wingdings" charset="2"/>
-              <a:buChar char=""/>
+            <a:pPr>
+              <a:lnSpc>
+                <a:spcPct val="100000"/>
+              </a:lnSpc>
+              <a:buNone/>
             </a:pPr>
             <a:endParaRPr b="0" lang="pt-BR" sz="1800" spc="-1" strike="noStrike">
               <a:latin typeface="Arial"/>
@@ -18915,32 +17981,22 @@
             </a:endParaRPr>
           </a:p>
           <a:p>
-            <a:pPr lvl="1" marL="432000" indent="-216000">
-              <a:lnSpc>
-                <a:spcPct val="100000"/>
-              </a:lnSpc>
-              <a:buClr>
-                <a:srgbClr val="000000"/>
-              </a:buClr>
-              <a:buSzPct val="45000"/>
-              <a:buFont typeface="Wingdings" charset="2"/>
-              <a:buChar char=""/>
+            <a:pPr>
+              <a:lnSpc>
+                <a:spcPct val="100000"/>
+              </a:lnSpc>
+              <a:buNone/>
             </a:pPr>
             <a:endParaRPr b="0" lang="pt-BR" sz="1800" spc="-1" strike="noStrike">
               <a:latin typeface="Arial"/>
             </a:endParaRPr>
           </a:p>
           <a:p>
-            <a:pPr lvl="1" marL="432000" indent="-216000">
-              <a:lnSpc>
-                <a:spcPct val="100000"/>
-              </a:lnSpc>
-              <a:buClr>
-                <a:srgbClr val="000000"/>
-              </a:buClr>
-              <a:buSzPct val="45000"/>
-              <a:buFont typeface="Wingdings" charset="2"/>
-              <a:buChar char=""/>
+            <a:pPr>
+              <a:lnSpc>
+                <a:spcPct val="100000"/>
+              </a:lnSpc>
+              <a:buNone/>
             </a:pPr>
             <a:endParaRPr b="0" lang="pt-BR" sz="1800" spc="-1" strike="noStrike">
               <a:latin typeface="Arial"/>
@@ -18950,7 +18006,7 @@
       </p:sp>
       <p:pic>
         <p:nvPicPr>
-          <p:cNvPr id="360" name="" descr=""/>
+          <p:cNvPr id="357" name="" descr=""/>
           <p:cNvPicPr/>
           <p:nvPr/>
         </p:nvPicPr>
@@ -18961,7 +18017,7 @@
         <p:spPr>
           <a:xfrm>
             <a:off x="1187280" y="2520000"/>
-            <a:ext cx="7452720" cy="3882600"/>
+            <a:ext cx="7452000" cy="3881880"/>
           </a:xfrm>
           <a:prstGeom prst="rect">
             <a:avLst/>
@@ -19003,14 +18059,14 @@
       </p:grpSpPr>
       <p:sp>
         <p:nvSpPr>
-          <p:cNvPr id="361" name="CustomShape 65"/>
+          <p:cNvPr id="358" name="CustomShape 65"/>
           <p:cNvSpPr/>
           <p:nvPr/>
         </p:nvSpPr>
         <p:spPr>
           <a:xfrm>
             <a:off x="360000" y="360000"/>
-            <a:ext cx="9346680" cy="886680"/>
+            <a:ext cx="9345960" cy="885960"/>
           </a:xfrm>
           <a:prstGeom prst="rect">
             <a:avLst/>
@@ -19055,14 +18111,14 @@
       </p:sp>
       <p:sp>
         <p:nvSpPr>
-          <p:cNvPr id="362" name="CustomShape 66"/>
+          <p:cNvPr id="359" name="CustomShape 66"/>
           <p:cNvSpPr/>
           <p:nvPr/>
         </p:nvSpPr>
         <p:spPr>
           <a:xfrm>
             <a:off x="897120" y="6886080"/>
-            <a:ext cx="6433920" cy="351720"/>
+            <a:ext cx="6433200" cy="351000"/>
           </a:xfrm>
           <a:prstGeom prst="rect">
             <a:avLst/>
@@ -19107,14 +18163,14 @@
       </p:sp>
       <p:sp>
         <p:nvSpPr>
-          <p:cNvPr id="363" name="CustomShape 67"/>
+          <p:cNvPr id="360" name="CustomShape 67"/>
           <p:cNvSpPr/>
           <p:nvPr/>
         </p:nvSpPr>
         <p:spPr>
           <a:xfrm>
             <a:off x="7608600" y="6886080"/>
-            <a:ext cx="2271960" cy="351720"/>
+            <a:ext cx="2271240" cy="351000"/>
           </a:xfrm>
           <a:prstGeom prst="rect">
             <a:avLst/>
@@ -19159,14 +18215,14 @@
       </p:sp>
       <p:sp>
         <p:nvSpPr>
-          <p:cNvPr id="364" name=""/>
+          <p:cNvPr id="361" name=""/>
           <p:cNvSpPr/>
           <p:nvPr/>
         </p:nvSpPr>
         <p:spPr>
           <a:xfrm rot="21596400">
-            <a:off x="329040" y="1552320"/>
-            <a:ext cx="9196560" cy="5130000"/>
+            <a:off x="329040" y="1551600"/>
+            <a:ext cx="9195840" cy="5129280"/>
           </a:xfrm>
           <a:prstGeom prst="rect">
             <a:avLst/>
@@ -19224,16 +18280,11 @@
             </a:endParaRPr>
           </a:p>
           <a:p>
-            <a:pPr marL="216000" indent="-216000">
-              <a:lnSpc>
-                <a:spcPct val="100000"/>
-              </a:lnSpc>
-              <a:buClr>
-                <a:srgbClr val="000000"/>
-              </a:buClr>
-              <a:buSzPct val="45000"/>
-              <a:buFont typeface="Wingdings" charset="2"/>
-              <a:buChar char=""/>
+            <a:pPr>
+              <a:lnSpc>
+                <a:spcPct val="100000"/>
+              </a:lnSpc>
+              <a:buNone/>
             </a:pPr>
             <a:endParaRPr b="0" lang="pt-BR" sz="1800" spc="-1" strike="noStrike">
               <a:latin typeface="Arial"/>
@@ -19257,36 +18308,17 @@
               <a:t>Link: </a:t>
             </a:r>
             <a:r>
-              <a:rPr b="0" lang="pt-BR" sz="1800" spc="-1" strike="noStrike">
+              <a:rPr b="0" lang="pt-BR" sz="1800" spc="-1" strike="noStrike" u="sng">
                 <a:solidFill>
-                  <a:srgbClr val="1c1c1c"/>
+                  <a:srgbClr val="0000ff"/>
                 </a:solidFill>
+                <a:uFillTx/>
                 <a:latin typeface="Latin Modern Sans"/>
                 <a:ea typeface="DejaVu Sans"/>
                 <a:hlinkClick r:id="rId1"/>
               </a:rPr>
-              <a:t>Tópico_02_Aprendizado_Supervisionado_Naive_Bayes.ipynb</a:t>
-            </a:r>
-            <a:endParaRPr b="0" lang="pt-BR" sz="1800" spc="-1" strike="noStrike">
-              <a:latin typeface="Arial"/>
-            </a:endParaRPr>
-          </a:p>
-          <a:p>
-            <a:pPr>
-              <a:lnSpc>
-                <a:spcPct val="100000"/>
-              </a:lnSpc>
-              <a:buNone/>
-            </a:pPr>
-            <a:r>
-              <a:rPr b="0" lang="pt-BR" sz="1800" spc="-1" strike="noStrike">
-                <a:solidFill>
-                  <a:srgbClr val="1c1c1c"/>
-                </a:solidFill>
-                <a:latin typeface="Latin Modern Sans"/>
-                <a:ea typeface="DejaVu Sans"/>
-              </a:rPr>
-              <a:t> </a:t>
+              <a:t>Tópico_02_Aprendizado_Supervisionado_Naive_Bayes.ipynb
+</a:t>
             </a:r>
             <a:endParaRPr b="0" lang="pt-BR" sz="1800" spc="-1" strike="noStrike">
               <a:latin typeface="Arial"/>
@@ -19326,14 +18358,14 @@
       </p:grpSpPr>
       <p:sp>
         <p:nvSpPr>
-          <p:cNvPr id="365" name="CustomShape 61"/>
+          <p:cNvPr id="362" name="CustomShape 61"/>
           <p:cNvSpPr/>
           <p:nvPr/>
         </p:nvSpPr>
         <p:spPr>
           <a:xfrm>
             <a:off x="360000" y="360000"/>
-            <a:ext cx="9346680" cy="886680"/>
+            <a:ext cx="9345960" cy="885960"/>
           </a:xfrm>
           <a:prstGeom prst="rect">
             <a:avLst/>
@@ -19378,14 +18410,14 @@
       </p:sp>
       <p:sp>
         <p:nvSpPr>
-          <p:cNvPr id="366" name="CustomShape 62"/>
+          <p:cNvPr id="363" name="CustomShape 62"/>
           <p:cNvSpPr/>
           <p:nvPr/>
         </p:nvSpPr>
         <p:spPr>
           <a:xfrm>
             <a:off x="897120" y="6886080"/>
-            <a:ext cx="6433920" cy="351720"/>
+            <a:ext cx="6433200" cy="351000"/>
           </a:xfrm>
           <a:prstGeom prst="rect">
             <a:avLst/>
@@ -19430,14 +18462,14 @@
       </p:sp>
       <p:sp>
         <p:nvSpPr>
-          <p:cNvPr id="367" name="CustomShape 63"/>
+          <p:cNvPr id="364" name="CustomShape 63"/>
           <p:cNvSpPr/>
           <p:nvPr/>
         </p:nvSpPr>
         <p:spPr>
           <a:xfrm>
             <a:off x="7608600" y="6886080"/>
-            <a:ext cx="2271960" cy="351720"/>
+            <a:ext cx="2271240" cy="351000"/>
           </a:xfrm>
           <a:prstGeom prst="rect">
             <a:avLst/>
@@ -19482,14 +18514,14 @@
       </p:sp>
       <p:sp>
         <p:nvSpPr>
-          <p:cNvPr id="368" name=""/>
+          <p:cNvPr id="365" name=""/>
           <p:cNvSpPr/>
           <p:nvPr/>
         </p:nvSpPr>
         <p:spPr>
           <a:xfrm rot="21596400">
-            <a:off x="329040" y="1552320"/>
-            <a:ext cx="9196560" cy="5130000"/>
+            <a:off x="329040" y="1551600"/>
+            <a:ext cx="9195840" cy="5129280"/>
           </a:xfrm>
           <a:prstGeom prst="rect">
             <a:avLst/>
@@ -19822,28 +18854,28 @@
       </p:grpSpPr>
       <p:grpSp>
         <p:nvGrpSpPr>
-          <p:cNvPr id="223" name=""/>
+          <p:cNvPr id="220" name=""/>
           <p:cNvGrpSpPr/>
           <p:nvPr/>
         </p:nvGrpSpPr>
         <p:grpSpPr>
           <a:xfrm>
             <a:off x="4769640" y="2530440"/>
-            <a:ext cx="5218560" cy="4318560"/>
+            <a:ext cx="5217840" cy="4317840"/>
             <a:chOff x="4769640" y="2530440"/>
-            <a:chExt cx="5218560" cy="4318560"/>
+            <a:chExt cx="5217840" cy="4317840"/>
           </a:xfrm>
         </p:grpSpPr>
         <p:sp>
           <p:nvSpPr>
-            <p:cNvPr id="224" name=""/>
+            <p:cNvPr id="221" name=""/>
             <p:cNvSpPr/>
             <p:nvPr/>
           </p:nvSpPr>
           <p:spPr>
             <a:xfrm>
               <a:off x="7889040" y="3835800"/>
-              <a:ext cx="556560" cy="317880"/>
+              <a:ext cx="555840" cy="317160"/>
             </a:xfrm>
             <a:prstGeom prst="rect">
               <a:avLst/>
@@ -19888,35 +18920,35 @@
         </p:sp>
         <p:grpSp>
           <p:nvGrpSpPr>
-            <p:cNvPr id="225" name=""/>
+            <p:cNvPr id="222" name=""/>
             <p:cNvGrpSpPr/>
             <p:nvPr/>
           </p:nvGrpSpPr>
           <p:grpSpPr>
             <a:xfrm>
               <a:off x="4769640" y="2530440"/>
-              <a:ext cx="5218560" cy="4318560"/>
+              <a:ext cx="5217840" cy="4317840"/>
               <a:chOff x="4769640" y="2530440"/>
-              <a:chExt cx="5218560" cy="4318560"/>
+              <a:chExt cx="5217840" cy="4317840"/>
             </a:xfrm>
           </p:grpSpPr>
           <p:grpSp>
             <p:nvGrpSpPr>
-              <p:cNvPr id="226" name=""/>
+              <p:cNvPr id="223" name=""/>
               <p:cNvGrpSpPr/>
               <p:nvPr/>
             </p:nvGrpSpPr>
             <p:grpSpPr>
               <a:xfrm>
                 <a:off x="4769640" y="2530440"/>
-                <a:ext cx="5218560" cy="4318560"/>
+                <a:ext cx="5217840" cy="4317840"/>
                 <a:chOff x="4769640" y="2530440"/>
-                <a:chExt cx="5218560" cy="4318560"/>
+                <a:chExt cx="5217840" cy="4317840"/>
               </a:xfrm>
             </p:grpSpPr>
             <p:pic>
               <p:nvPicPr>
-                <p:cNvPr id="227" name="" descr=""/>
+                <p:cNvPr id="224" name="" descr=""/>
                 <p:cNvPicPr/>
                 <p:nvPr/>
               </p:nvPicPr>
@@ -19928,7 +18960,7 @@
               <p:spPr>
                 <a:xfrm>
                   <a:off x="4769640" y="2530440"/>
-                  <a:ext cx="5218560" cy="4318560"/>
+                  <a:ext cx="5217840" cy="4317840"/>
                 </a:xfrm>
                 <a:prstGeom prst="rect">
                   <a:avLst/>
@@ -19940,7 +18972,7 @@
             </p:pic>
             <p:pic>
               <p:nvPicPr>
-                <p:cNvPr id="228" name="" descr=""/>
+                <p:cNvPr id="225" name="" descr=""/>
                 <p:cNvPicPr/>
                 <p:nvPr/>
               </p:nvPicPr>
@@ -19951,7 +18983,7 @@
               <p:spPr>
                 <a:xfrm>
                   <a:off x="5738040" y="2621880"/>
-                  <a:ext cx="4032360" cy="3560400"/>
+                  <a:ext cx="4031640" cy="3559680"/>
                 </a:xfrm>
                 <a:prstGeom prst="rect">
                   <a:avLst/>
@@ -19964,28 +18996,28 @@
           </p:grpSp>
           <p:grpSp>
             <p:nvGrpSpPr>
-              <p:cNvPr id="229" name=""/>
+              <p:cNvPr id="226" name=""/>
               <p:cNvGrpSpPr/>
               <p:nvPr/>
             </p:nvGrpSpPr>
             <p:grpSpPr>
               <a:xfrm>
                 <a:off x="7760880" y="4901040"/>
-                <a:ext cx="1687320" cy="376560"/>
+                <a:ext cx="1686600" cy="375840"/>
                 <a:chOff x="7760880" y="4901040"/>
-                <a:chExt cx="1687320" cy="376560"/>
+                <a:chExt cx="1686600" cy="375840"/>
               </a:xfrm>
             </p:grpSpPr>
             <p:sp>
               <p:nvSpPr>
-                <p:cNvPr id="230" name=""/>
+                <p:cNvPr id="227" name=""/>
                 <p:cNvSpPr/>
                 <p:nvPr/>
               </p:nvSpPr>
               <p:spPr>
                 <a:xfrm>
                   <a:off x="7760880" y="4901040"/>
-                  <a:ext cx="1687320" cy="376560"/>
+                  <a:ext cx="1686600" cy="375840"/>
                 </a:xfrm>
                 <a:prstGeom prst="rect">
                   <a:avLst/>
@@ -20040,7 +19072,7 @@
             </p:sp>
             <p:pic>
               <p:nvPicPr>
-                <p:cNvPr id="231" name="" descr=""/>
+                <p:cNvPr id="228" name="" descr=""/>
                 <p:cNvPicPr/>
                 <p:nvPr/>
               </p:nvPicPr>
@@ -20051,7 +19083,7 @@
               <p:spPr>
                 <a:xfrm>
                   <a:off x="8443800" y="5005080"/>
-                  <a:ext cx="231480" cy="162360"/>
+                  <a:ext cx="230760" cy="161640"/>
                 </a:xfrm>
                 <a:prstGeom prst="rect">
                   <a:avLst/>
@@ -20063,7 +19095,7 @@
             </p:pic>
             <p:pic>
               <p:nvPicPr>
-                <p:cNvPr id="232" name="" descr=""/>
+                <p:cNvPr id="229" name="" descr=""/>
                 <p:cNvPicPr/>
                 <p:nvPr/>
               </p:nvPicPr>
@@ -20074,7 +19106,7 @@
               <p:spPr>
                 <a:xfrm>
                   <a:off x="8679240" y="5005080"/>
-                  <a:ext cx="231840" cy="162360"/>
+                  <a:ext cx="231120" cy="161640"/>
                 </a:xfrm>
                 <a:prstGeom prst="rect">
                   <a:avLst/>
@@ -20086,14 +19118,14 @@
             </p:pic>
             <p:sp>
               <p:nvSpPr>
-                <p:cNvPr id="233" name=""/>
+                <p:cNvPr id="230" name=""/>
                 <p:cNvSpPr/>
                 <p:nvPr/>
               </p:nvSpPr>
               <p:spPr>
                 <a:xfrm>
                   <a:off x="8912520" y="5005080"/>
-                  <a:ext cx="216720" cy="189720"/>
+                  <a:ext cx="216000" cy="189000"/>
                 </a:xfrm>
                 <a:prstGeom prst="rect">
                   <a:avLst/>
@@ -20155,35 +19187,35 @@
           </p:grpSp>
           <p:grpSp>
             <p:nvGrpSpPr>
-              <p:cNvPr id="234" name=""/>
+              <p:cNvPr id="231" name=""/>
               <p:cNvGrpSpPr/>
               <p:nvPr/>
             </p:nvGrpSpPr>
             <p:grpSpPr>
               <a:xfrm>
                 <a:off x="7120440" y="5490000"/>
-                <a:ext cx="2044800" cy="376920"/>
+                <a:ext cx="2044080" cy="376200"/>
                 <a:chOff x="7120440" y="5490000"/>
-                <a:chExt cx="2044800" cy="376920"/>
+                <a:chExt cx="2044080" cy="376200"/>
               </a:xfrm>
             </p:grpSpPr>
             <p:grpSp>
               <p:nvGrpSpPr>
-                <p:cNvPr id="235" name=""/>
+                <p:cNvPr id="232" name=""/>
                 <p:cNvGrpSpPr/>
                 <p:nvPr/>
               </p:nvGrpSpPr>
               <p:grpSpPr>
                 <a:xfrm>
                   <a:off x="7846200" y="5597640"/>
-                  <a:ext cx="1058400" cy="190800"/>
+                  <a:ext cx="1057680" cy="190080"/>
                   <a:chOff x="7846200" y="5597640"/>
-                  <a:chExt cx="1058400" cy="190800"/>
+                  <a:chExt cx="1057680" cy="190080"/>
                 </a:xfrm>
               </p:grpSpPr>
               <p:pic>
                 <p:nvPicPr>
-                  <p:cNvPr id="236" name="" descr=""/>
+                  <p:cNvPr id="233" name="" descr=""/>
                   <p:cNvPicPr/>
                   <p:nvPr/>
                 </p:nvPicPr>
@@ -20194,7 +19226,76 @@
                 <p:spPr>
                   <a:xfrm>
                     <a:off x="7846200" y="5597640"/>
-                    <a:ext cx="221760" cy="162360"/>
+                    <a:ext cx="221040" cy="161640"/>
+                  </a:xfrm>
+                  <a:prstGeom prst="rect">
+                    <a:avLst/>
+                  </a:prstGeom>
+                  <a:ln w="0">
+                    <a:noFill/>
+                  </a:ln>
+                </p:spPr>
+              </p:pic>
+              <p:pic>
+                <p:nvPicPr>
+                  <p:cNvPr id="234" name="" descr=""/>
+                  <p:cNvPicPr/>
+                  <p:nvPr/>
+                </p:nvPicPr>
+                <p:blipFill>
+                  <a:blip r:embed="rId7"/>
+                  <a:stretch/>
+                </p:blipFill>
+                <p:spPr>
+                  <a:xfrm>
+                    <a:off x="8071560" y="5597640"/>
+                    <a:ext cx="221400" cy="161640"/>
+                  </a:xfrm>
+                  <a:prstGeom prst="rect">
+                    <a:avLst/>
+                  </a:prstGeom>
+                  <a:ln w="0">
+                    <a:noFill/>
+                  </a:ln>
+                </p:spPr>
+              </p:pic>
+              <p:pic>
+                <p:nvPicPr>
+                  <p:cNvPr id="235" name="" descr=""/>
+                  <p:cNvPicPr/>
+                  <p:nvPr/>
+                </p:nvPicPr>
+                <p:blipFill>
+                  <a:blip r:embed="rId8"/>
+                  <a:stretch/>
+                </p:blipFill>
+                <p:spPr>
+                  <a:xfrm>
+                    <a:off x="8295120" y="5597640"/>
+                    <a:ext cx="207360" cy="189360"/>
+                  </a:xfrm>
+                  <a:prstGeom prst="rect">
+                    <a:avLst/>
+                  </a:prstGeom>
+                  <a:ln w="0">
+                    <a:noFill/>
+                  </a:ln>
+                </p:spPr>
+              </p:pic>
+              <p:pic>
+                <p:nvPicPr>
+                  <p:cNvPr id="236" name="" descr=""/>
+                  <p:cNvPicPr/>
+                  <p:nvPr/>
+                </p:nvPicPr>
+                <p:blipFill>
+                  <a:blip r:embed="rId9"/>
+                  <a:stretch/>
+                </p:blipFill>
+                <p:spPr>
+                  <a:xfrm>
+                    <a:off x="8496360" y="5598000"/>
+                    <a:ext cx="207000" cy="189360"/>
                   </a:xfrm>
                   <a:prstGeom prst="rect">
                     <a:avLst/>
@@ -20211,82 +19312,13 @@
                   <p:nvPr/>
                 </p:nvPicPr>
                 <p:blipFill>
-                  <a:blip r:embed="rId7"/>
-                  <a:stretch/>
-                </p:blipFill>
-                <p:spPr>
-                  <a:xfrm>
-                    <a:off x="8071560" y="5597640"/>
-                    <a:ext cx="222120" cy="162360"/>
-                  </a:xfrm>
-                  <a:prstGeom prst="rect">
-                    <a:avLst/>
-                  </a:prstGeom>
-                  <a:ln w="0">
-                    <a:noFill/>
-                  </a:ln>
-                </p:spPr>
-              </p:pic>
-              <p:pic>
-                <p:nvPicPr>
-                  <p:cNvPr id="238" name="" descr=""/>
-                  <p:cNvPicPr/>
-                  <p:nvPr/>
-                </p:nvPicPr>
-                <p:blipFill>
-                  <a:blip r:embed="rId8"/>
-                  <a:stretch/>
-                </p:blipFill>
-                <p:spPr>
-                  <a:xfrm>
-                    <a:off x="8295120" y="5597640"/>
-                    <a:ext cx="208080" cy="190080"/>
-                  </a:xfrm>
-                  <a:prstGeom prst="rect">
-                    <a:avLst/>
-                  </a:prstGeom>
-                  <a:ln w="0">
-                    <a:noFill/>
-                  </a:ln>
-                </p:spPr>
-              </p:pic>
-              <p:pic>
-                <p:nvPicPr>
-                  <p:cNvPr id="239" name="" descr=""/>
-                  <p:cNvPicPr/>
-                  <p:nvPr/>
-                </p:nvPicPr>
-                <p:blipFill>
-                  <a:blip r:embed="rId9"/>
-                  <a:stretch/>
-                </p:blipFill>
-                <p:spPr>
-                  <a:xfrm>
-                    <a:off x="8496360" y="5598000"/>
-                    <a:ext cx="207720" cy="190080"/>
-                  </a:xfrm>
-                  <a:prstGeom prst="rect">
-                    <a:avLst/>
-                  </a:prstGeom>
-                  <a:ln w="0">
-                    <a:noFill/>
-                  </a:ln>
-                </p:spPr>
-              </p:pic>
-              <p:pic>
-                <p:nvPicPr>
-                  <p:cNvPr id="240" name="" descr=""/>
-                  <p:cNvPicPr/>
-                  <p:nvPr/>
-                </p:nvPicPr>
-                <p:blipFill>
                   <a:blip r:embed="rId10"/>
                   <a:stretch/>
                 </p:blipFill>
                 <p:spPr>
                   <a:xfrm>
                     <a:off x="8696880" y="5598360"/>
-                    <a:ext cx="207720" cy="190080"/>
+                    <a:ext cx="207000" cy="189360"/>
                   </a:xfrm>
                   <a:prstGeom prst="rect">
                     <a:avLst/>
@@ -20299,14 +19331,14 @@
             </p:grpSp>
             <p:sp>
               <p:nvSpPr>
-                <p:cNvPr id="241" name=""/>
+                <p:cNvPr id="238" name=""/>
                 <p:cNvSpPr/>
                 <p:nvPr/>
               </p:nvSpPr>
               <p:spPr>
                 <a:xfrm>
                   <a:off x="7120440" y="5490000"/>
-                  <a:ext cx="2044800" cy="376920"/>
+                  <a:ext cx="2044080" cy="376200"/>
                 </a:xfrm>
                 <a:prstGeom prst="rect">
                   <a:avLst/>
@@ -20362,14 +19394,14 @@
           </p:grpSp>
           <p:sp>
             <p:nvSpPr>
-              <p:cNvPr id="242" name=""/>
+              <p:cNvPr id="239" name=""/>
               <p:cNvSpPr/>
               <p:nvPr/>
             </p:nvSpPr>
             <p:spPr>
               <a:xfrm>
                 <a:off x="7719840" y="4474440"/>
-                <a:ext cx="576360" cy="358560"/>
+                <a:ext cx="575640" cy="357840"/>
               </a:xfrm>
               <a:prstGeom prst="rect">
                 <a:avLst/>
@@ -20416,14 +19448,14 @@
       </p:grpSp>
       <p:sp>
         <p:nvSpPr>
-          <p:cNvPr id="243" name="CustomShape 10"/>
+          <p:cNvPr id="240" name="CustomShape 10"/>
           <p:cNvSpPr/>
           <p:nvPr/>
         </p:nvSpPr>
         <p:spPr>
           <a:xfrm>
             <a:off x="360000" y="360000"/>
-            <a:ext cx="9346680" cy="886680"/>
+            <a:ext cx="9345960" cy="885960"/>
           </a:xfrm>
           <a:prstGeom prst="rect">
             <a:avLst/>
@@ -20468,14 +19500,14 @@
       </p:sp>
       <p:sp>
         <p:nvSpPr>
-          <p:cNvPr id="244" name="CustomShape 13"/>
+          <p:cNvPr id="241" name="CustomShape 13"/>
           <p:cNvSpPr/>
           <p:nvPr/>
         </p:nvSpPr>
         <p:spPr>
           <a:xfrm>
             <a:off x="897120" y="6886080"/>
-            <a:ext cx="6433920" cy="351720"/>
+            <a:ext cx="6433200" cy="351000"/>
           </a:xfrm>
           <a:prstGeom prst="rect">
             <a:avLst/>
@@ -20520,14 +19552,14 @@
       </p:sp>
       <p:sp>
         <p:nvSpPr>
-          <p:cNvPr id="245" name="CustomShape 14"/>
+          <p:cNvPr id="242" name="CustomShape 14"/>
           <p:cNvSpPr/>
           <p:nvPr/>
         </p:nvSpPr>
         <p:spPr>
           <a:xfrm>
             <a:off x="7608600" y="6886080"/>
-            <a:ext cx="2271960" cy="351720"/>
+            <a:ext cx="2271240" cy="351000"/>
           </a:xfrm>
           <a:prstGeom prst="rect">
             <a:avLst/>
@@ -20572,14 +19604,14 @@
       </p:sp>
       <p:sp>
         <p:nvSpPr>
-          <p:cNvPr id="246" name=""/>
+          <p:cNvPr id="243" name=""/>
           <p:cNvSpPr/>
           <p:nvPr/>
         </p:nvSpPr>
         <p:spPr>
           <a:xfrm>
             <a:off x="342720" y="1529280"/>
-            <a:ext cx="6776280" cy="384480"/>
+            <a:ext cx="6775560" cy="383760"/>
           </a:xfrm>
           <a:prstGeom prst="rect">
             <a:avLst/>
@@ -20777,14 +19809,14 @@
       </p:grpSpPr>
       <p:sp>
         <p:nvSpPr>
-          <p:cNvPr id="247" name="CustomShape 5"/>
+          <p:cNvPr id="244" name="CustomShape 5"/>
           <p:cNvSpPr/>
           <p:nvPr/>
         </p:nvSpPr>
         <p:spPr>
           <a:xfrm>
             <a:off x="360000" y="360000"/>
-            <a:ext cx="9346680" cy="886680"/>
+            <a:ext cx="9345960" cy="885960"/>
           </a:xfrm>
           <a:prstGeom prst="rect">
             <a:avLst/>
@@ -20829,14 +19861,14 @@
       </p:sp>
       <p:sp>
         <p:nvSpPr>
-          <p:cNvPr id="248" name="CustomShape 7"/>
+          <p:cNvPr id="245" name="CustomShape 7"/>
           <p:cNvSpPr/>
           <p:nvPr/>
         </p:nvSpPr>
         <p:spPr>
           <a:xfrm>
             <a:off x="897120" y="6886080"/>
-            <a:ext cx="6433920" cy="351720"/>
+            <a:ext cx="6433200" cy="351000"/>
           </a:xfrm>
           <a:prstGeom prst="rect">
             <a:avLst/>
@@ -20881,14 +19913,14 @@
       </p:sp>
       <p:sp>
         <p:nvSpPr>
-          <p:cNvPr id="249" name="CustomShape 8"/>
+          <p:cNvPr id="246" name="CustomShape 8"/>
           <p:cNvSpPr/>
           <p:nvPr/>
         </p:nvSpPr>
         <p:spPr>
           <a:xfrm>
             <a:off x="7608600" y="6886080"/>
-            <a:ext cx="2271960" cy="351720"/>
+            <a:ext cx="2271240" cy="351000"/>
           </a:xfrm>
           <a:prstGeom prst="rect">
             <a:avLst/>
@@ -20933,14 +19965,14 @@
       </p:sp>
       <p:sp>
         <p:nvSpPr>
-          <p:cNvPr id="250" name=""/>
+          <p:cNvPr id="247" name=""/>
           <p:cNvSpPr/>
           <p:nvPr/>
         </p:nvSpPr>
         <p:spPr>
           <a:xfrm>
             <a:off x="328320" y="1553760"/>
-            <a:ext cx="9196560" cy="5130000"/>
+            <a:ext cx="9195840" cy="5129280"/>
           </a:xfrm>
           <a:prstGeom prst="rect">
             <a:avLst/>
@@ -21297,14 +20329,14 @@
       </p:grpSpPr>
       <p:sp>
         <p:nvSpPr>
-          <p:cNvPr id="251" name="CustomShape 11"/>
+          <p:cNvPr id="248" name="CustomShape 11"/>
           <p:cNvSpPr/>
           <p:nvPr/>
         </p:nvSpPr>
         <p:spPr>
           <a:xfrm>
             <a:off x="360000" y="360000"/>
-            <a:ext cx="9346680" cy="886680"/>
+            <a:ext cx="9345960" cy="885960"/>
           </a:xfrm>
           <a:prstGeom prst="rect">
             <a:avLst/>
@@ -21349,14 +20381,14 @@
       </p:sp>
       <p:sp>
         <p:nvSpPr>
-          <p:cNvPr id="252" name="CustomShape 12"/>
+          <p:cNvPr id="249" name="CustomShape 12"/>
           <p:cNvSpPr/>
           <p:nvPr/>
         </p:nvSpPr>
         <p:spPr>
           <a:xfrm>
             <a:off x="897120" y="6886080"/>
-            <a:ext cx="6433920" cy="351720"/>
+            <a:ext cx="6433200" cy="351000"/>
           </a:xfrm>
           <a:prstGeom prst="rect">
             <a:avLst/>
@@ -21401,14 +20433,14 @@
       </p:sp>
       <p:sp>
         <p:nvSpPr>
-          <p:cNvPr id="253" name="CustomShape 15"/>
+          <p:cNvPr id="250" name="CustomShape 15"/>
           <p:cNvSpPr/>
           <p:nvPr/>
         </p:nvSpPr>
         <p:spPr>
           <a:xfrm>
             <a:off x="7608600" y="6886080"/>
-            <a:ext cx="2271960" cy="351720"/>
+            <a:ext cx="2271240" cy="351000"/>
           </a:xfrm>
           <a:prstGeom prst="rect">
             <a:avLst/>
@@ -21453,14 +20485,14 @@
       </p:sp>
       <p:sp>
         <p:nvSpPr>
-          <p:cNvPr id="254" name=""/>
+          <p:cNvPr id="251" name=""/>
           <p:cNvSpPr/>
           <p:nvPr/>
         </p:nvSpPr>
         <p:spPr>
           <a:xfrm rot="18000">
-            <a:off x="328320" y="1552320"/>
-            <a:ext cx="9196560" cy="5130000"/>
+            <a:off x="327600" y="1551600"/>
+            <a:ext cx="9195840" cy="5129280"/>
           </a:xfrm>
           <a:prstGeom prst="rect">
             <a:avLst/>
@@ -21815,14 +20847,14 @@
       </p:grpSpPr>
       <p:sp>
         <p:nvSpPr>
-          <p:cNvPr id="255" name="CustomShape 17"/>
+          <p:cNvPr id="252" name="CustomShape 17"/>
           <p:cNvSpPr/>
           <p:nvPr/>
         </p:nvSpPr>
         <p:spPr>
           <a:xfrm>
             <a:off x="360000" y="360000"/>
-            <a:ext cx="9346680" cy="886680"/>
+            <a:ext cx="9345960" cy="885960"/>
           </a:xfrm>
           <a:prstGeom prst="rect">
             <a:avLst/>
@@ -21867,14 +20899,14 @@
       </p:sp>
       <p:sp>
         <p:nvSpPr>
-          <p:cNvPr id="256" name="CustomShape 18"/>
+          <p:cNvPr id="253" name="CustomShape 18"/>
           <p:cNvSpPr/>
           <p:nvPr/>
         </p:nvSpPr>
         <p:spPr>
           <a:xfrm>
             <a:off x="897120" y="6886080"/>
-            <a:ext cx="6433920" cy="351720"/>
+            <a:ext cx="6433200" cy="351000"/>
           </a:xfrm>
           <a:prstGeom prst="rect">
             <a:avLst/>
@@ -21919,14 +20951,14 @@
       </p:sp>
       <p:sp>
         <p:nvSpPr>
-          <p:cNvPr id="257" name="CustomShape 19"/>
+          <p:cNvPr id="254" name="CustomShape 19"/>
           <p:cNvSpPr/>
           <p:nvPr/>
         </p:nvSpPr>
         <p:spPr>
           <a:xfrm>
             <a:off x="7608600" y="6886080"/>
-            <a:ext cx="2271960" cy="351720"/>
+            <a:ext cx="2271240" cy="351000"/>
           </a:xfrm>
           <a:prstGeom prst="rect">
             <a:avLst/>
@@ -21971,14 +21003,14 @@
       </p:sp>
       <p:sp>
         <p:nvSpPr>
-          <p:cNvPr id="258" name=""/>
+          <p:cNvPr id="255" name=""/>
           <p:cNvSpPr/>
           <p:nvPr/>
         </p:nvSpPr>
         <p:spPr>
           <a:xfrm rot="18000">
-            <a:off x="328320" y="1552320"/>
-            <a:ext cx="9196560" cy="5130000"/>
+            <a:off x="327600" y="1551600"/>
+            <a:ext cx="9195840" cy="5129280"/>
           </a:xfrm>
           <a:prstGeom prst="rect">
             <a:avLst/>
@@ -22105,21 +21137,21 @@
       </p:sp>
       <p:grpSp>
         <p:nvGrpSpPr>
-          <p:cNvPr id="259" name=""/>
+          <p:cNvPr id="256" name=""/>
           <p:cNvGrpSpPr/>
           <p:nvPr/>
         </p:nvGrpSpPr>
         <p:grpSpPr>
           <a:xfrm>
             <a:off x="2014920" y="2340000"/>
-            <a:ext cx="6444360" cy="1998720"/>
+            <a:ext cx="6443640" cy="1998000"/>
             <a:chOff x="2014920" y="2340000"/>
-            <a:chExt cx="6444360" cy="1998720"/>
+            <a:chExt cx="6443640" cy="1998000"/>
           </a:xfrm>
         </p:grpSpPr>
         <p:pic>
           <p:nvPicPr>
-            <p:cNvPr id="260" name="" descr=""/>
+            <p:cNvPr id="257" name="" descr=""/>
             <p:cNvPicPr/>
             <p:nvPr/>
           </p:nvPicPr>
@@ -22130,7 +21162,7 @@
           <p:spPr>
             <a:xfrm>
               <a:off x="2014920" y="2340000"/>
-              <a:ext cx="6444360" cy="1012320"/>
+              <a:ext cx="6443640" cy="1011600"/>
             </a:xfrm>
             <a:prstGeom prst="rect">
               <a:avLst/>
@@ -22142,7 +21174,7 @@
         </p:pic>
         <p:pic>
           <p:nvPicPr>
-            <p:cNvPr id="261" name="" descr=""/>
+            <p:cNvPr id="258" name="" descr=""/>
             <p:cNvPicPr/>
             <p:nvPr/>
           </p:nvPicPr>
@@ -22153,7 +21185,7 @@
           <p:spPr>
             <a:xfrm>
               <a:off x="2014920" y="3353040"/>
-              <a:ext cx="6440760" cy="985680"/>
+              <a:ext cx="6440040" cy="984960"/>
             </a:xfrm>
             <a:prstGeom prst="rect">
               <a:avLst/>
@@ -22166,7 +21198,7 @@
       </p:grpSp>
       <p:pic>
         <p:nvPicPr>
-          <p:cNvPr id="262" name="" descr=""/>
+          <p:cNvPr id="259" name="" descr=""/>
           <p:cNvPicPr/>
           <p:nvPr/>
         </p:nvPicPr>
@@ -22177,7 +21209,7 @@
         <p:spPr>
           <a:xfrm>
             <a:off x="2700000" y="5140080"/>
-            <a:ext cx="5166360" cy="799200"/>
+            <a:ext cx="5165640" cy="798480"/>
           </a:xfrm>
           <a:prstGeom prst="rect">
             <a:avLst/>
@@ -22189,7 +21221,7 @@
       </p:pic>
       <p:pic>
         <p:nvPicPr>
-          <p:cNvPr id="263" name="" descr=""/>
+          <p:cNvPr id="260" name="" descr=""/>
           <p:cNvPicPr/>
           <p:nvPr/>
         </p:nvPicPr>
@@ -22199,8 +21231,8 @@
         </p:blipFill>
         <p:spPr>
           <a:xfrm rot="5253000">
-            <a:off x="4981680" y="4500000"/>
-            <a:ext cx="417960" cy="417960"/>
+            <a:off x="4982400" y="4500000"/>
+            <a:ext cx="417240" cy="417240"/>
           </a:xfrm>
           <a:prstGeom prst="rect">
             <a:avLst/>
@@ -22242,14 +21274,14 @@
       </p:grpSpPr>
       <p:sp>
         <p:nvSpPr>
-          <p:cNvPr id="264" name="CustomShape 21"/>
+          <p:cNvPr id="261" name="CustomShape 21"/>
           <p:cNvSpPr/>
           <p:nvPr/>
         </p:nvSpPr>
         <p:spPr>
           <a:xfrm>
             <a:off x="360000" y="360000"/>
-            <a:ext cx="9346680" cy="886680"/>
+            <a:ext cx="9345960" cy="885960"/>
           </a:xfrm>
           <a:prstGeom prst="rect">
             <a:avLst/>
@@ -22294,14 +21326,14 @@
       </p:sp>
       <p:sp>
         <p:nvSpPr>
-          <p:cNvPr id="265" name="CustomShape 22"/>
+          <p:cNvPr id="262" name="CustomShape 22"/>
           <p:cNvSpPr/>
           <p:nvPr/>
         </p:nvSpPr>
         <p:spPr>
           <a:xfrm>
             <a:off x="897120" y="6886080"/>
-            <a:ext cx="6433920" cy="351720"/>
+            <a:ext cx="6433200" cy="351000"/>
           </a:xfrm>
           <a:prstGeom prst="rect">
             <a:avLst/>
@@ -22346,14 +21378,14 @@
       </p:sp>
       <p:sp>
         <p:nvSpPr>
-          <p:cNvPr id="266" name="CustomShape 23"/>
+          <p:cNvPr id="263" name="CustomShape 23"/>
           <p:cNvSpPr/>
           <p:nvPr/>
         </p:nvSpPr>
         <p:spPr>
           <a:xfrm>
             <a:off x="7608600" y="6886080"/>
-            <a:ext cx="2271960" cy="351720"/>
+            <a:ext cx="2271240" cy="351000"/>
           </a:xfrm>
           <a:prstGeom prst="rect">
             <a:avLst/>
@@ -22398,14 +21430,14 @@
       </p:sp>
       <p:sp>
         <p:nvSpPr>
-          <p:cNvPr id="267" name=""/>
+          <p:cNvPr id="264" name=""/>
           <p:cNvSpPr/>
           <p:nvPr/>
         </p:nvSpPr>
         <p:spPr>
           <a:xfrm rot="18000">
-            <a:off x="328320" y="1552320"/>
-            <a:ext cx="9196560" cy="5130000"/>
+            <a:off x="327600" y="1551600"/>
+            <a:ext cx="9195840" cy="5129280"/>
           </a:xfrm>
           <a:prstGeom prst="rect">
             <a:avLst/>
@@ -22613,7 +21645,7 @@
       </p:sp>
       <p:pic>
         <p:nvPicPr>
-          <p:cNvPr id="268" name="" descr=""/>
+          <p:cNvPr id="265" name="" descr=""/>
           <p:cNvPicPr/>
           <p:nvPr/>
         </p:nvPicPr>
@@ -22624,7 +21656,7 @@
         <p:spPr>
           <a:xfrm>
             <a:off x="1620000" y="2423520"/>
-            <a:ext cx="4626360" cy="715680"/>
+            <a:ext cx="4625640" cy="714960"/>
           </a:xfrm>
           <a:prstGeom prst="rect">
             <a:avLst/>
@@ -22636,7 +21668,7 @@
       </p:pic>
       <p:pic>
         <p:nvPicPr>
-          <p:cNvPr id="269" name="" descr=""/>
+          <p:cNvPr id="266" name="" descr=""/>
           <p:cNvPicPr/>
           <p:nvPr/>
         </p:nvPicPr>
@@ -22647,7 +21679,7 @@
         <p:spPr>
           <a:xfrm>
             <a:off x="1800000" y="4371480"/>
-            <a:ext cx="4192200" cy="1112760"/>
+            <a:ext cx="4191480" cy="1112040"/>
           </a:xfrm>
           <a:prstGeom prst="rect">
             <a:avLst/>
@@ -22689,14 +21721,14 @@
       </p:grpSpPr>
       <p:sp>
         <p:nvSpPr>
-          <p:cNvPr id="270" name="CustomShape 25"/>
+          <p:cNvPr id="267" name="CustomShape 25"/>
           <p:cNvSpPr/>
           <p:nvPr/>
         </p:nvSpPr>
         <p:spPr>
           <a:xfrm>
             <a:off x="360000" y="360000"/>
-            <a:ext cx="9346680" cy="886680"/>
+            <a:ext cx="9345960" cy="885960"/>
           </a:xfrm>
           <a:prstGeom prst="rect">
             <a:avLst/>
@@ -22741,14 +21773,14 @@
       </p:sp>
       <p:sp>
         <p:nvSpPr>
-          <p:cNvPr id="271" name="CustomShape 26"/>
+          <p:cNvPr id="268" name="CustomShape 26"/>
           <p:cNvSpPr/>
           <p:nvPr/>
         </p:nvSpPr>
         <p:spPr>
           <a:xfrm>
             <a:off x="897120" y="6886080"/>
-            <a:ext cx="6433920" cy="351720"/>
+            <a:ext cx="6433200" cy="351000"/>
           </a:xfrm>
           <a:prstGeom prst="rect">
             <a:avLst/>
@@ -22793,14 +21825,14 @@
       </p:sp>
       <p:sp>
         <p:nvSpPr>
-          <p:cNvPr id="272" name="CustomShape 27"/>
+          <p:cNvPr id="269" name="CustomShape 27"/>
           <p:cNvSpPr/>
           <p:nvPr/>
         </p:nvSpPr>
         <p:spPr>
           <a:xfrm>
             <a:off x="7608600" y="6886080"/>
-            <a:ext cx="2271960" cy="351720"/>
+            <a:ext cx="2271240" cy="351000"/>
           </a:xfrm>
           <a:prstGeom prst="rect">
             <a:avLst/>
@@ -22845,14 +21877,14 @@
       </p:sp>
       <p:sp>
         <p:nvSpPr>
-          <p:cNvPr id="273" name=""/>
+          <p:cNvPr id="270" name=""/>
           <p:cNvSpPr/>
           <p:nvPr/>
         </p:nvSpPr>
         <p:spPr>
           <a:xfrm rot="18000">
-            <a:off x="328320" y="1552320"/>
-            <a:ext cx="9196560" cy="5130000"/>
+            <a:off x="327600" y="1551600"/>
+            <a:ext cx="9195840" cy="5129280"/>
           </a:xfrm>
           <a:prstGeom prst="rect">
             <a:avLst/>
@@ -23131,7 +22163,7 @@
       </p:sp>
       <p:pic>
         <p:nvPicPr>
-          <p:cNvPr id="274" name="" descr=""/>
+          <p:cNvPr id="271" name="" descr=""/>
           <p:cNvPicPr/>
           <p:nvPr/>
         </p:nvPicPr>
@@ -23142,7 +22174,7 @@
         <p:spPr>
           <a:xfrm>
             <a:off x="3600000" y="2592000"/>
-            <a:ext cx="4228920" cy="1070280"/>
+            <a:ext cx="4228200" cy="1069560"/>
           </a:xfrm>
           <a:prstGeom prst="rect">
             <a:avLst/>
@@ -23154,7 +22186,7 @@
       </p:pic>
       <p:pic>
         <p:nvPicPr>
-          <p:cNvPr id="275" name="" descr=""/>
+          <p:cNvPr id="272" name="" descr=""/>
           <p:cNvPicPr/>
           <p:nvPr/>
         </p:nvPicPr>
@@ -23165,7 +22197,7 @@
         <p:spPr>
           <a:xfrm>
             <a:off x="1080000" y="4974120"/>
-            <a:ext cx="3699000" cy="1145520"/>
+            <a:ext cx="3698280" cy="1144800"/>
           </a:xfrm>
           <a:prstGeom prst="rect">
             <a:avLst/>
@@ -23177,7 +22209,7 @@
       </p:pic>
       <p:pic>
         <p:nvPicPr>
-          <p:cNvPr id="276" name="" descr=""/>
+          <p:cNvPr id="273" name="" descr=""/>
           <p:cNvPicPr/>
           <p:nvPr/>
         </p:nvPicPr>
@@ -23188,7 +22220,7 @@
         <p:spPr>
           <a:xfrm>
             <a:off x="6123960" y="5084280"/>
-            <a:ext cx="3055680" cy="963000"/>
+            <a:ext cx="3054960" cy="962280"/>
           </a:xfrm>
           <a:prstGeom prst="rect">
             <a:avLst/>
@@ -23200,14 +22232,14 @@
       </p:pic>
       <p:sp>
         <p:nvSpPr>
-          <p:cNvPr id="277" name=""/>
+          <p:cNvPr id="274" name=""/>
           <p:cNvSpPr/>
           <p:nvPr/>
         </p:nvSpPr>
         <p:spPr>
           <a:xfrm>
             <a:off x="5220000" y="5400360"/>
-            <a:ext cx="539280" cy="179280"/>
+            <a:ext cx="538560" cy="178560"/>
           </a:xfrm>
           <a:custGeom>
             <a:avLst/>
@@ -23289,14 +22321,14 @@
       </p:grpSpPr>
       <p:sp>
         <p:nvSpPr>
-          <p:cNvPr id="278" name="CustomShape 29"/>
+          <p:cNvPr id="275" name="CustomShape 29"/>
           <p:cNvSpPr/>
           <p:nvPr/>
         </p:nvSpPr>
         <p:spPr>
           <a:xfrm>
             <a:off x="360000" y="360000"/>
-            <a:ext cx="9346680" cy="886680"/>
+            <a:ext cx="9345960" cy="885960"/>
           </a:xfrm>
           <a:prstGeom prst="rect">
             <a:avLst/>
@@ -23341,14 +22373,14 @@
       </p:sp>
       <p:sp>
         <p:nvSpPr>
-          <p:cNvPr id="279" name="CustomShape 30"/>
+          <p:cNvPr id="276" name="CustomShape 30"/>
           <p:cNvSpPr/>
           <p:nvPr/>
         </p:nvSpPr>
         <p:spPr>
           <a:xfrm>
             <a:off x="897120" y="6886080"/>
-            <a:ext cx="6433920" cy="351720"/>
+            <a:ext cx="6433200" cy="351000"/>
           </a:xfrm>
           <a:prstGeom prst="rect">
             <a:avLst/>
@@ -23393,14 +22425,14 @@
       </p:sp>
       <p:sp>
         <p:nvSpPr>
-          <p:cNvPr id="280" name="CustomShape 31"/>
+          <p:cNvPr id="277" name="CustomShape 31"/>
           <p:cNvSpPr/>
           <p:nvPr/>
         </p:nvSpPr>
         <p:spPr>
           <a:xfrm>
             <a:off x="7608600" y="6886080"/>
-            <a:ext cx="2271960" cy="351720"/>
+            <a:ext cx="2271240" cy="351000"/>
           </a:xfrm>
           <a:prstGeom prst="rect">
             <a:avLst/>
@@ -23445,14 +22477,14 @@
       </p:sp>
       <p:sp>
         <p:nvSpPr>
-          <p:cNvPr id="281" name=""/>
+          <p:cNvPr id="278" name=""/>
           <p:cNvSpPr/>
           <p:nvPr/>
         </p:nvSpPr>
         <p:spPr>
           <a:xfrm rot="18000">
-            <a:off x="328320" y="1552320"/>
-            <a:ext cx="9196560" cy="5130000"/>
+            <a:off x="327600" y="1551600"/>
+            <a:ext cx="9195840" cy="5129280"/>
           </a:xfrm>
           <a:prstGeom prst="rect">
             <a:avLst/>
@@ -23627,7 +22659,7 @@
       </p:sp>
       <p:pic>
         <p:nvPicPr>
-          <p:cNvPr id="282" name="" descr=""/>
+          <p:cNvPr id="279" name="" descr=""/>
           <p:cNvPicPr/>
           <p:nvPr/>
         </p:nvPicPr>
@@ -23638,7 +22670,7 @@
         <p:spPr>
           <a:xfrm>
             <a:off x="3771360" y="4011480"/>
-            <a:ext cx="5407560" cy="1955160"/>
+            <a:ext cx="5406840" cy="1954440"/>
           </a:xfrm>
           <a:prstGeom prst="rect">
             <a:avLst/>
@@ -23650,14 +22682,14 @@
       </p:pic>
       <p:sp>
         <p:nvSpPr>
-          <p:cNvPr id="283" name=""/>
+          <p:cNvPr id="280" name=""/>
           <p:cNvSpPr/>
           <p:nvPr/>
         </p:nvSpPr>
         <p:spPr>
           <a:xfrm>
             <a:off x="1044000" y="3888000"/>
-            <a:ext cx="2100240" cy="2123640"/>
+            <a:ext cx="2099520" cy="2122920"/>
           </a:xfrm>
           <a:prstGeom prst="rect">
             <a:avLst/>
@@ -23798,7 +22830,7 @@
       </p:sp>
       <p:pic>
         <p:nvPicPr>
-          <p:cNvPr id="284" name="" descr=""/>
+          <p:cNvPr id="281" name="" descr=""/>
           <p:cNvPicPr/>
           <p:nvPr/>
         </p:nvPicPr>
@@ -23809,7 +22841,7 @@
         <p:spPr>
           <a:xfrm>
             <a:off x="3143520" y="2340000"/>
-            <a:ext cx="3876120" cy="968760"/>
+            <a:ext cx="3875400" cy="968040"/>
           </a:xfrm>
           <a:prstGeom prst="rect">
             <a:avLst/>
